--- a/05_Documentacao/01_Power_point/Otimização de Custos de Ações Judiciais.pptx
+++ b/05_Documentacao/01_Power_point/Otimização de Custos de Ações Judiciais.pptx
@@ -8,11 +8,16 @@
     <p:sldId id="256" r:id="rId2"/>
     <p:sldId id="257" r:id="rId3"/>
     <p:sldId id="258" r:id="rId4"/>
-    <p:sldId id="284" r:id="rId5"/>
-    <p:sldId id="283" r:id="rId6"/>
-    <p:sldId id="286" r:id="rId7"/>
-    <p:sldId id="285" r:id="rId8"/>
+    <p:sldId id="286" r:id="rId5"/>
+    <p:sldId id="285" r:id="rId6"/>
+    <p:sldId id="284" r:id="rId7"/>
+    <p:sldId id="283" r:id="rId8"/>
     <p:sldId id="287" r:id="rId9"/>
+    <p:sldId id="288" r:id="rId10"/>
+    <p:sldId id="289" r:id="rId11"/>
+    <p:sldId id="290" r:id="rId12"/>
+    <p:sldId id="291" r:id="rId13"/>
+    <p:sldId id="292" r:id="rId14"/>
   </p:sldIdLst>
   <p:sldSz cx="12192000" cy="6858000"/>
   <p:notesSz cx="6858000" cy="9144000"/>
@@ -266,7 +271,7 @@
           <a:p>
             <a:fld id="{7C5C64AF-CB1E-4466-AA6C-9F57C4F9061D}" type="datetimeFigureOut">
               <a:rPr lang="pt-BR" smtClean="0"/>
-              <a:t>06/04/2025</a:t>
+              <a:t>07/04/2025</a:t>
             </a:fld>
             <a:endParaRPr lang="pt-BR" dirty="0"/>
           </a:p>
@@ -464,7 +469,7 @@
           <a:p>
             <a:fld id="{7C5C64AF-CB1E-4466-AA6C-9F57C4F9061D}" type="datetimeFigureOut">
               <a:rPr lang="pt-BR" smtClean="0"/>
-              <a:t>06/04/2025</a:t>
+              <a:t>07/04/2025</a:t>
             </a:fld>
             <a:endParaRPr lang="pt-BR" dirty="0"/>
           </a:p>
@@ -672,7 +677,7 @@
           <a:p>
             <a:fld id="{7C5C64AF-CB1E-4466-AA6C-9F57C4F9061D}" type="datetimeFigureOut">
               <a:rPr lang="pt-BR" smtClean="0"/>
-              <a:t>06/04/2025</a:t>
+              <a:t>07/04/2025</a:t>
             </a:fld>
             <a:endParaRPr lang="pt-BR" dirty="0"/>
           </a:p>
@@ -870,7 +875,7 @@
           <a:p>
             <a:fld id="{7C5C64AF-CB1E-4466-AA6C-9F57C4F9061D}" type="datetimeFigureOut">
               <a:rPr lang="pt-BR" smtClean="0"/>
-              <a:t>06/04/2025</a:t>
+              <a:t>07/04/2025</a:t>
             </a:fld>
             <a:endParaRPr lang="pt-BR" dirty="0"/>
           </a:p>
@@ -1145,7 +1150,7 @@
           <a:p>
             <a:fld id="{7C5C64AF-CB1E-4466-AA6C-9F57C4F9061D}" type="datetimeFigureOut">
               <a:rPr lang="pt-BR" smtClean="0"/>
-              <a:t>06/04/2025</a:t>
+              <a:t>07/04/2025</a:t>
             </a:fld>
             <a:endParaRPr lang="pt-BR" dirty="0"/>
           </a:p>
@@ -1410,7 +1415,7 @@
           <a:p>
             <a:fld id="{7C5C64AF-CB1E-4466-AA6C-9F57C4F9061D}" type="datetimeFigureOut">
               <a:rPr lang="pt-BR" smtClean="0"/>
-              <a:t>06/04/2025</a:t>
+              <a:t>07/04/2025</a:t>
             </a:fld>
             <a:endParaRPr lang="pt-BR" dirty="0"/>
           </a:p>
@@ -1822,7 +1827,7 @@
           <a:p>
             <a:fld id="{7C5C64AF-CB1E-4466-AA6C-9F57C4F9061D}" type="datetimeFigureOut">
               <a:rPr lang="pt-BR" smtClean="0"/>
-              <a:t>06/04/2025</a:t>
+              <a:t>07/04/2025</a:t>
             </a:fld>
             <a:endParaRPr lang="pt-BR" dirty="0"/>
           </a:p>
@@ -1963,7 +1968,7 @@
           <a:p>
             <a:fld id="{7C5C64AF-CB1E-4466-AA6C-9F57C4F9061D}" type="datetimeFigureOut">
               <a:rPr lang="pt-BR" smtClean="0"/>
-              <a:t>06/04/2025</a:t>
+              <a:t>07/04/2025</a:t>
             </a:fld>
             <a:endParaRPr lang="pt-BR" dirty="0"/>
           </a:p>
@@ -2076,7 +2081,7 @@
           <a:p>
             <a:fld id="{7C5C64AF-CB1E-4466-AA6C-9F57C4F9061D}" type="datetimeFigureOut">
               <a:rPr lang="pt-BR" smtClean="0"/>
-              <a:t>06/04/2025</a:t>
+              <a:t>07/04/2025</a:t>
             </a:fld>
             <a:endParaRPr lang="pt-BR" dirty="0"/>
           </a:p>
@@ -2387,7 +2392,7 @@
           <a:p>
             <a:fld id="{7C5C64AF-CB1E-4466-AA6C-9F57C4F9061D}" type="datetimeFigureOut">
               <a:rPr lang="pt-BR" smtClean="0"/>
-              <a:t>06/04/2025</a:t>
+              <a:t>07/04/2025</a:t>
             </a:fld>
             <a:endParaRPr lang="pt-BR" dirty="0"/>
           </a:p>
@@ -2675,7 +2680,7 @@
           <a:p>
             <a:fld id="{7C5C64AF-CB1E-4466-AA6C-9F57C4F9061D}" type="datetimeFigureOut">
               <a:rPr lang="pt-BR" smtClean="0"/>
-              <a:t>06/04/2025</a:t>
+              <a:t>07/04/2025</a:t>
             </a:fld>
             <a:endParaRPr lang="pt-BR" dirty="0"/>
           </a:p>
@@ -2916,7 +2921,7 @@
           <a:p>
             <a:fld id="{7C5C64AF-CB1E-4466-AA6C-9F57C4F9061D}" type="datetimeFigureOut">
               <a:rPr lang="pt-BR" smtClean="0"/>
-              <a:t>06/04/2025</a:t>
+              <a:t>07/04/2025</a:t>
             </a:fld>
             <a:endParaRPr lang="pt-BR" dirty="0"/>
           </a:p>
@@ -3397,7 +3402,7 @@
           <a:lstStyle/>
           <a:p>
             <a:pPr algn="ctr"/>
-            <a:endParaRPr lang="en-US" dirty="0"/>
+            <a:endParaRPr lang="pt-BR" noProof="0" dirty="0"/>
           </a:p>
         </p:txBody>
       </p:sp>
@@ -3513,7 +3518,7 @@
           <a:lstStyle/>
           <a:p>
             <a:pPr algn="ctr"/>
-            <a:endParaRPr lang="en-US" dirty="0"/>
+            <a:endParaRPr lang="pt-BR" noProof="0" dirty="0"/>
           </a:p>
         </p:txBody>
       </p:sp>
@@ -3546,6 +3551,17 @@
           <a:lstStyle/>
           <a:p>
             <a:pPr algn="l"/>
+            <a:r>
+              <a:rPr lang="pt-BR" sz="4800" b="0" i="0" noProof="0" dirty="0" err="1">
+                <a:solidFill>
+                  <a:schemeClr val="bg1"/>
+                </a:solidFill>
+                <a:effectLst/>
+                <a:latin typeface="Inter"/>
+                <a:hlinkClick r:id="rId3"/>
+              </a:rPr>
+              <a:t>Otimização</a:t>
+            </a:r>
             <a:r>
               <a:rPr lang="pt-BR" sz="4800" b="0" i="0" noProof="0" dirty="0">
                 <a:solidFill>
@@ -3555,7 +3571,29 @@
                 <a:latin typeface="Inter"/>
                 <a:hlinkClick r:id="rId3"/>
               </a:rPr>
-              <a:t>Otimização de Custos de Ações Judiciais</a:t>
+              <a:t> de Custos de </a:t>
+            </a:r>
+            <a:r>
+              <a:rPr lang="pt-BR" sz="4800" b="0" i="0" noProof="0" dirty="0" err="1">
+                <a:solidFill>
+                  <a:schemeClr val="bg1"/>
+                </a:solidFill>
+                <a:effectLst/>
+                <a:latin typeface="Inter"/>
+                <a:hlinkClick r:id="rId3"/>
+              </a:rPr>
+              <a:t>Ações</a:t>
+            </a:r>
+            <a:r>
+              <a:rPr lang="pt-BR" sz="4800" b="0" i="0" noProof="0" dirty="0">
+                <a:solidFill>
+                  <a:schemeClr val="bg1"/>
+                </a:solidFill>
+                <a:effectLst/>
+                <a:latin typeface="Inter"/>
+                <a:hlinkClick r:id="rId3"/>
+              </a:rPr>
+              <a:t> Judiciais</a:t>
             </a:r>
             <a:endParaRPr lang="pt-BR" sz="4800" noProof="0" dirty="0">
               <a:solidFill>
@@ -3584,7 +3622,7 @@
         <p:spPr>
           <a:xfrm>
             <a:off x="477980" y="4872922"/>
-            <a:ext cx="4023359" cy="1208141"/>
+            <a:ext cx="3697205" cy="1043765"/>
           </a:xfrm>
         </p:spPr>
         <p:txBody>
@@ -3593,7 +3631,7 @@
           </a:bodyPr>
           <a:lstStyle/>
           <a:p>
-            <a:pPr algn="l"/>
+            <a:pPr algn="just"/>
             <a:r>
               <a:rPr lang="pt-BR" sz="1700" b="1" i="0" noProof="0" dirty="0">
                 <a:solidFill>
@@ -3671,7 +3709,7 @@
           <a:lstStyle/>
           <a:p>
             <a:pPr algn="ctr"/>
-            <a:endParaRPr lang="en-US" dirty="0">
+            <a:endParaRPr lang="pt-BR" noProof="0" dirty="0">
               <a:solidFill>
                 <a:prstClr val="white"/>
               </a:solidFill>
@@ -3756,7 +3794,7 @@
               <a:tabLst/>
               <a:defRPr/>
             </a:pPr>
-            <a:endParaRPr kumimoji="0" lang="en-US" sz="1800" b="0" i="0" u="none" strike="noStrike" kern="1200" cap="none" spc="0" normalizeH="0" baseline="0" noProof="0" dirty="0">
+            <a:endParaRPr kumimoji="0" lang="pt-BR" sz="1800" b="0" i="0" u="none" strike="noStrike" kern="1200" cap="none" spc="0" normalizeH="0" baseline="0" noProof="0" dirty="0">
               <a:ln>
                 <a:noFill/>
               </a:ln>
@@ -3925,184 +3963,7 @@
 </p:sld>
 </file>
 
-<file path=ppt/slides/slide2.xml><?xml version="1.0" encoding="utf-8"?>
-<p:sld xmlns:a="http://schemas.openxmlformats.org/drawingml/2006/main" xmlns:r="http://schemas.openxmlformats.org/officeDocument/2006/relationships" xmlns:p="http://schemas.openxmlformats.org/presentationml/2006/main">
-  <p:cSld>
-    <p:bg>
-      <p:bgPr>
-        <a:solidFill>
-          <a:srgbClr val="000000"/>
-        </a:solidFill>
-        <a:effectLst/>
-      </p:bgPr>
-    </p:bg>
-    <p:spTree>
-      <p:nvGrpSpPr>
-        <p:cNvPr id="1" name=""/>
-        <p:cNvGrpSpPr/>
-        <p:nvPr/>
-      </p:nvGrpSpPr>
-      <p:grpSpPr>
-        <a:xfrm>
-          <a:off x="0" y="0"/>
-          <a:ext cx="0" cy="0"/>
-          <a:chOff x="0" y="0"/>
-          <a:chExt cx="0" cy="0"/>
-        </a:xfrm>
-      </p:grpSpPr>
-      <p:sp>
-        <p:nvSpPr>
-          <p:cNvPr id="9" name="Rectangle 8">
-            <a:extLst>
-              <a:ext uri="{FF2B5EF4-FFF2-40B4-BE49-F238E27FC236}">
-                <a16:creationId xmlns:a16="http://schemas.microsoft.com/office/drawing/2014/main" id="{71B2258F-86CA-4D4D-8270-BC05FCDEBFB3}"/>
-              </a:ext>
-              <a:ext uri="{C183D7F6-B498-43B3-948B-1728B52AA6E4}">
-                <adec:decorative xmlns:adec="http://schemas.microsoft.com/office/drawing/2017/decorative" val="1"/>
-              </a:ext>
-            </a:extLst>
-          </p:cNvPr>
-          <p:cNvSpPr>
-            <a:spLocks noGrp="1" noRot="1" noChangeAspect="1" noMove="1" noResize="1" noEditPoints="1" noAdjustHandles="1" noChangeArrowheads="1" noChangeShapeType="1" noTextEdit="1"/>
-          </p:cNvSpPr>
-          <p:nvPr>
-            <p:extLst>
-              <p:ext uri="{386F3935-93C4-4BCD-93E2-E3B085C9AB24}">
-                <p16:designElem xmlns:p16="http://schemas.microsoft.com/office/powerpoint/2015/main" val="1"/>
-              </p:ext>
-            </p:extLst>
-          </p:nvPr>
-        </p:nvSpPr>
-        <p:spPr>
-          <a:xfrm>
-            <a:off x="0" y="0"/>
-            <a:ext cx="12192000" cy="6857999"/>
-          </a:xfrm>
-          <a:prstGeom prst="rect">
-            <a:avLst/>
-          </a:prstGeom>
-          <a:solidFill>
-            <a:srgbClr val="000000"/>
-          </a:solidFill>
-          <a:ln>
-            <a:noFill/>
-          </a:ln>
-        </p:spPr>
-        <p:style>
-          <a:lnRef idx="2">
-            <a:schemeClr val="accent1">
-              <a:shade val="50000"/>
-            </a:schemeClr>
-          </a:lnRef>
-          <a:fillRef idx="1">
-            <a:schemeClr val="accent1"/>
-          </a:fillRef>
-          <a:effectRef idx="0">
-            <a:schemeClr val="accent1"/>
-          </a:effectRef>
-          <a:fontRef idx="minor">
-            <a:schemeClr val="lt1"/>
-          </a:fontRef>
-        </p:style>
-        <p:txBody>
-          <a:bodyPr rtlCol="0" anchor="ctr"/>
-          <a:lstStyle/>
-          <a:p>
-            <a:pPr algn="ctr"/>
-            <a:endParaRPr lang="en-US" dirty="0"/>
-          </a:p>
-        </p:txBody>
-      </p:sp>
-      <p:pic>
-        <p:nvPicPr>
-          <p:cNvPr id="4" name="Imagem 3" descr="Uma imagem contendo mesa, quarto, balcão, espelho&#10;&#10;O conteúdo gerado por IA pode estar incorreto.">
-            <a:extLst>
-              <a:ext uri="{FF2B5EF4-FFF2-40B4-BE49-F238E27FC236}">
-                <a16:creationId xmlns:a16="http://schemas.microsoft.com/office/drawing/2014/main" id="{0FF3229F-8FAD-AD98-385E-4C94F1E9FCED}"/>
-              </a:ext>
-            </a:extLst>
-          </p:cNvPr>
-          <p:cNvPicPr>
-            <a:picLocks noChangeAspect="1"/>
-          </p:cNvPicPr>
-          <p:nvPr/>
-        </p:nvPicPr>
-        <p:blipFill>
-          <a:blip r:embed="rId2">
-            <a:alphaModFix amt="50000"/>
-            <a:extLst>
-              <a:ext uri="{28A0092B-C50C-407E-A947-70E740481C1C}">
-                <a14:useLocalDpi xmlns:a14="http://schemas.microsoft.com/office/drawing/2010/main" val="0"/>
-              </a:ext>
-            </a:extLst>
-          </a:blip>
-          <a:srcRect t="34551" b="9199"/>
-          <a:stretch/>
-        </p:blipFill>
-        <p:spPr>
-          <a:xfrm>
-            <a:off x="20" y="1"/>
-            <a:ext cx="12191980" cy="6857999"/>
-          </a:xfrm>
-          <a:prstGeom prst="rect">
-            <a:avLst/>
-          </a:prstGeom>
-        </p:spPr>
-      </p:pic>
-      <p:sp>
-        <p:nvSpPr>
-          <p:cNvPr id="2" name="Título 1">
-            <a:extLst>
-              <a:ext uri="{FF2B5EF4-FFF2-40B4-BE49-F238E27FC236}">
-                <a16:creationId xmlns:a16="http://schemas.microsoft.com/office/drawing/2014/main" id="{52122EE8-B8AB-CC2A-FC01-104F3D7E7C0B}"/>
-              </a:ext>
-            </a:extLst>
-          </p:cNvPr>
-          <p:cNvSpPr>
-            <a:spLocks noGrp="1"/>
-          </p:cNvSpPr>
-          <p:nvPr>
-            <p:ph type="title"/>
-          </p:nvPr>
-        </p:nvSpPr>
-        <p:spPr>
-          <a:xfrm>
-            <a:off x="1524000" y="1122362"/>
-            <a:ext cx="9144000" cy="2900518"/>
-          </a:xfrm>
-        </p:spPr>
-        <p:txBody>
-          <a:bodyPr vert="horz" lIns="91440" tIns="45720" rIns="91440" bIns="45720" rtlCol="0" anchor="b">
-            <a:normAutofit/>
-          </a:bodyPr>
-          <a:lstStyle/>
-          <a:p>
-            <a:pPr algn="ctr"/>
-            <a:r>
-              <a:rPr lang="en-US" noProof="0" dirty="0">
-                <a:solidFill>
-                  <a:srgbClr val="FFFFFF"/>
-                </a:solidFill>
-              </a:rPr>
-              <a:t>Introdução e Escopo</a:t>
-            </a:r>
-          </a:p>
-        </p:txBody>
-      </p:sp>
-    </p:spTree>
-    <p:extLst>
-      <p:ext uri="{BB962C8B-B14F-4D97-AF65-F5344CB8AC3E}">
-        <p14:creationId xmlns:p14="http://schemas.microsoft.com/office/powerpoint/2010/main" val="3120725812"/>
-      </p:ext>
-    </p:extLst>
-  </p:cSld>
-  <p:clrMapOvr>
-    <a:overrideClrMapping bg1="dk1" tx1="lt1" bg2="dk2" tx2="lt2" accent1="accent1" accent2="accent2" accent3="accent3" accent4="accent4" accent5="accent5" accent6="accent6" hlink="hlink" folHlink="folHlink"/>
-  </p:clrMapOvr>
-</p:sld>
-</file>
-
-<file path=ppt/slides/slide3.xml><?xml version="1.0" encoding="utf-8"?>
+<file path=ppt/slides/slide10.xml><?xml version="1.0" encoding="utf-8"?>
 <p:sld xmlns:a="http://schemas.openxmlformats.org/drawingml/2006/main" xmlns:r="http://schemas.openxmlformats.org/officeDocument/2006/relationships" xmlns:p="http://schemas.openxmlformats.org/presentationml/2006/main">
   <p:cSld>
     <p:bg>
@@ -4115,7 +3976,13 @@
     </p:bg>
     <p:spTree>
       <p:nvGrpSpPr>
-        <p:cNvPr id="1" name=""/>
+        <p:cNvPr id="1" name="">
+          <a:extLst>
+            <a:ext uri="{FF2B5EF4-FFF2-40B4-BE49-F238E27FC236}">
+              <a16:creationId xmlns:a16="http://schemas.microsoft.com/office/drawing/2014/main" id="{2BE9A61E-F49C-5BB6-712F-5B443E43E583}"/>
+            </a:ext>
+          </a:extLst>
+        </p:cNvPr>
         <p:cNvGrpSpPr/>
         <p:nvPr/>
       </p:nvGrpSpPr>
@@ -4129,10 +3996,10 @@
       </p:grpSpPr>
       <p:sp useBgFill="1">
         <p:nvSpPr>
-          <p:cNvPr id="19" name="Rectangle 11">
-            <a:extLst>
-              <a:ext uri="{FF2B5EF4-FFF2-40B4-BE49-F238E27FC236}">
-                <a16:creationId xmlns:a16="http://schemas.microsoft.com/office/drawing/2014/main" id="{9AA72BD9-2C5A-4EDC-931F-5AA08EACA0F3}"/>
+          <p:cNvPr id="12" name="Rectangle 11">
+            <a:extLst>
+              <a:ext uri="{FF2B5EF4-FFF2-40B4-BE49-F238E27FC236}">
+                <a16:creationId xmlns:a16="http://schemas.microsoft.com/office/drawing/2014/main" id="{C1DDCEB0-9802-4D83-76A0-77AAE69107C5}"/>
               </a:ext>
               <a:ext uri="{C183D7F6-B498-43B3-948B-1728B52AA6E4}">
                 <adec:decorative xmlns:adec="http://schemas.microsoft.com/office/drawing/2017/decorative" val="1"/>
@@ -4183,16 +4050,16 @@
           <a:lstStyle/>
           <a:p>
             <a:pPr algn="ctr"/>
-            <a:endParaRPr lang="en-US" dirty="0"/>
+            <a:endParaRPr lang="pt-BR" noProof="0" dirty="0"/>
           </a:p>
         </p:txBody>
       </p:sp>
       <p:pic>
         <p:nvPicPr>
-          <p:cNvPr id="5" name="Espaço Reservado para Conteúdo 4" descr="Uma imagem contendo no interior, mesa, vivendo, quarto&#10;&#10;O conteúdo gerado por IA pode estar incorreto.">
-            <a:extLst>
-              <a:ext uri="{FF2B5EF4-FFF2-40B4-BE49-F238E27FC236}">
-                <a16:creationId xmlns:a16="http://schemas.microsoft.com/office/drawing/2014/main" id="{1C99919F-F78C-2BE6-919B-D846A00E9AF5}"/>
+          <p:cNvPr id="5" name="Espaço Reservado para Conteúdo 4" descr="Uma imagem contendo mesa, quarto, balcão, espelho&#10;&#10;O conteúdo gerado por IA pode estar incorreto.">
+            <a:extLst>
+              <a:ext uri="{FF2B5EF4-FFF2-40B4-BE49-F238E27FC236}">
+                <a16:creationId xmlns:a16="http://schemas.microsoft.com/office/drawing/2014/main" id="{21402758-EABA-4AEC-C786-9BDF55EAE619}"/>
               </a:ext>
             </a:extLst>
           </p:cNvPr>
@@ -4209,7 +4076,7 @@
               </a:ext>
             </a:extLst>
           </a:blip>
-          <a:srcRect l="9091" t="28087" r="-1" b="-1"/>
+          <a:srcRect t="28087" r="9090" b="-1"/>
           <a:stretch/>
         </p:blipFill>
         <p:spPr>
@@ -4224,10 +4091,10 @@
       </p:pic>
       <p:sp>
         <p:nvSpPr>
-          <p:cNvPr id="20" name="Rectangle 13">
-            <a:extLst>
-              <a:ext uri="{FF2B5EF4-FFF2-40B4-BE49-F238E27FC236}">
-                <a16:creationId xmlns:a16="http://schemas.microsoft.com/office/drawing/2014/main" id="{DD3981AC-7B61-4947-BCF3-F7AA7FA385B9}"/>
+          <p:cNvPr id="14" name="Rectangle 13">
+            <a:extLst>
+              <a:ext uri="{FF2B5EF4-FFF2-40B4-BE49-F238E27FC236}">
+                <a16:creationId xmlns:a16="http://schemas.microsoft.com/office/drawing/2014/main" id="{08919A05-F5B1-1098-A61B-BF240AB56C32}"/>
               </a:ext>
               <a:ext uri="{C183D7F6-B498-43B3-948B-1728B52AA6E4}">
                 <adec:decorative xmlns:adec="http://schemas.microsoft.com/office/drawing/2017/decorative" val="1"/>
@@ -4304,7 +4171,7 @@
           <a:lstStyle/>
           <a:p>
             <a:pPr algn="ctr"/>
-            <a:endParaRPr lang="en-US" dirty="0"/>
+            <a:endParaRPr lang="pt-BR" noProof="0" dirty="0"/>
           </a:p>
         </p:txBody>
       </p:sp>
@@ -4313,7 +4180,7 @@
           <p:cNvPr id="2" name="Título 1">
             <a:extLst>
               <a:ext uri="{FF2B5EF4-FFF2-40B4-BE49-F238E27FC236}">
-                <a16:creationId xmlns:a16="http://schemas.microsoft.com/office/drawing/2014/main" id="{93895BFE-0AA8-41E7-6E01-E446992A3D12}"/>
+                <a16:creationId xmlns:a16="http://schemas.microsoft.com/office/drawing/2014/main" id="{B5B24353-AB5F-3AB4-CDFD-DF7C295D8BA9}"/>
               </a:ext>
             </a:extLst>
           </p:cNvPr>
@@ -4342,17 +4209,17 @@
                   <a:schemeClr val="bg1"/>
                 </a:solidFill>
               </a:rPr>
-              <a:t>Objetivo do Trabalho</a:t>
-            </a:r>
-          </a:p>
-        </p:txBody>
-      </p:sp>
-      <p:sp>
-        <p:nvSpPr>
-          <p:cNvPr id="21" name="Rectangle 15">
-            <a:extLst>
-              <a:ext uri="{FF2B5EF4-FFF2-40B4-BE49-F238E27FC236}">
-                <a16:creationId xmlns:a16="http://schemas.microsoft.com/office/drawing/2014/main" id="{55D4142C-5077-457F-A6AD-3FECFDB39685}"/>
+              <a:t>Descrição da técnica utilizada</a:t>
+            </a:r>
+          </a:p>
+        </p:txBody>
+      </p:sp>
+      <p:sp>
+        <p:nvSpPr>
+          <p:cNvPr id="16" name="Rectangle 15">
+            <a:extLst>
+              <a:ext uri="{FF2B5EF4-FFF2-40B4-BE49-F238E27FC236}">
+                <a16:creationId xmlns:a16="http://schemas.microsoft.com/office/drawing/2014/main" id="{C35989E7-06B3-5241-0300-3F472F4C2453}"/>
               </a:ext>
               <a:ext uri="{C183D7F6-B498-43B3-948B-1728B52AA6E4}">
                 <adec:decorative xmlns:adec="http://schemas.microsoft.com/office/drawing/2017/decorative" val="1"/>
@@ -4406,7 +4273,7 @@
           <a:lstStyle/>
           <a:p>
             <a:pPr algn="ctr"/>
-            <a:endParaRPr lang="en-US" dirty="0">
+            <a:endParaRPr lang="pt-BR" noProof="0" dirty="0">
               <a:solidFill>
                 <a:prstClr val="white"/>
               </a:solidFill>
@@ -4420,7 +4287,7 @@
           <p:cNvPr id="18" name="Rectangle 17">
             <a:extLst>
               <a:ext uri="{FF2B5EF4-FFF2-40B4-BE49-F238E27FC236}">
-                <a16:creationId xmlns:a16="http://schemas.microsoft.com/office/drawing/2014/main" id="{7A5F0580-5EE9-419F-96EE-B6529EF6E7D0}"/>
+                <a16:creationId xmlns:a16="http://schemas.microsoft.com/office/drawing/2014/main" id="{55BB8FB9-6C03-BB2C-0DFD-22D53D233DF8}"/>
               </a:ext>
               <a:ext uri="{C183D7F6-B498-43B3-948B-1728B52AA6E4}">
                 <adec:decorative xmlns:adec="http://schemas.microsoft.com/office/drawing/2017/decorative" val="1"/>
@@ -4493,7 +4360,7 @@
               <a:tabLst/>
               <a:defRPr/>
             </a:pPr>
-            <a:endParaRPr kumimoji="0" lang="en-US" sz="1800" b="0" i="0" u="none" strike="noStrike" kern="1200" cap="none" spc="0" normalizeH="0" baseline="0" noProof="0" dirty="0">
+            <a:endParaRPr kumimoji="0" lang="pt-BR" sz="1800" b="0" i="0" u="none" strike="noStrike" kern="1200" cap="none" spc="0" normalizeH="0" baseline="0" noProof="0" dirty="0">
               <a:ln>
                 <a:noFill/>
               </a:ln>
@@ -4515,7 +4382,7 @@
           <p:cNvPr id="9" name="Content Placeholder 8">
             <a:extLst>
               <a:ext uri="{FF2B5EF4-FFF2-40B4-BE49-F238E27FC236}">
-                <a16:creationId xmlns:a16="http://schemas.microsoft.com/office/drawing/2014/main" id="{06840D77-AF45-198E-9564-D1CC37CF3234}"/>
+                <a16:creationId xmlns:a16="http://schemas.microsoft.com/office/drawing/2014/main" id="{09DC1C3E-1E5C-2FD9-9584-2B163D47C208}"/>
               </a:ext>
             </a:extLst>
           </p:cNvPr>
@@ -4529,7 +4396,7 @@
         <p:spPr>
           <a:xfrm>
             <a:off x="371094" y="2718054"/>
-            <a:ext cx="3438906" cy="3207258"/>
+            <a:ext cx="3438144" cy="3207258"/>
           </a:xfrm>
         </p:spPr>
         <p:txBody>
@@ -4538,7 +4405,80 @@
           </a:bodyPr>
           <a:lstStyle/>
           <a:p>
-            <a:endParaRPr lang="en-US" sz="1700" dirty="0">
+            <a:pPr algn="just"/>
+            <a:r>
+              <a:rPr lang="en-US" sz="1700" noProof="0" dirty="0">
+                <a:solidFill>
+                  <a:schemeClr val="bg1"/>
+                </a:solidFill>
+              </a:rPr>
+              <a:t>A </a:t>
+            </a:r>
+            <a:r>
+              <a:rPr lang="en-US" sz="1700" noProof="0" dirty="0" err="1">
+                <a:solidFill>
+                  <a:schemeClr val="bg1"/>
+                </a:solidFill>
+              </a:rPr>
+              <a:t>variável</a:t>
+            </a:r>
+            <a:r>
+              <a:rPr lang="en-US" sz="1700" noProof="0" dirty="0">
+                <a:solidFill>
+                  <a:schemeClr val="bg1"/>
+                </a:solidFill>
+              </a:rPr>
+              <a:t> </a:t>
+            </a:r>
+            <a:r>
+              <a:rPr lang="en-US" sz="1700" noProof="0" dirty="0" err="1">
+                <a:solidFill>
+                  <a:schemeClr val="bg1"/>
+                </a:solidFill>
+              </a:rPr>
+              <a:t>objetivo</a:t>
+            </a:r>
+            <a:r>
+              <a:rPr lang="en-US" sz="1700" noProof="0" dirty="0">
+                <a:solidFill>
+                  <a:schemeClr val="bg1"/>
+                </a:solidFill>
+              </a:rPr>
+              <a:t> do </a:t>
+            </a:r>
+            <a:r>
+              <a:rPr lang="en-US" sz="1700" noProof="0" dirty="0" err="1">
+                <a:solidFill>
+                  <a:schemeClr val="bg1"/>
+                </a:solidFill>
+              </a:rPr>
+              <a:t>projeto</a:t>
+            </a:r>
+            <a:r>
+              <a:rPr lang="en-US" sz="1700" noProof="0" dirty="0">
+                <a:solidFill>
+                  <a:schemeClr val="bg1"/>
+                </a:solidFill>
+              </a:rPr>
+              <a:t> é </a:t>
+            </a:r>
+            <a:r>
+              <a:rPr lang="en-US" sz="1700" noProof="0" dirty="0" err="1">
+                <a:solidFill>
+                  <a:schemeClr val="bg1"/>
+                </a:solidFill>
+              </a:rPr>
+              <a:t>Sentenças</a:t>
+            </a:r>
+            <a:r>
+              <a:rPr lang="en-US" sz="1700" noProof="0" dirty="0">
+                <a:solidFill>
+                  <a:schemeClr val="bg1"/>
+                </a:solidFill>
+              </a:rPr>
+              <a:t>.</a:t>
+            </a:r>
+            <a:endParaRPr lang="pt-BR" sz="1700" noProof="0" dirty="0">
               <a:solidFill>
                 <a:schemeClr val="bg1"/>
               </a:solidFill>
@@ -4549,7 +4489,7 @@
     </p:spTree>
     <p:extLst>
       <p:ext uri="{BB962C8B-B14F-4D97-AF65-F5344CB8AC3E}">
-        <p14:creationId xmlns:p14="http://schemas.microsoft.com/office/powerpoint/2010/main" val="1525873375"/>
+        <p14:creationId xmlns:p14="http://schemas.microsoft.com/office/powerpoint/2010/main" val="2786271612"/>
       </p:ext>
     </p:extLst>
   </p:cSld>
@@ -4559,7 +4499,7 @@
 </p:sld>
 </file>
 
-<file path=ppt/slides/slide4.xml><?xml version="1.0" encoding="utf-8"?>
+<file path=ppt/slides/slide11.xml><?xml version="1.0" encoding="utf-8"?>
 <p:sld xmlns:a="http://schemas.openxmlformats.org/drawingml/2006/main" xmlns:r="http://schemas.openxmlformats.org/officeDocument/2006/relationships" xmlns:p="http://schemas.openxmlformats.org/presentationml/2006/main">
   <p:cSld>
     <p:bg>
@@ -4575,7 +4515,7 @@
         <p:cNvPr id="1" name="">
           <a:extLst>
             <a:ext uri="{FF2B5EF4-FFF2-40B4-BE49-F238E27FC236}">
-              <a16:creationId xmlns:a16="http://schemas.microsoft.com/office/drawing/2014/main" id="{FF232F4B-8E6E-C4EA-2470-555A52BB369A}"/>
+              <a16:creationId xmlns:a16="http://schemas.microsoft.com/office/drawing/2014/main" id="{46528EB8-1DB7-BC56-3935-900672059847}"/>
             </a:ext>
           </a:extLst>
         </p:cNvPr>
@@ -4592,10 +4532,10 @@
       </p:grpSpPr>
       <p:sp useBgFill="1">
         <p:nvSpPr>
-          <p:cNvPr id="12" name="Rectangle 11">
-            <a:extLst>
-              <a:ext uri="{FF2B5EF4-FFF2-40B4-BE49-F238E27FC236}">
-                <a16:creationId xmlns:a16="http://schemas.microsoft.com/office/drawing/2014/main" id="{BD055F53-CE58-EFA7-C39B-E9463178AEF2}"/>
+          <p:cNvPr id="19" name="Rectangle 11">
+            <a:extLst>
+              <a:ext uri="{FF2B5EF4-FFF2-40B4-BE49-F238E27FC236}">
+                <a16:creationId xmlns:a16="http://schemas.microsoft.com/office/drawing/2014/main" id="{DFB401F8-F463-A41A-EC16-0B8FE4869428}"/>
               </a:ext>
               <a:ext uri="{C183D7F6-B498-43B3-948B-1728B52AA6E4}">
                 <adec:decorative xmlns:adec="http://schemas.microsoft.com/office/drawing/2017/decorative" val="1"/>
@@ -4646,16 +4586,16 @@
           <a:lstStyle/>
           <a:p>
             <a:pPr algn="ctr"/>
-            <a:endParaRPr lang="en-US" dirty="0"/>
+            <a:endParaRPr lang="pt-BR" noProof="0" dirty="0"/>
           </a:p>
         </p:txBody>
       </p:sp>
       <p:pic>
         <p:nvPicPr>
-          <p:cNvPr id="5" name="Espaço Reservado para Conteúdo 4" descr="Uma imagem contendo mesa, quarto, balcão, espelho&#10;&#10;O conteúdo gerado por IA pode estar incorreto.">
-            <a:extLst>
-              <a:ext uri="{FF2B5EF4-FFF2-40B4-BE49-F238E27FC236}">
-                <a16:creationId xmlns:a16="http://schemas.microsoft.com/office/drawing/2014/main" id="{63F14F9F-3BE4-D73D-D82F-01017F2E24AA}"/>
+          <p:cNvPr id="5" name="Espaço Reservado para Conteúdo 4" descr="Uma imagem contendo no interior, mesa, vivendo, quarto&#10;&#10;O conteúdo gerado por IA pode estar incorreto.">
+            <a:extLst>
+              <a:ext uri="{FF2B5EF4-FFF2-40B4-BE49-F238E27FC236}">
+                <a16:creationId xmlns:a16="http://schemas.microsoft.com/office/drawing/2014/main" id="{18BF3E7A-078F-26C5-5AA3-550ACBBB1693}"/>
               </a:ext>
             </a:extLst>
           </p:cNvPr>
@@ -4672,7 +4612,7 @@
               </a:ext>
             </a:extLst>
           </a:blip>
-          <a:srcRect t="28087" r="9090" b="-1"/>
+          <a:srcRect l="9091" t="28087" r="-1" b="-1"/>
           <a:stretch/>
         </p:blipFill>
         <p:spPr>
@@ -4687,10 +4627,10 @@
       </p:pic>
       <p:sp>
         <p:nvSpPr>
-          <p:cNvPr id="14" name="Rectangle 13">
-            <a:extLst>
-              <a:ext uri="{FF2B5EF4-FFF2-40B4-BE49-F238E27FC236}">
-                <a16:creationId xmlns:a16="http://schemas.microsoft.com/office/drawing/2014/main" id="{856DA5A5-62D2-ACE3-9664-D01751CF5787}"/>
+          <p:cNvPr id="20" name="Rectangle 13">
+            <a:extLst>
+              <a:ext uri="{FF2B5EF4-FFF2-40B4-BE49-F238E27FC236}">
+                <a16:creationId xmlns:a16="http://schemas.microsoft.com/office/drawing/2014/main" id="{A23008DF-303A-52D1-0E11-3050109D4C59}"/>
               </a:ext>
               <a:ext uri="{C183D7F6-B498-43B3-948B-1728B52AA6E4}">
                 <adec:decorative xmlns:adec="http://schemas.microsoft.com/office/drawing/2017/decorative" val="1"/>
@@ -4767,7 +4707,7 @@
           <a:lstStyle/>
           <a:p>
             <a:pPr algn="ctr"/>
-            <a:endParaRPr lang="en-US" dirty="0"/>
+            <a:endParaRPr lang="pt-BR" noProof="0" dirty="0"/>
           </a:p>
         </p:txBody>
       </p:sp>
@@ -4776,7 +4716,7 @@
           <p:cNvPr id="2" name="Título 1">
             <a:extLst>
               <a:ext uri="{FF2B5EF4-FFF2-40B4-BE49-F238E27FC236}">
-                <a16:creationId xmlns:a16="http://schemas.microsoft.com/office/drawing/2014/main" id="{1C6EB7FB-7E66-8760-D611-727F97DE2234}"/>
+                <a16:creationId xmlns:a16="http://schemas.microsoft.com/office/drawing/2014/main" id="{E87CB09B-5A56-B5C9-FE42-D31C62A7EC68}"/>
               </a:ext>
             </a:extLst>
           </p:cNvPr>
@@ -4805,17 +4745,17 @@
                   <a:schemeClr val="bg1"/>
                 </a:solidFill>
               </a:rPr>
-              <a:t>Premissas</a:t>
-            </a:r>
-          </a:p>
-        </p:txBody>
-      </p:sp>
-      <p:sp>
-        <p:nvSpPr>
-          <p:cNvPr id="16" name="Rectangle 15">
-            <a:extLst>
-              <a:ext uri="{FF2B5EF4-FFF2-40B4-BE49-F238E27FC236}">
-                <a16:creationId xmlns:a16="http://schemas.microsoft.com/office/drawing/2014/main" id="{F394D71B-EF64-742D-A739-36EA2E24A2FE}"/>
+              <a:t>Resultados obtidos</a:t>
+            </a:r>
+          </a:p>
+        </p:txBody>
+      </p:sp>
+      <p:sp>
+        <p:nvSpPr>
+          <p:cNvPr id="21" name="Rectangle 15">
+            <a:extLst>
+              <a:ext uri="{FF2B5EF4-FFF2-40B4-BE49-F238E27FC236}">
+                <a16:creationId xmlns:a16="http://schemas.microsoft.com/office/drawing/2014/main" id="{03908EBC-B60D-FE2D-A06C-61D2CC99BC3E}"/>
               </a:ext>
               <a:ext uri="{C183D7F6-B498-43B3-948B-1728B52AA6E4}">
                 <adec:decorative xmlns:adec="http://schemas.microsoft.com/office/drawing/2017/decorative" val="1"/>
@@ -4869,7 +4809,7 @@
           <a:lstStyle/>
           <a:p>
             <a:pPr algn="ctr"/>
-            <a:endParaRPr lang="en-US" dirty="0">
+            <a:endParaRPr lang="pt-BR" noProof="0" dirty="0">
               <a:solidFill>
                 <a:prstClr val="white"/>
               </a:solidFill>
@@ -4883,7 +4823,7 @@
           <p:cNvPr id="18" name="Rectangle 17">
             <a:extLst>
               <a:ext uri="{FF2B5EF4-FFF2-40B4-BE49-F238E27FC236}">
-                <a16:creationId xmlns:a16="http://schemas.microsoft.com/office/drawing/2014/main" id="{92EAC0A1-32A9-623B-E1A7-3AF0E4BEF341}"/>
+                <a16:creationId xmlns:a16="http://schemas.microsoft.com/office/drawing/2014/main" id="{ADFA94BB-F1A1-AFDD-03CB-D35720D80E85}"/>
               </a:ext>
               <a:ext uri="{C183D7F6-B498-43B3-948B-1728B52AA6E4}">
                 <adec:decorative xmlns:adec="http://schemas.microsoft.com/office/drawing/2017/decorative" val="1"/>
@@ -4956,7 +4896,7 @@
               <a:tabLst/>
               <a:defRPr/>
             </a:pPr>
-            <a:endParaRPr kumimoji="0" lang="en-US" sz="1800" b="0" i="0" u="none" strike="noStrike" kern="1200" cap="none" spc="0" normalizeH="0" baseline="0" noProof="0" dirty="0">
+            <a:endParaRPr kumimoji="0" lang="pt-BR" sz="1800" b="0" i="0" u="none" strike="noStrike" kern="1200" cap="none" spc="0" normalizeH="0" baseline="0" noProof="0" dirty="0">
               <a:ln>
                 <a:noFill/>
               </a:ln>
@@ -4978,7 +4918,7 @@
           <p:cNvPr id="9" name="Content Placeholder 8">
             <a:extLst>
               <a:ext uri="{FF2B5EF4-FFF2-40B4-BE49-F238E27FC236}">
-                <a16:creationId xmlns:a16="http://schemas.microsoft.com/office/drawing/2014/main" id="{247C638B-7571-04ED-38C7-A8E5A4BA23DD}"/>
+                <a16:creationId xmlns:a16="http://schemas.microsoft.com/office/drawing/2014/main" id="{C9C1CA76-2103-4930-322F-438A6C1523F0}"/>
               </a:ext>
             </a:extLst>
           </p:cNvPr>
@@ -4991,8 +4931,8 @@
         </p:nvSpPr>
         <p:spPr>
           <a:xfrm>
-            <a:off x="371094" y="2718054"/>
-            <a:ext cx="3709200" cy="3812142"/>
+            <a:off x="371093" y="2718053"/>
+            <a:ext cx="4382061" cy="3743131"/>
           </a:xfrm>
         </p:spPr>
         <p:txBody>
@@ -5001,151 +4941,19 @@
           </a:bodyPr>
           <a:lstStyle/>
           <a:p>
-            <a:r>
-              <a:rPr lang="en-US" sz="1700" dirty="0">
-                <a:solidFill>
-                  <a:schemeClr val="bg1"/>
-                </a:solidFill>
-              </a:rPr>
-              <a:t>A base de dados possui 450 registros.</a:t>
-            </a:r>
-          </a:p>
-          <a:p>
-            <a:r>
-              <a:rPr lang="en-US" sz="1700" dirty="0">
-                <a:solidFill>
-                  <a:schemeClr val="bg1"/>
-                </a:solidFill>
-              </a:rPr>
-              <a:t>Os dados foram coletados entre 01 de julho de 2019 e 31 de dezembro de 2019.</a:t>
-            </a:r>
-          </a:p>
-          <a:p>
-            <a:r>
-              <a:rPr lang="en-US" sz="1700" dirty="0">
-                <a:solidFill>
-                  <a:schemeClr val="bg1"/>
-                </a:solidFill>
-              </a:rPr>
-              <a:t>Foram utilizadas apenas três estratégias.</a:t>
-            </a:r>
-          </a:p>
-          <a:p>
-            <a:r>
-              <a:rPr lang="en-US" sz="1700" dirty="0">
-                <a:solidFill>
-                  <a:schemeClr val="bg1"/>
-                </a:solidFill>
-              </a:rPr>
-              <a:t>Vara Cível de São Paulo.</a:t>
-            </a:r>
-          </a:p>
-          <a:p>
-            <a:r>
-              <a:rPr lang="en-US" sz="1700" dirty="0">
-                <a:solidFill>
-                  <a:schemeClr val="bg1"/>
-                </a:solidFill>
-              </a:rPr>
-              <a:t>As </a:t>
-            </a:r>
-            <a:r>
-              <a:rPr lang="en-US" sz="1700" dirty="0" err="1">
-                <a:solidFill>
-                  <a:schemeClr val="bg1"/>
-                </a:solidFill>
-              </a:rPr>
-              <a:t>taxas</a:t>
-            </a:r>
-            <a:r>
-              <a:rPr lang="en-US" sz="1700" dirty="0">
-                <a:solidFill>
-                  <a:schemeClr val="bg1"/>
-                </a:solidFill>
-              </a:rPr>
-              <a:t> </a:t>
-            </a:r>
-            <a:r>
-              <a:rPr lang="en-US" sz="1700" dirty="0" err="1">
-                <a:solidFill>
-                  <a:schemeClr val="bg1"/>
-                </a:solidFill>
-              </a:rPr>
-              <a:t>contratadas</a:t>
-            </a:r>
-            <a:r>
-              <a:rPr lang="en-US" sz="1700" dirty="0">
-                <a:solidFill>
-                  <a:schemeClr val="bg1"/>
-                </a:solidFill>
-              </a:rPr>
-              <a:t> </a:t>
-            </a:r>
-            <a:r>
-              <a:rPr lang="en-US" sz="1700" dirty="0" err="1">
-                <a:solidFill>
-                  <a:schemeClr val="bg1"/>
-                </a:solidFill>
-              </a:rPr>
-              <a:t>variam</a:t>
-            </a:r>
-            <a:r>
-              <a:rPr lang="en-US" sz="1700" dirty="0">
-                <a:solidFill>
-                  <a:schemeClr val="bg1"/>
-                </a:solidFill>
-              </a:rPr>
-              <a:t> entre 0,3 e 5,3.</a:t>
-            </a:r>
-          </a:p>
-          <a:p>
-            <a:r>
-              <a:rPr lang="en-US" sz="1700" dirty="0">
-                <a:solidFill>
-                  <a:schemeClr val="bg1"/>
-                </a:solidFill>
-              </a:rPr>
-              <a:t>O valor da </a:t>
-            </a:r>
-            <a:r>
-              <a:rPr lang="en-US" sz="1700" dirty="0" err="1">
-                <a:solidFill>
-                  <a:schemeClr val="bg1"/>
-                </a:solidFill>
-              </a:rPr>
-              <a:t>indenização</a:t>
-            </a:r>
-            <a:r>
-              <a:rPr lang="en-US" sz="1700" dirty="0">
-                <a:solidFill>
-                  <a:schemeClr val="bg1"/>
-                </a:solidFill>
-              </a:rPr>
-              <a:t> varia </a:t>
-            </a:r>
-            <a:r>
-              <a:rPr lang="en-US" sz="1700" dirty="0" err="1">
-                <a:solidFill>
-                  <a:schemeClr val="bg1"/>
-                </a:solidFill>
-              </a:rPr>
-              <a:t>até</a:t>
-            </a:r>
-            <a:r>
-              <a:rPr lang="en-US" sz="1700" dirty="0">
-                <a:solidFill>
-                  <a:schemeClr val="bg1"/>
-                </a:solidFill>
-              </a:rPr>
-              <a:t> 4.380,00. </a:t>
-            </a:r>
+            <a:pPr algn="just"/>
+            <a:endParaRPr lang="pt-BR" sz="1700" b="1" noProof="0" dirty="0">
+              <a:solidFill>
+                <a:schemeClr val="bg1"/>
+              </a:solidFill>
+            </a:endParaRPr>
           </a:p>
         </p:txBody>
       </p:sp>
     </p:spTree>
     <p:extLst>
       <p:ext uri="{BB962C8B-B14F-4D97-AF65-F5344CB8AC3E}">
-        <p14:creationId xmlns:p14="http://schemas.microsoft.com/office/powerpoint/2010/main" val="2188135844"/>
+        <p14:creationId xmlns:p14="http://schemas.microsoft.com/office/powerpoint/2010/main" val="168897984"/>
       </p:ext>
     </p:extLst>
   </p:cSld>
@@ -5155,7 +4963,190 @@
 </p:sld>
 </file>
 
-<file path=ppt/slides/slide5.xml><?xml version="1.0" encoding="utf-8"?>
+<file path=ppt/slides/slide12.xml><?xml version="1.0" encoding="utf-8"?>
+<p:sld xmlns:a="http://schemas.openxmlformats.org/drawingml/2006/main" xmlns:r="http://schemas.openxmlformats.org/officeDocument/2006/relationships" xmlns:p="http://schemas.openxmlformats.org/presentationml/2006/main">
+  <p:cSld>
+    <p:bg>
+      <p:bgPr>
+        <a:solidFill>
+          <a:srgbClr val="000000"/>
+        </a:solidFill>
+        <a:effectLst/>
+      </p:bgPr>
+    </p:bg>
+    <p:spTree>
+      <p:nvGrpSpPr>
+        <p:cNvPr id="1" name="">
+          <a:extLst>
+            <a:ext uri="{FF2B5EF4-FFF2-40B4-BE49-F238E27FC236}">
+              <a16:creationId xmlns:a16="http://schemas.microsoft.com/office/drawing/2014/main" id="{C11FC88F-02EF-3EB9-5311-5D859A563A9D}"/>
+            </a:ext>
+          </a:extLst>
+        </p:cNvPr>
+        <p:cNvGrpSpPr/>
+        <p:nvPr/>
+      </p:nvGrpSpPr>
+      <p:grpSpPr>
+        <a:xfrm>
+          <a:off x="0" y="0"/>
+          <a:ext cx="0" cy="0"/>
+          <a:chOff x="0" y="0"/>
+          <a:chExt cx="0" cy="0"/>
+        </a:xfrm>
+      </p:grpSpPr>
+      <p:sp>
+        <p:nvSpPr>
+          <p:cNvPr id="9" name="Rectangle 8">
+            <a:extLst>
+              <a:ext uri="{FF2B5EF4-FFF2-40B4-BE49-F238E27FC236}">
+                <a16:creationId xmlns:a16="http://schemas.microsoft.com/office/drawing/2014/main" id="{6197A526-6D86-9CB0-776A-777FCA5F753E}"/>
+              </a:ext>
+              <a:ext uri="{C183D7F6-B498-43B3-948B-1728B52AA6E4}">
+                <adec:decorative xmlns:adec="http://schemas.microsoft.com/office/drawing/2017/decorative" val="1"/>
+              </a:ext>
+            </a:extLst>
+          </p:cNvPr>
+          <p:cNvSpPr>
+            <a:spLocks noGrp="1" noRot="1" noChangeAspect="1" noMove="1" noResize="1" noEditPoints="1" noAdjustHandles="1" noChangeArrowheads="1" noChangeShapeType="1" noTextEdit="1"/>
+          </p:cNvSpPr>
+          <p:nvPr>
+            <p:extLst>
+              <p:ext uri="{386F3935-93C4-4BCD-93E2-E3B085C9AB24}">
+                <p16:designElem xmlns:p16="http://schemas.microsoft.com/office/powerpoint/2015/main" val="1"/>
+              </p:ext>
+            </p:extLst>
+          </p:nvPr>
+        </p:nvSpPr>
+        <p:spPr>
+          <a:xfrm>
+            <a:off x="0" y="0"/>
+            <a:ext cx="12192000" cy="6857999"/>
+          </a:xfrm>
+          <a:prstGeom prst="rect">
+            <a:avLst/>
+          </a:prstGeom>
+          <a:solidFill>
+            <a:srgbClr val="000000"/>
+          </a:solidFill>
+          <a:ln>
+            <a:noFill/>
+          </a:ln>
+        </p:spPr>
+        <p:style>
+          <a:lnRef idx="2">
+            <a:schemeClr val="accent1">
+              <a:shade val="50000"/>
+            </a:schemeClr>
+          </a:lnRef>
+          <a:fillRef idx="1">
+            <a:schemeClr val="accent1"/>
+          </a:fillRef>
+          <a:effectRef idx="0">
+            <a:schemeClr val="accent1"/>
+          </a:effectRef>
+          <a:fontRef idx="minor">
+            <a:schemeClr val="lt1"/>
+          </a:fontRef>
+        </p:style>
+        <p:txBody>
+          <a:bodyPr rtlCol="0" anchor="ctr"/>
+          <a:lstStyle/>
+          <a:p>
+            <a:pPr algn="ctr"/>
+            <a:endParaRPr lang="pt-BR" noProof="0" dirty="0"/>
+          </a:p>
+        </p:txBody>
+      </p:sp>
+      <p:pic>
+        <p:nvPicPr>
+          <p:cNvPr id="4" name="Imagem 3" descr="Uma imagem contendo mesa, quarto, balcão, espelho&#10;&#10;O conteúdo gerado por IA pode estar incorreto.">
+            <a:extLst>
+              <a:ext uri="{FF2B5EF4-FFF2-40B4-BE49-F238E27FC236}">
+                <a16:creationId xmlns:a16="http://schemas.microsoft.com/office/drawing/2014/main" id="{83E11D53-2C76-4784-073C-AFEF174F5186}"/>
+              </a:ext>
+            </a:extLst>
+          </p:cNvPr>
+          <p:cNvPicPr>
+            <a:picLocks noChangeAspect="1"/>
+          </p:cNvPicPr>
+          <p:nvPr/>
+        </p:nvPicPr>
+        <p:blipFill>
+          <a:blip r:embed="rId2">
+            <a:alphaModFix amt="50000"/>
+            <a:extLst>
+              <a:ext uri="{28A0092B-C50C-407E-A947-70E740481C1C}">
+                <a14:useLocalDpi xmlns:a14="http://schemas.microsoft.com/office/drawing/2010/main" val="0"/>
+              </a:ext>
+            </a:extLst>
+          </a:blip>
+          <a:srcRect t="34551" b="9199"/>
+          <a:stretch/>
+        </p:blipFill>
+        <p:spPr>
+          <a:xfrm>
+            <a:off x="20" y="1"/>
+            <a:ext cx="12191980" cy="6857999"/>
+          </a:xfrm>
+          <a:prstGeom prst="rect">
+            <a:avLst/>
+          </a:prstGeom>
+        </p:spPr>
+      </p:pic>
+      <p:sp>
+        <p:nvSpPr>
+          <p:cNvPr id="2" name="Título 1">
+            <a:extLst>
+              <a:ext uri="{FF2B5EF4-FFF2-40B4-BE49-F238E27FC236}">
+                <a16:creationId xmlns:a16="http://schemas.microsoft.com/office/drawing/2014/main" id="{A0903606-E238-B9F4-EEA6-AEAC1E0B6610}"/>
+              </a:ext>
+            </a:extLst>
+          </p:cNvPr>
+          <p:cNvSpPr>
+            <a:spLocks noGrp="1"/>
+          </p:cNvSpPr>
+          <p:nvPr>
+            <p:ph type="title"/>
+          </p:nvPr>
+        </p:nvSpPr>
+        <p:spPr>
+          <a:xfrm>
+            <a:off x="1524000" y="1122362"/>
+            <a:ext cx="9144000" cy="2900518"/>
+          </a:xfrm>
+        </p:spPr>
+        <p:txBody>
+          <a:bodyPr vert="horz" lIns="91440" tIns="45720" rIns="91440" bIns="45720" rtlCol="0" anchor="b">
+            <a:normAutofit/>
+          </a:bodyPr>
+          <a:lstStyle/>
+          <a:p>
+            <a:pPr algn="ctr"/>
+            <a:r>
+              <a:rPr lang="pt-BR" noProof="0" dirty="0">
+                <a:solidFill>
+                  <a:srgbClr val="FFFFFF"/>
+                </a:solidFill>
+              </a:rPr>
+              <a:t>Conclusão</a:t>
+            </a:r>
+          </a:p>
+        </p:txBody>
+      </p:sp>
+    </p:spTree>
+    <p:extLst>
+      <p:ext uri="{BB962C8B-B14F-4D97-AF65-F5344CB8AC3E}">
+        <p14:creationId xmlns:p14="http://schemas.microsoft.com/office/powerpoint/2010/main" val="1958494268"/>
+      </p:ext>
+    </p:extLst>
+  </p:cSld>
+  <p:clrMapOvr>
+    <a:overrideClrMapping bg1="dk1" tx1="lt1" bg2="dk2" tx2="lt2" accent1="accent1" accent2="accent2" accent3="accent3" accent4="accent4" accent5="accent5" accent6="accent6" hlink="hlink" folHlink="folHlink"/>
+  </p:clrMapOvr>
+</p:sld>
+</file>
+
+<file path=ppt/slides/slide13.xml><?xml version="1.0" encoding="utf-8"?>
 <p:sld xmlns:a="http://schemas.openxmlformats.org/drawingml/2006/main" xmlns:r="http://schemas.openxmlformats.org/officeDocument/2006/relationships" xmlns:p="http://schemas.openxmlformats.org/presentationml/2006/main">
   <p:cSld>
     <p:bg>
@@ -5171,7 +5162,7 @@
         <p:cNvPr id="1" name="">
           <a:extLst>
             <a:ext uri="{FF2B5EF4-FFF2-40B4-BE49-F238E27FC236}">
-              <a16:creationId xmlns:a16="http://schemas.microsoft.com/office/drawing/2014/main" id="{C910DE08-10CD-485C-B01B-F02233B01965}"/>
+              <a16:creationId xmlns:a16="http://schemas.microsoft.com/office/drawing/2014/main" id="{B7032257-00EA-DE76-4CF7-091255E5149D}"/>
             </a:ext>
           </a:extLst>
         </p:cNvPr>
@@ -5188,10 +5179,10 @@
       </p:grpSpPr>
       <p:sp useBgFill="1">
         <p:nvSpPr>
-          <p:cNvPr id="12" name="Rectangle 11">
-            <a:extLst>
-              <a:ext uri="{FF2B5EF4-FFF2-40B4-BE49-F238E27FC236}">
-                <a16:creationId xmlns:a16="http://schemas.microsoft.com/office/drawing/2014/main" id="{1580C250-7091-B6B9-B420-E2D1AB16CD5C}"/>
+          <p:cNvPr id="19" name="Rectangle 11">
+            <a:extLst>
+              <a:ext uri="{FF2B5EF4-FFF2-40B4-BE49-F238E27FC236}">
+                <a16:creationId xmlns:a16="http://schemas.microsoft.com/office/drawing/2014/main" id="{72AF73AE-A214-741E-D491-4F59A8A90674}"/>
               </a:ext>
               <a:ext uri="{C183D7F6-B498-43B3-948B-1728B52AA6E4}">
                 <adec:decorative xmlns:adec="http://schemas.microsoft.com/office/drawing/2017/decorative" val="1"/>
@@ -5242,7 +5233,7 @@
           <a:lstStyle/>
           <a:p>
             <a:pPr algn="ctr"/>
-            <a:endParaRPr lang="en-US" dirty="0"/>
+            <a:endParaRPr lang="pt-BR" noProof="0" dirty="0"/>
           </a:p>
         </p:txBody>
       </p:sp>
@@ -5251,7 +5242,7 @@
           <p:cNvPr id="5" name="Espaço Reservado para Conteúdo 4" descr="Uma imagem contendo no interior, mesa, vivendo, quarto&#10;&#10;O conteúdo gerado por IA pode estar incorreto.">
             <a:extLst>
               <a:ext uri="{FF2B5EF4-FFF2-40B4-BE49-F238E27FC236}">
-                <a16:creationId xmlns:a16="http://schemas.microsoft.com/office/drawing/2014/main" id="{F0312DEE-D8C3-44FA-4DA9-3FCC90E6E2E9}"/>
+                <a16:creationId xmlns:a16="http://schemas.microsoft.com/office/drawing/2014/main" id="{548C4825-9AAF-6685-65A8-77E3FFE04940}"/>
               </a:ext>
             </a:extLst>
           </p:cNvPr>
@@ -5283,10 +5274,10 @@
       </p:pic>
       <p:sp>
         <p:nvSpPr>
-          <p:cNvPr id="14" name="Rectangle 13">
-            <a:extLst>
-              <a:ext uri="{FF2B5EF4-FFF2-40B4-BE49-F238E27FC236}">
-                <a16:creationId xmlns:a16="http://schemas.microsoft.com/office/drawing/2014/main" id="{F955D561-3327-E868-AB4F-5F97D708112D}"/>
+          <p:cNvPr id="20" name="Rectangle 13">
+            <a:extLst>
+              <a:ext uri="{FF2B5EF4-FFF2-40B4-BE49-F238E27FC236}">
+                <a16:creationId xmlns:a16="http://schemas.microsoft.com/office/drawing/2014/main" id="{13FBC6CC-F388-3780-BDAA-CB6F2F70CEF7}"/>
               </a:ext>
               <a:ext uri="{C183D7F6-B498-43B3-948B-1728B52AA6E4}">
                 <adec:decorative xmlns:adec="http://schemas.microsoft.com/office/drawing/2017/decorative" val="1"/>
@@ -5363,7 +5354,7 @@
           <a:lstStyle/>
           <a:p>
             <a:pPr algn="ctr"/>
-            <a:endParaRPr lang="en-US" dirty="0"/>
+            <a:endParaRPr lang="pt-BR" noProof="0" dirty="0"/>
           </a:p>
         </p:txBody>
       </p:sp>
@@ -5372,7 +5363,7 @@
           <p:cNvPr id="2" name="Título 1">
             <a:extLst>
               <a:ext uri="{FF2B5EF4-FFF2-40B4-BE49-F238E27FC236}">
-                <a16:creationId xmlns:a16="http://schemas.microsoft.com/office/drawing/2014/main" id="{F02DCD57-E4BD-BEEC-EBB3-C3314240EF80}"/>
+                <a16:creationId xmlns:a16="http://schemas.microsoft.com/office/drawing/2014/main" id="{046B9A4A-613F-36CB-6BEB-029531947C90}"/>
               </a:ext>
             </a:extLst>
           </p:cNvPr>
@@ -5401,17 +5392,17 @@
                   <a:schemeClr val="bg1"/>
                 </a:solidFill>
               </a:rPr>
-              <a:t>Dicionário de Dados</a:t>
-            </a:r>
-          </a:p>
-        </p:txBody>
-      </p:sp>
-      <p:sp>
-        <p:nvSpPr>
-          <p:cNvPr id="16" name="Rectangle 15">
-            <a:extLst>
-              <a:ext uri="{FF2B5EF4-FFF2-40B4-BE49-F238E27FC236}">
-                <a16:creationId xmlns:a16="http://schemas.microsoft.com/office/drawing/2014/main" id="{CEFD4F02-6707-A9E5-2804-7AB8980178F5}"/>
+              <a:t>Plano de ação</a:t>
+            </a:r>
+          </a:p>
+        </p:txBody>
+      </p:sp>
+      <p:sp>
+        <p:nvSpPr>
+          <p:cNvPr id="21" name="Rectangle 15">
+            <a:extLst>
+              <a:ext uri="{FF2B5EF4-FFF2-40B4-BE49-F238E27FC236}">
+                <a16:creationId xmlns:a16="http://schemas.microsoft.com/office/drawing/2014/main" id="{47019D1E-18CA-A65A-EE3C-7D446C635DC3}"/>
               </a:ext>
               <a:ext uri="{C183D7F6-B498-43B3-948B-1728B52AA6E4}">
                 <adec:decorative xmlns:adec="http://schemas.microsoft.com/office/drawing/2017/decorative" val="1"/>
@@ -5465,7 +5456,7 @@
           <a:lstStyle/>
           <a:p>
             <a:pPr algn="ctr"/>
-            <a:endParaRPr lang="en-US" dirty="0">
+            <a:endParaRPr lang="pt-BR" noProof="0" dirty="0">
               <a:solidFill>
                 <a:prstClr val="white"/>
               </a:solidFill>
@@ -5479,7 +5470,7 @@
           <p:cNvPr id="18" name="Rectangle 17">
             <a:extLst>
               <a:ext uri="{FF2B5EF4-FFF2-40B4-BE49-F238E27FC236}">
-                <a16:creationId xmlns:a16="http://schemas.microsoft.com/office/drawing/2014/main" id="{3D0E3CB5-AA89-CB6C-912D-5CF8F325ED6A}"/>
+                <a16:creationId xmlns:a16="http://schemas.microsoft.com/office/drawing/2014/main" id="{279A6F1A-7A0F-18E5-8BF2-1B5E2BE9D886}"/>
               </a:ext>
               <a:ext uri="{C183D7F6-B498-43B3-948B-1728B52AA6E4}">
                 <adec:decorative xmlns:adec="http://schemas.microsoft.com/office/drawing/2017/decorative" val="1"/>
@@ -5552,7 +5543,7 @@
               <a:tabLst/>
               <a:defRPr/>
             </a:pPr>
-            <a:endParaRPr kumimoji="0" lang="en-US" sz="1800" b="0" i="0" u="none" strike="noStrike" kern="1200" cap="none" spc="0" normalizeH="0" baseline="0" noProof="0" dirty="0">
+            <a:endParaRPr kumimoji="0" lang="pt-BR" sz="1800" b="0" i="0" u="none" strike="noStrike" kern="1200" cap="none" spc="0" normalizeH="0" baseline="0" noProof="0" dirty="0">
               <a:ln>
                 <a:noFill/>
               </a:ln>
@@ -5569,12 +5560,52 @@
           </a:p>
         </p:txBody>
       </p:sp>
+      <p:sp>
+        <p:nvSpPr>
+          <p:cNvPr id="9" name="Content Placeholder 8">
+            <a:extLst>
+              <a:ext uri="{FF2B5EF4-FFF2-40B4-BE49-F238E27FC236}">
+                <a16:creationId xmlns:a16="http://schemas.microsoft.com/office/drawing/2014/main" id="{293C876B-9625-78CB-39FB-E145C07E4742}"/>
+              </a:ext>
+            </a:extLst>
+          </p:cNvPr>
+          <p:cNvSpPr>
+            <a:spLocks noGrp="1"/>
+          </p:cNvSpPr>
+          <p:nvPr>
+            <p:ph idx="1"/>
+          </p:nvPr>
+        </p:nvSpPr>
+        <p:spPr>
+          <a:xfrm>
+            <a:off x="371093" y="2718053"/>
+            <a:ext cx="4382061" cy="808599"/>
+          </a:xfrm>
+        </p:spPr>
+        <p:txBody>
+          <a:bodyPr anchor="t">
+            <a:normAutofit/>
+          </a:bodyPr>
+          <a:lstStyle/>
+          <a:p>
+            <a:pPr algn="just"/>
+            <a:r>
+              <a:rPr lang="pt-BR" sz="1700" b="1" noProof="0" dirty="0">
+                <a:solidFill>
+                  <a:schemeClr val="bg1"/>
+                </a:solidFill>
+              </a:rPr>
+              <a:t>Com base nos insights obtidos anteriormente, sugerimos os seguintes planos de ação:</a:t>
+            </a:r>
+          </a:p>
+        </p:txBody>
+      </p:sp>
       <p:graphicFrame>
         <p:nvGraphicFramePr>
-          <p:cNvPr id="4" name="Espaço Reservado para Conteúdo 3">
-            <a:extLst>
-              <a:ext uri="{FF2B5EF4-FFF2-40B4-BE49-F238E27FC236}">
-                <a16:creationId xmlns:a16="http://schemas.microsoft.com/office/drawing/2014/main" id="{F649E2C4-3C7F-F450-D932-3FF58380C195}"/>
+          <p:cNvPr id="3" name="Tabela 2">
+            <a:extLst>
+              <a:ext uri="{FF2B5EF4-FFF2-40B4-BE49-F238E27FC236}">
+                <a16:creationId xmlns:a16="http://schemas.microsoft.com/office/drawing/2014/main" id="{447EC3BF-61D3-44B6-2433-47FC2776F096}"/>
               </a:ext>
             </a:extLst>
           </p:cNvPr>
@@ -5582,17 +5613,16 @@
             <a:graphicFrameLocks noGrp="1"/>
           </p:cNvGraphicFramePr>
           <p:nvPr>
-            <p:ph idx="1"/>
             <p:extLst>
               <p:ext uri="{D42A27DB-BD31-4B8C-83A1-F6EECF244321}">
-                <p14:modId xmlns:p14="http://schemas.microsoft.com/office/powerpoint/2010/main" val="1503919069"/>
+                <p14:modId xmlns:p14="http://schemas.microsoft.com/office/powerpoint/2010/main" val="3954357778"/>
               </p:ext>
             </p:extLst>
           </p:nvPr>
         </p:nvGraphicFramePr>
         <p:xfrm>
-          <a:off x="424815" y="3042920"/>
-          <a:ext cx="10065591" cy="2595880"/>
+          <a:off x="424814" y="3792081"/>
+          <a:ext cx="9756600" cy="1378587"/>
         </p:xfrm>
         <a:graphic>
           <a:graphicData uri="http://schemas.openxmlformats.org/drawingml/2006/table">
@@ -5601,494 +5631,441 @@
                 <a:tableStyleId>{5C22544A-7EE6-4342-B048-85BDC9FD1C3A}</a:tableStyleId>
               </a:tblPr>
               <a:tblGrid>
-                <a:gridCol w="2654021">
+                <a:gridCol w="1626100">
                   <a:extLst>
                     <a:ext uri="{9D8B030D-6E8A-4147-A177-3AD203B41FA5}">
-                      <a16:colId xmlns:a16="http://schemas.microsoft.com/office/drawing/2014/main" val="25719126"/>
+                      <a16:colId xmlns:a16="http://schemas.microsoft.com/office/drawing/2014/main" val="1327822908"/>
                     </a:ext>
                   </a:extLst>
                 </a:gridCol>
-                <a:gridCol w="2654021">
+                <a:gridCol w="1626100">
                   <a:extLst>
                     <a:ext uri="{9D8B030D-6E8A-4147-A177-3AD203B41FA5}">
-                      <a16:colId xmlns:a16="http://schemas.microsoft.com/office/drawing/2014/main" val="3771195463"/>
+                      <a16:colId xmlns:a16="http://schemas.microsoft.com/office/drawing/2014/main" val="2847543239"/>
                     </a:ext>
                   </a:extLst>
                 </a:gridCol>
-                <a:gridCol w="4757549">
+                <a:gridCol w="1626100">
                   <a:extLst>
                     <a:ext uri="{9D8B030D-6E8A-4147-A177-3AD203B41FA5}">
-                      <a16:colId xmlns:a16="http://schemas.microsoft.com/office/drawing/2014/main" val="22310870"/>
+                      <a16:colId xmlns:a16="http://schemas.microsoft.com/office/drawing/2014/main" val="3545145332"/>
+                    </a:ext>
+                  </a:extLst>
+                </a:gridCol>
+                <a:gridCol w="1626100">
+                  <a:extLst>
+                    <a:ext uri="{9D8B030D-6E8A-4147-A177-3AD203B41FA5}">
+                      <a16:colId xmlns:a16="http://schemas.microsoft.com/office/drawing/2014/main" val="1880928715"/>
+                    </a:ext>
+                  </a:extLst>
+                </a:gridCol>
+                <a:gridCol w="1626100">
+                  <a:extLst>
+                    <a:ext uri="{9D8B030D-6E8A-4147-A177-3AD203B41FA5}">
+                      <a16:colId xmlns:a16="http://schemas.microsoft.com/office/drawing/2014/main" val="56904457"/>
+                    </a:ext>
+                  </a:extLst>
+                </a:gridCol>
+                <a:gridCol w="1626100">
+                  <a:extLst>
+                    <a:ext uri="{9D8B030D-6E8A-4147-A177-3AD203B41FA5}">
+                      <a16:colId xmlns:a16="http://schemas.microsoft.com/office/drawing/2014/main" val="2373969546"/>
                     </a:ext>
                   </a:extLst>
                 </a:gridCol>
               </a:tblGrid>
-              <a:tr h="370840">
+              <a:tr h="625141">
                 <a:tc>
                   <a:txBody>
                     <a:bodyPr/>
                     <a:lstStyle/>
                     <a:p>
-                      <a:pPr algn="ctr" fontAlgn="b"/>
+                      <a:pPr algn="ctr">
+                        <a:lnSpc>
+                          <a:spcPct val="115000"/>
+                        </a:lnSpc>
+                        <a:spcAft>
+                          <a:spcPts val="800"/>
+                        </a:spcAft>
+                        <a:buNone/>
+                      </a:pPr>
                       <a:r>
-                        <a:rPr lang="pt-BR" sz="2000" b="1" i="0" u="none" strike="noStrike" noProof="0" dirty="0">
+                        <a:rPr lang="pt-BR" sz="1800" b="1" kern="100" dirty="0">
                           <a:solidFill>
-                            <a:srgbClr val="FFFFFF"/>
+                            <a:schemeClr val="bg1"/>
                           </a:solidFill>
                           <a:effectLst/>
-                          <a:latin typeface="Calibri" panose="020F0502020204030204" pitchFamily="34" charset="0"/>
+                          <a:latin typeface="Aptos" panose="020B0004020202020204" pitchFamily="34" charset="0"/>
+                          <a:ea typeface="Times New Roman" panose="02020603050405020304" pitchFamily="18" charset="0"/>
+                          <a:cs typeface="Times New Roman" panose="02020603050405020304" pitchFamily="18" charset="0"/>
                         </a:rPr>
-                        <a:t>Variável</a:t>
+                        <a:t>Prioridade</a:t>
                       </a:r>
+                      <a:endParaRPr lang="pt-BR" sz="1800" kern="100" dirty="0">
+                        <a:solidFill>
+                          <a:schemeClr val="bg1"/>
+                        </a:solidFill>
+                        <a:effectLst/>
+                        <a:latin typeface="Aptos" panose="020B0004020202020204" pitchFamily="34" charset="0"/>
+                        <a:ea typeface="Times New Roman" panose="02020603050405020304" pitchFamily="18" charset="0"/>
+                        <a:cs typeface="Times New Roman" panose="02020603050405020304" pitchFamily="18" charset="0"/>
+                      </a:endParaRPr>
                     </a:p>
                   </a:txBody>
-                  <a:tcPr marL="9525" marR="9525" marT="9525" marB="0" anchor="ctr"/>
+                  <a:tcPr marL="68580" marR="68580" marT="0" marB="0" anchor="ctr"/>
                 </a:tc>
                 <a:tc>
                   <a:txBody>
                     <a:bodyPr/>
                     <a:lstStyle/>
                     <a:p>
-                      <a:pPr algn="ctr" fontAlgn="b"/>
+                      <a:pPr algn="ctr">
+                        <a:lnSpc>
+                          <a:spcPct val="115000"/>
+                        </a:lnSpc>
+                        <a:spcAft>
+                          <a:spcPts val="800"/>
+                        </a:spcAft>
+                        <a:buNone/>
+                      </a:pPr>
                       <a:r>
-                        <a:rPr lang="pt-BR" sz="2000" b="1" i="0" u="none" strike="noStrike" noProof="0" dirty="0">
+                        <a:rPr lang="pt-BR" sz="1800" b="1" kern="100" dirty="0">
                           <a:solidFill>
-                            <a:srgbClr val="FFFFFF"/>
+                            <a:schemeClr val="bg1"/>
                           </a:solidFill>
                           <a:effectLst/>
-                          <a:latin typeface="Calibri" panose="020F0502020204030204" pitchFamily="34" charset="0"/>
+                          <a:latin typeface="Aptos" panose="020B0004020202020204" pitchFamily="34" charset="0"/>
+                          <a:ea typeface="Times New Roman" panose="02020603050405020304" pitchFamily="18" charset="0"/>
+                          <a:cs typeface="Times New Roman" panose="02020603050405020304" pitchFamily="18" charset="0"/>
                         </a:rPr>
-                        <a:t>Tipo da Variável</a:t>
+                        <a:t>O que fazer?</a:t>
                       </a:r>
+                      <a:endParaRPr lang="pt-BR" sz="1800" kern="100" dirty="0">
+                        <a:solidFill>
+                          <a:schemeClr val="bg1"/>
+                        </a:solidFill>
+                        <a:effectLst/>
+                        <a:latin typeface="Aptos" panose="020B0004020202020204" pitchFamily="34" charset="0"/>
+                        <a:ea typeface="Times New Roman" panose="02020603050405020304" pitchFamily="18" charset="0"/>
+                        <a:cs typeface="Times New Roman" panose="02020603050405020304" pitchFamily="18" charset="0"/>
+                      </a:endParaRPr>
                     </a:p>
                   </a:txBody>
-                  <a:tcPr marL="9525" marR="9525" marT="9525" marB="0" anchor="ctr"/>
+                  <a:tcPr marL="68580" marR="68580" marT="0" marB="0" anchor="ctr"/>
                 </a:tc>
                 <a:tc>
                   <a:txBody>
                     <a:bodyPr/>
                     <a:lstStyle/>
                     <a:p>
-                      <a:pPr algn="ctr" fontAlgn="b"/>
+                      <a:pPr algn="ctr">
+                        <a:lnSpc>
+                          <a:spcPct val="115000"/>
+                        </a:lnSpc>
+                        <a:spcAft>
+                          <a:spcPts val="800"/>
+                        </a:spcAft>
+                        <a:buNone/>
+                      </a:pPr>
                       <a:r>
-                        <a:rPr lang="pt-BR" sz="2000" b="1" i="0" u="none" strike="noStrike" noProof="0" dirty="0">
+                        <a:rPr lang="pt-BR" sz="1800" b="1" kern="100" dirty="0">
                           <a:solidFill>
-                            <a:srgbClr val="FFFFFF"/>
+                            <a:schemeClr val="bg1"/>
                           </a:solidFill>
                           <a:effectLst/>
-                          <a:latin typeface="Calibri" panose="020F0502020204030204" pitchFamily="34" charset="0"/>
+                          <a:latin typeface="Aptos" panose="020B0004020202020204" pitchFamily="34" charset="0"/>
+                          <a:ea typeface="Times New Roman" panose="02020603050405020304" pitchFamily="18" charset="0"/>
+                          <a:cs typeface="Times New Roman" panose="02020603050405020304" pitchFamily="18" charset="0"/>
                         </a:rPr>
-                        <a:t>Descrição</a:t>
+                        <a:t>Por quê?</a:t>
                       </a:r>
+                      <a:endParaRPr lang="pt-BR" sz="1800" kern="100" dirty="0">
+                        <a:solidFill>
+                          <a:schemeClr val="bg1"/>
+                        </a:solidFill>
+                        <a:effectLst/>
+                        <a:latin typeface="Aptos" panose="020B0004020202020204" pitchFamily="34" charset="0"/>
+                        <a:ea typeface="Times New Roman" panose="02020603050405020304" pitchFamily="18" charset="0"/>
+                        <a:cs typeface="Times New Roman" panose="02020603050405020304" pitchFamily="18" charset="0"/>
+                      </a:endParaRPr>
                     </a:p>
                   </a:txBody>
-                  <a:tcPr marL="9525" marR="9525" marT="9525" marB="0" anchor="ctr"/>
-                </a:tc>
-                <a:extLst>
-                  <a:ext uri="{0D108BD9-81ED-4DB2-BD59-A6C34878D82A}">
-                    <a16:rowId xmlns:a16="http://schemas.microsoft.com/office/drawing/2014/main" val="3414574534"/>
-                  </a:ext>
-                </a:extLst>
-              </a:tr>
-              <a:tr h="370840">
-                <a:tc>
-                  <a:txBody>
-                    <a:bodyPr/>
-                    <a:lstStyle/>
-                    <a:p>
-                      <a:pPr algn="ctr" fontAlgn="b"/>
-                      <a:r>
-                        <a:rPr lang="pt-BR" sz="1100" b="0" i="0" u="none" strike="noStrike" noProof="0" dirty="0">
-                          <a:solidFill>
-                            <a:srgbClr val="000000"/>
-                          </a:solidFill>
-                          <a:effectLst/>
-                          <a:latin typeface="Calibri" panose="020F0502020204030204" pitchFamily="34" charset="0"/>
-                        </a:rPr>
-                        <a:t>Sentença</a:t>
-                      </a:r>
-                    </a:p>
-                  </a:txBody>
-                  <a:tcPr marL="9525" marR="9525" marT="9525" marB="0" anchor="ctr"/>
+                  <a:tcPr marL="68580" marR="68580" marT="0" marB="0" anchor="ctr"/>
                 </a:tc>
                 <a:tc>
                   <a:txBody>
                     <a:bodyPr/>
                     <a:lstStyle/>
                     <a:p>
-                      <a:pPr algn="ctr" fontAlgn="b"/>
+                      <a:pPr algn="ctr">
+                        <a:lnSpc>
+                          <a:spcPct val="115000"/>
+                        </a:lnSpc>
+                        <a:spcAft>
+                          <a:spcPts val="800"/>
+                        </a:spcAft>
+                        <a:buNone/>
+                      </a:pPr>
                       <a:r>
-                        <a:rPr lang="pt-BR" sz="1100" b="0" i="0" u="none" strike="noStrike" noProof="0" dirty="0">
+                        <a:rPr lang="pt-BR" sz="1800" b="1" kern="100" dirty="0">
                           <a:solidFill>
-                            <a:srgbClr val="000000"/>
+                            <a:schemeClr val="bg1"/>
                           </a:solidFill>
                           <a:effectLst/>
-                          <a:latin typeface="Calibri" panose="020F0502020204030204" pitchFamily="34" charset="0"/>
+                          <a:latin typeface="Aptos" panose="020B0004020202020204" pitchFamily="34" charset="0"/>
+                          <a:ea typeface="Times New Roman" panose="02020603050405020304" pitchFamily="18" charset="0"/>
+                          <a:cs typeface="Times New Roman" panose="02020603050405020304" pitchFamily="18" charset="0"/>
                         </a:rPr>
-                        <a:t>Variável quantitativa discreta</a:t>
+                        <a:t>Quem?</a:t>
                       </a:r>
+                      <a:endParaRPr lang="pt-BR" sz="1800" kern="100" dirty="0">
+                        <a:solidFill>
+                          <a:schemeClr val="bg1"/>
+                        </a:solidFill>
+                        <a:effectLst/>
+                        <a:latin typeface="Aptos" panose="020B0004020202020204" pitchFamily="34" charset="0"/>
+                        <a:ea typeface="Times New Roman" panose="02020603050405020304" pitchFamily="18" charset="0"/>
+                        <a:cs typeface="Times New Roman" panose="02020603050405020304" pitchFamily="18" charset="0"/>
+                      </a:endParaRPr>
                     </a:p>
                   </a:txBody>
-                  <a:tcPr marL="9525" marR="9525" marT="9525" marB="0" anchor="ctr"/>
+                  <a:tcPr marL="68580" marR="68580" marT="0" marB="0" anchor="ctr"/>
                 </a:tc>
                 <a:tc>
                   <a:txBody>
                     <a:bodyPr/>
                     <a:lstStyle/>
                     <a:p>
-                      <a:pPr algn="ctr" fontAlgn="b"/>
+                      <a:pPr algn="ctr">
+                        <a:lnSpc>
+                          <a:spcPct val="115000"/>
+                        </a:lnSpc>
+                        <a:spcAft>
+                          <a:spcPts val="800"/>
+                        </a:spcAft>
+                        <a:buNone/>
+                      </a:pPr>
                       <a:r>
-                        <a:rPr lang="pt-BR" sz="1100" b="0" i="0" u="none" strike="noStrike" noProof="0" dirty="0">
+                        <a:rPr lang="pt-BR" sz="1800" b="1" kern="100" dirty="0">
                           <a:solidFill>
-                            <a:srgbClr val="000000"/>
+                            <a:schemeClr val="bg1"/>
                           </a:solidFill>
                           <a:effectLst/>
-                          <a:latin typeface="Calibri" panose="020F0502020204030204" pitchFamily="34" charset="0"/>
+                          <a:latin typeface="Aptos" panose="020B0004020202020204" pitchFamily="34" charset="0"/>
+                          <a:ea typeface="Times New Roman" panose="02020603050405020304" pitchFamily="18" charset="0"/>
+                          <a:cs typeface="Times New Roman" panose="02020603050405020304" pitchFamily="18" charset="0"/>
                         </a:rPr>
-                        <a:t>Valor “1” se banco ganhou a causa (improcedência) e “0” caso contrário (procedência).</a:t>
+                        <a:t>Como fazer?</a:t>
                       </a:r>
+                      <a:endParaRPr lang="pt-BR" sz="1800" kern="100" dirty="0">
+                        <a:solidFill>
+                          <a:schemeClr val="bg1"/>
+                        </a:solidFill>
+                        <a:effectLst/>
+                        <a:latin typeface="Aptos" panose="020B0004020202020204" pitchFamily="34" charset="0"/>
+                        <a:ea typeface="Times New Roman" panose="02020603050405020304" pitchFamily="18" charset="0"/>
+                        <a:cs typeface="Times New Roman" panose="02020603050405020304" pitchFamily="18" charset="0"/>
+                      </a:endParaRPr>
                     </a:p>
                   </a:txBody>
-                  <a:tcPr marL="9525" marR="9525" marT="9525" marB="0" anchor="ctr"/>
-                </a:tc>
-                <a:extLst>
-                  <a:ext uri="{0D108BD9-81ED-4DB2-BD59-A6C34878D82A}">
-                    <a16:rowId xmlns:a16="http://schemas.microsoft.com/office/drawing/2014/main" val="1663781830"/>
-                  </a:ext>
-                </a:extLst>
-              </a:tr>
-              <a:tr h="370840">
-                <a:tc>
-                  <a:txBody>
-                    <a:bodyPr/>
-                    <a:lstStyle/>
-                    <a:p>
-                      <a:pPr algn="ctr" fontAlgn="b"/>
-                      <a:r>
-                        <a:rPr lang="pt-BR" sz="1100" b="0" i="0" u="none" strike="noStrike" noProof="0" dirty="0">
-                          <a:solidFill>
-                            <a:srgbClr val="000000"/>
-                          </a:solidFill>
-                          <a:effectLst/>
-                          <a:latin typeface="Calibri" panose="020F0502020204030204" pitchFamily="34" charset="0"/>
-                        </a:rPr>
-                        <a:t>Data_Julgamento</a:t>
-                      </a:r>
-                    </a:p>
-                  </a:txBody>
-                  <a:tcPr marL="9525" marR="9525" marT="9525" marB="0" anchor="ctr"/>
+                  <a:tcPr marL="68580" marR="68580" marT="0" marB="0" anchor="ctr"/>
                 </a:tc>
                 <a:tc>
                   <a:txBody>
                     <a:bodyPr/>
                     <a:lstStyle/>
                     <a:p>
-                      <a:pPr algn="ctr" fontAlgn="b"/>
+                      <a:pPr algn="ctr">
+                        <a:lnSpc>
+                          <a:spcPct val="115000"/>
+                        </a:lnSpc>
+                        <a:spcAft>
+                          <a:spcPts val="800"/>
+                        </a:spcAft>
+                        <a:buNone/>
+                      </a:pPr>
                       <a:r>
-                        <a:rPr lang="pt-BR" sz="1100" b="0" i="0" u="none" strike="noStrike" noProof="0" dirty="0">
+                        <a:rPr lang="pt-BR" sz="1800" b="1" kern="100" dirty="0">
                           <a:solidFill>
-                            <a:srgbClr val="000000"/>
+                            <a:schemeClr val="bg1"/>
                           </a:solidFill>
                           <a:effectLst/>
-                          <a:latin typeface="Calibri" panose="020F0502020204030204" pitchFamily="34" charset="0"/>
+                          <a:latin typeface="Aptos" panose="020B0004020202020204" pitchFamily="34" charset="0"/>
+                          <a:ea typeface="Times New Roman" panose="02020603050405020304" pitchFamily="18" charset="0"/>
+                          <a:cs typeface="Times New Roman" panose="02020603050405020304" pitchFamily="18" charset="0"/>
                         </a:rPr>
-                        <a:t>Variável qualitativa ordinal</a:t>
+                        <a:t>Qual o custo?</a:t>
                       </a:r>
+                      <a:endParaRPr lang="pt-BR" sz="1800" kern="100" dirty="0">
+                        <a:solidFill>
+                          <a:schemeClr val="bg1"/>
+                        </a:solidFill>
+                        <a:effectLst/>
+                        <a:latin typeface="Aptos" panose="020B0004020202020204" pitchFamily="34" charset="0"/>
+                        <a:ea typeface="Times New Roman" panose="02020603050405020304" pitchFamily="18" charset="0"/>
+                        <a:cs typeface="Times New Roman" panose="02020603050405020304" pitchFamily="18" charset="0"/>
+                      </a:endParaRPr>
                     </a:p>
                   </a:txBody>
-                  <a:tcPr marL="9525" marR="9525" marT="9525" marB="0" anchor="ctr"/>
+                  <a:tcPr marL="68580" marR="68580" marT="0" marB="0" anchor="ctr"/>
+                </a:tc>
+                <a:extLst>
+                  <a:ext uri="{0D108BD9-81ED-4DB2-BD59-A6C34878D82A}">
+                    <a16:rowId xmlns:a16="http://schemas.microsoft.com/office/drawing/2014/main" val="2707711371"/>
+                  </a:ext>
+                </a:extLst>
+              </a:tr>
+              <a:tr h="376723">
+                <a:tc>
+                  <a:txBody>
+                    <a:bodyPr/>
+                    <a:lstStyle/>
+                    <a:p>
+                      <a:pPr algn="ctr"/>
+                      <a:r>
+                        <a:rPr lang="en-US" dirty="0"/>
+                        <a:t>1</a:t>
+                      </a:r>
+                      <a:endParaRPr lang="pt-BR" dirty="0"/>
+                    </a:p>
+                  </a:txBody>
+                  <a:tcPr anchor="ctr"/>
                 </a:tc>
                 <a:tc>
                   <a:txBody>
                     <a:bodyPr/>
                     <a:lstStyle/>
                     <a:p>
-                      <a:pPr algn="ctr" fontAlgn="b"/>
-                      <a:r>
-                        <a:rPr lang="pt-BR" sz="1100" b="0" i="0" u="none" strike="noStrike" noProof="0" dirty="0">
-                          <a:solidFill>
-                            <a:srgbClr val="000000"/>
-                          </a:solidFill>
-                          <a:effectLst/>
-                          <a:latin typeface="Calibri" panose="020F0502020204030204" pitchFamily="34" charset="0"/>
-                        </a:rPr>
-                        <a:t>Data do julgamento no site do Tribunal de Justiça.</a:t>
-                      </a:r>
+                      <a:pPr algn="ctr"/>
+                      <a:endParaRPr lang="pt-BR" dirty="0"/>
                     </a:p>
                   </a:txBody>
-                  <a:tcPr marL="9525" marR="9525" marT="9525" marB="0" anchor="ctr"/>
-                </a:tc>
-                <a:extLst>
-                  <a:ext uri="{0D108BD9-81ED-4DB2-BD59-A6C34878D82A}">
-                    <a16:rowId xmlns:a16="http://schemas.microsoft.com/office/drawing/2014/main" val="2536506857"/>
-                  </a:ext>
-                </a:extLst>
-              </a:tr>
-              <a:tr h="370840">
-                <a:tc>
-                  <a:txBody>
-                    <a:bodyPr/>
-                    <a:lstStyle/>
-                    <a:p>
-                      <a:pPr algn="ctr" fontAlgn="b"/>
-                      <a:r>
-                        <a:rPr lang="pt-BR" sz="1100" b="0" i="0" u="none" strike="noStrike" noProof="0" dirty="0">
-                          <a:solidFill>
-                            <a:srgbClr val="000000"/>
-                          </a:solidFill>
-                          <a:effectLst/>
-                          <a:latin typeface="Calibri" panose="020F0502020204030204" pitchFamily="34" charset="0"/>
-                        </a:rPr>
-                        <a:t>Região da Comarca</a:t>
-                      </a:r>
-                    </a:p>
-                  </a:txBody>
-                  <a:tcPr marL="9525" marR="9525" marT="9525" marB="0" anchor="ctr"/>
+                  <a:tcPr anchor="ctr"/>
                 </a:tc>
                 <a:tc>
                   <a:txBody>
                     <a:bodyPr/>
                     <a:lstStyle/>
                     <a:p>
-                      <a:pPr algn="ctr" fontAlgn="b"/>
-                      <a:r>
-                        <a:rPr lang="pt-BR" sz="1100" b="0" i="0" u="none" strike="noStrike" noProof="0" dirty="0">
-                          <a:solidFill>
-                            <a:srgbClr val="000000"/>
-                          </a:solidFill>
-                          <a:effectLst/>
-                          <a:latin typeface="Calibri" panose="020F0502020204030204" pitchFamily="34" charset="0"/>
-                        </a:rPr>
-                        <a:t>Variável qualitativa nominal</a:t>
-                      </a:r>
+                      <a:pPr algn="ctr"/>
+                      <a:endParaRPr lang="pt-BR" dirty="0"/>
                     </a:p>
                   </a:txBody>
-                  <a:tcPr marL="9525" marR="9525" marT="9525" marB="0" anchor="ctr"/>
+                  <a:tcPr anchor="ctr"/>
                 </a:tc>
                 <a:tc>
                   <a:txBody>
                     <a:bodyPr/>
                     <a:lstStyle/>
                     <a:p>
-                      <a:pPr algn="ctr" fontAlgn="b"/>
-                      <a:r>
-                        <a:rPr lang="pt-BR" sz="1100" b="0" i="0" u="none" strike="noStrike" noProof="0" dirty="0">
-                          <a:solidFill>
-                            <a:srgbClr val="000000"/>
-                          </a:solidFill>
-                          <a:effectLst/>
-                          <a:latin typeface="Calibri" panose="020F0502020204030204" pitchFamily="34" charset="0"/>
-                        </a:rPr>
-                        <a:t>Região geográfica da Comarca do processo.</a:t>
-                      </a:r>
+                      <a:pPr algn="ctr"/>
+                      <a:endParaRPr lang="pt-BR" dirty="0"/>
                     </a:p>
                   </a:txBody>
-                  <a:tcPr marL="9525" marR="9525" marT="9525" marB="0" anchor="ctr"/>
-                </a:tc>
-                <a:extLst>
-                  <a:ext uri="{0D108BD9-81ED-4DB2-BD59-A6C34878D82A}">
-                    <a16:rowId xmlns:a16="http://schemas.microsoft.com/office/drawing/2014/main" val="2553822334"/>
-                  </a:ext>
-                </a:extLst>
-              </a:tr>
-              <a:tr h="370840">
-                <a:tc>
-                  <a:txBody>
-                    <a:bodyPr/>
-                    <a:lstStyle/>
-                    <a:p>
-                      <a:pPr algn="ctr" fontAlgn="b"/>
-                      <a:r>
-                        <a:rPr lang="pt-BR" sz="1100" b="0" i="0" u="none" strike="noStrike" noProof="0" dirty="0">
-                          <a:solidFill>
-                            <a:srgbClr val="000000"/>
-                          </a:solidFill>
-                          <a:effectLst/>
-                          <a:latin typeface="Calibri" panose="020F0502020204030204" pitchFamily="34" charset="0"/>
-                        </a:rPr>
-                        <a:t>Tipo de Estratégia</a:t>
-                      </a:r>
-                    </a:p>
-                  </a:txBody>
-                  <a:tcPr marL="9525" marR="9525" marT="9525" marB="0" anchor="ctr"/>
+                  <a:tcPr anchor="ctr"/>
                 </a:tc>
                 <a:tc>
                   <a:txBody>
                     <a:bodyPr/>
                     <a:lstStyle/>
                     <a:p>
-                      <a:pPr algn="ctr" fontAlgn="b"/>
-                      <a:r>
-                        <a:rPr lang="pt-BR" sz="1100" b="0" i="0" u="none" strike="noStrike" noProof="0" dirty="0">
-                          <a:solidFill>
-                            <a:srgbClr val="000000"/>
-                          </a:solidFill>
-                          <a:effectLst/>
-                          <a:latin typeface="Calibri" panose="020F0502020204030204" pitchFamily="34" charset="0"/>
-                        </a:rPr>
-                        <a:t>Variável qualitativa ordinal</a:t>
-                      </a:r>
+                      <a:pPr algn="ctr"/>
+                      <a:endParaRPr lang="pt-BR"/>
                     </a:p>
                   </a:txBody>
-                  <a:tcPr marL="9525" marR="9525" marT="9525" marB="0" anchor="ctr"/>
+                  <a:tcPr anchor="ctr"/>
                 </a:tc>
                 <a:tc>
                   <a:txBody>
                     <a:bodyPr/>
                     <a:lstStyle/>
                     <a:p>
-                      <a:pPr algn="ctr" fontAlgn="b"/>
-                      <a:r>
-                        <a:rPr lang="pt-BR" sz="1100" b="0" i="0" u="none" strike="noStrike" noProof="0" dirty="0">
-                          <a:solidFill>
-                            <a:srgbClr val="000000"/>
-                          </a:solidFill>
-                          <a:effectLst/>
-                          <a:latin typeface="Calibri" panose="020F0502020204030204" pitchFamily="34" charset="0"/>
-                        </a:rPr>
-                        <a:t>Estratégia de defesa utilizada pelo banco.</a:t>
-                      </a:r>
+                      <a:pPr algn="ctr"/>
+                      <a:endParaRPr lang="pt-BR"/>
                     </a:p>
                   </a:txBody>
-                  <a:tcPr marL="9525" marR="9525" marT="9525" marB="0" anchor="ctr"/>
+                  <a:tcPr anchor="ctr"/>
                 </a:tc>
                 <a:extLst>
                   <a:ext uri="{0D108BD9-81ED-4DB2-BD59-A6C34878D82A}">
-                    <a16:rowId xmlns:a16="http://schemas.microsoft.com/office/drawing/2014/main" val="3414218520"/>
+                    <a16:rowId xmlns:a16="http://schemas.microsoft.com/office/drawing/2014/main" val="2567271080"/>
                   </a:ext>
                 </a:extLst>
               </a:tr>
-              <a:tr h="370840">
+              <a:tr h="376723">
                 <a:tc>
                   <a:txBody>
                     <a:bodyPr/>
                     <a:lstStyle/>
                     <a:p>
-                      <a:pPr algn="ctr" fontAlgn="b"/>
+                      <a:pPr algn="ctr"/>
                       <a:r>
-                        <a:rPr lang="pt-BR" sz="1100" b="0" i="0" u="none" strike="noStrike" noProof="0" dirty="0">
-                          <a:solidFill>
-                            <a:srgbClr val="000000"/>
-                          </a:solidFill>
-                          <a:effectLst/>
-                          <a:latin typeface="Calibri" panose="020F0502020204030204" pitchFamily="34" charset="0"/>
-                        </a:rPr>
-                        <a:t>Taxa Contratada</a:t>
+                        <a:rPr lang="en-US" dirty="0"/>
+                        <a:t>2</a:t>
                       </a:r>
+                      <a:endParaRPr lang="pt-BR" dirty="0"/>
                     </a:p>
                   </a:txBody>
-                  <a:tcPr marL="9525" marR="9525" marT="9525" marB="0" anchor="ctr"/>
+                  <a:tcPr anchor="ctr"/>
                 </a:tc>
                 <a:tc>
                   <a:txBody>
                     <a:bodyPr/>
                     <a:lstStyle/>
                     <a:p>
-                      <a:pPr algn="ctr" fontAlgn="b"/>
-                      <a:r>
-                        <a:rPr lang="pt-BR" sz="1100" b="0" i="0" u="none" strike="noStrike" noProof="0" dirty="0">
-                          <a:solidFill>
-                            <a:srgbClr val="000000"/>
-                          </a:solidFill>
-                          <a:effectLst/>
-                          <a:latin typeface="Calibri" panose="020F0502020204030204" pitchFamily="34" charset="0"/>
-                        </a:rPr>
-                        <a:t>Variável quantitativa continua</a:t>
-                      </a:r>
+                      <a:pPr algn="ctr"/>
+                      <a:endParaRPr lang="pt-BR"/>
                     </a:p>
                   </a:txBody>
-                  <a:tcPr marL="9525" marR="9525" marT="9525" marB="0" anchor="ctr"/>
+                  <a:tcPr anchor="ctr"/>
                 </a:tc>
                 <a:tc>
                   <a:txBody>
                     <a:bodyPr/>
                     <a:lstStyle/>
                     <a:p>
-                      <a:pPr algn="ctr" fontAlgn="b"/>
-                      <a:r>
-                        <a:rPr lang="pt-BR" sz="1100" b="0" i="0" u="none" strike="noStrike" noProof="0" dirty="0">
-                          <a:solidFill>
-                            <a:srgbClr val="000000"/>
-                          </a:solidFill>
-                          <a:effectLst/>
-                          <a:latin typeface="Calibri" panose="020F0502020204030204" pitchFamily="34" charset="0"/>
-                        </a:rPr>
-                        <a:t>Taxa de juros pactuada no contrato.</a:t>
-                      </a:r>
+                      <a:pPr algn="ctr"/>
+                      <a:endParaRPr lang="pt-BR"/>
                     </a:p>
                   </a:txBody>
-                  <a:tcPr marL="9525" marR="9525" marT="9525" marB="0" anchor="ctr"/>
-                </a:tc>
-                <a:extLst>
-                  <a:ext uri="{0D108BD9-81ED-4DB2-BD59-A6C34878D82A}">
-                    <a16:rowId xmlns:a16="http://schemas.microsoft.com/office/drawing/2014/main" val="1575534378"/>
-                  </a:ext>
-                </a:extLst>
-              </a:tr>
-              <a:tr h="370840">
-                <a:tc>
-                  <a:txBody>
-                    <a:bodyPr/>
-                    <a:lstStyle/>
-                    <a:p>
-                      <a:pPr algn="ctr" fontAlgn="b"/>
-                      <a:r>
-                        <a:rPr lang="pt-BR" sz="1100" b="0" i="0" u="none" strike="noStrike" noProof="0" dirty="0">
-                          <a:solidFill>
-                            <a:srgbClr val="000000"/>
-                          </a:solidFill>
-                          <a:effectLst/>
-                          <a:latin typeface="Calibri" panose="020F0502020204030204" pitchFamily="34" charset="0"/>
-                        </a:rPr>
-                        <a:t>Valores indenizatórios</a:t>
-                      </a:r>
-                    </a:p>
-                  </a:txBody>
-                  <a:tcPr marL="9525" marR="9525" marT="9525" marB="0" anchor="ctr"/>
+                  <a:tcPr anchor="ctr"/>
                 </a:tc>
                 <a:tc>
                   <a:txBody>
                     <a:bodyPr/>
                     <a:lstStyle/>
                     <a:p>
-                      <a:pPr algn="ctr" fontAlgn="b"/>
-                      <a:r>
-                        <a:rPr lang="pt-BR" sz="1100" b="0" i="0" u="none" strike="noStrike" noProof="0" dirty="0">
-                          <a:solidFill>
-                            <a:srgbClr val="000000"/>
-                          </a:solidFill>
-                          <a:effectLst/>
-                          <a:latin typeface="Calibri" panose="020F0502020204030204" pitchFamily="34" charset="0"/>
-                        </a:rPr>
-                        <a:t>Variável quantitativa continua</a:t>
-                      </a:r>
+                      <a:pPr algn="ctr"/>
+                      <a:endParaRPr lang="pt-BR" dirty="0"/>
                     </a:p>
                   </a:txBody>
-                  <a:tcPr marL="9525" marR="9525" marT="9525" marB="0" anchor="ctr"/>
+                  <a:tcPr anchor="ctr"/>
                 </a:tc>
                 <a:tc>
                   <a:txBody>
                     <a:bodyPr/>
                     <a:lstStyle/>
                     <a:p>
-                      <a:pPr algn="ctr" fontAlgn="b"/>
-                      <a:r>
-                        <a:rPr lang="pt-BR" sz="1100" b="0" i="0" u="none" strike="noStrike" noProof="0" dirty="0">
-                          <a:solidFill>
-                            <a:srgbClr val="000000"/>
-                          </a:solidFill>
-                          <a:effectLst/>
-                          <a:latin typeface="Calibri" panose="020F0502020204030204" pitchFamily="34" charset="0"/>
-                        </a:rPr>
-                        <a:t>Valores totais em risco (ou seja, valor em que o banco terá que pagar em caso de perda).</a:t>
-                      </a:r>
+                      <a:pPr algn="ctr"/>
+                      <a:endParaRPr lang="pt-BR" dirty="0"/>
                     </a:p>
                   </a:txBody>
-                  <a:tcPr marL="9525" marR="9525" marT="9525" marB="0" anchor="ctr"/>
+                  <a:tcPr anchor="ctr"/>
+                </a:tc>
+                <a:tc>
+                  <a:txBody>
+                    <a:bodyPr/>
+                    <a:lstStyle/>
+                    <a:p>
+                      <a:pPr algn="ctr"/>
+                      <a:endParaRPr lang="pt-BR" dirty="0"/>
+                    </a:p>
+                  </a:txBody>
+                  <a:tcPr anchor="ctr"/>
                 </a:tc>
                 <a:extLst>
                   <a:ext uri="{0D108BD9-81ED-4DB2-BD59-A6C34878D82A}">
-                    <a16:rowId xmlns:a16="http://schemas.microsoft.com/office/drawing/2014/main" val="426289361"/>
+                    <a16:rowId xmlns:a16="http://schemas.microsoft.com/office/drawing/2014/main" val="2490944196"/>
                   </a:ext>
                 </a:extLst>
               </a:tr>
@@ -6099,7 +6076,7 @@
     </p:spTree>
     <p:extLst>
       <p:ext uri="{BB962C8B-B14F-4D97-AF65-F5344CB8AC3E}">
-        <p14:creationId xmlns:p14="http://schemas.microsoft.com/office/powerpoint/2010/main" val="2064995205"/>
+        <p14:creationId xmlns:p14="http://schemas.microsoft.com/office/powerpoint/2010/main" val="4107158896"/>
       </p:ext>
     </p:extLst>
   </p:cSld>
@@ -6109,7 +6086,184 @@
 </p:sld>
 </file>
 
-<file path=ppt/slides/slide6.xml><?xml version="1.0" encoding="utf-8"?>
+<file path=ppt/slides/slide2.xml><?xml version="1.0" encoding="utf-8"?>
+<p:sld xmlns:a="http://schemas.openxmlformats.org/drawingml/2006/main" xmlns:r="http://schemas.openxmlformats.org/officeDocument/2006/relationships" xmlns:p="http://schemas.openxmlformats.org/presentationml/2006/main">
+  <p:cSld>
+    <p:bg>
+      <p:bgPr>
+        <a:solidFill>
+          <a:srgbClr val="000000"/>
+        </a:solidFill>
+        <a:effectLst/>
+      </p:bgPr>
+    </p:bg>
+    <p:spTree>
+      <p:nvGrpSpPr>
+        <p:cNvPr id="1" name=""/>
+        <p:cNvGrpSpPr/>
+        <p:nvPr/>
+      </p:nvGrpSpPr>
+      <p:grpSpPr>
+        <a:xfrm>
+          <a:off x="0" y="0"/>
+          <a:ext cx="0" cy="0"/>
+          <a:chOff x="0" y="0"/>
+          <a:chExt cx="0" cy="0"/>
+        </a:xfrm>
+      </p:grpSpPr>
+      <p:sp>
+        <p:nvSpPr>
+          <p:cNvPr id="9" name="Rectangle 8">
+            <a:extLst>
+              <a:ext uri="{FF2B5EF4-FFF2-40B4-BE49-F238E27FC236}">
+                <a16:creationId xmlns:a16="http://schemas.microsoft.com/office/drawing/2014/main" id="{71B2258F-86CA-4D4D-8270-BC05FCDEBFB3}"/>
+              </a:ext>
+              <a:ext uri="{C183D7F6-B498-43B3-948B-1728B52AA6E4}">
+                <adec:decorative xmlns:adec="http://schemas.microsoft.com/office/drawing/2017/decorative" val="1"/>
+              </a:ext>
+            </a:extLst>
+          </p:cNvPr>
+          <p:cNvSpPr>
+            <a:spLocks noGrp="1" noRot="1" noChangeAspect="1" noMove="1" noResize="1" noEditPoints="1" noAdjustHandles="1" noChangeArrowheads="1" noChangeShapeType="1" noTextEdit="1"/>
+          </p:cNvSpPr>
+          <p:nvPr>
+            <p:extLst>
+              <p:ext uri="{386F3935-93C4-4BCD-93E2-E3B085C9AB24}">
+                <p16:designElem xmlns:p16="http://schemas.microsoft.com/office/powerpoint/2015/main" val="1"/>
+              </p:ext>
+            </p:extLst>
+          </p:nvPr>
+        </p:nvSpPr>
+        <p:spPr>
+          <a:xfrm>
+            <a:off x="0" y="0"/>
+            <a:ext cx="12192000" cy="6857999"/>
+          </a:xfrm>
+          <a:prstGeom prst="rect">
+            <a:avLst/>
+          </a:prstGeom>
+          <a:solidFill>
+            <a:srgbClr val="000000"/>
+          </a:solidFill>
+          <a:ln>
+            <a:noFill/>
+          </a:ln>
+        </p:spPr>
+        <p:style>
+          <a:lnRef idx="2">
+            <a:schemeClr val="accent1">
+              <a:shade val="50000"/>
+            </a:schemeClr>
+          </a:lnRef>
+          <a:fillRef idx="1">
+            <a:schemeClr val="accent1"/>
+          </a:fillRef>
+          <a:effectRef idx="0">
+            <a:schemeClr val="accent1"/>
+          </a:effectRef>
+          <a:fontRef idx="minor">
+            <a:schemeClr val="lt1"/>
+          </a:fontRef>
+        </p:style>
+        <p:txBody>
+          <a:bodyPr rtlCol="0" anchor="ctr"/>
+          <a:lstStyle/>
+          <a:p>
+            <a:pPr algn="ctr"/>
+            <a:endParaRPr lang="pt-BR" noProof="0" dirty="0"/>
+          </a:p>
+        </p:txBody>
+      </p:sp>
+      <p:pic>
+        <p:nvPicPr>
+          <p:cNvPr id="4" name="Imagem 3" descr="Uma imagem contendo mesa, quarto, balcão, espelho&#10;&#10;O conteúdo gerado por IA pode estar incorreto.">
+            <a:extLst>
+              <a:ext uri="{FF2B5EF4-FFF2-40B4-BE49-F238E27FC236}">
+                <a16:creationId xmlns:a16="http://schemas.microsoft.com/office/drawing/2014/main" id="{0FF3229F-8FAD-AD98-385E-4C94F1E9FCED}"/>
+              </a:ext>
+            </a:extLst>
+          </p:cNvPr>
+          <p:cNvPicPr>
+            <a:picLocks noChangeAspect="1"/>
+          </p:cNvPicPr>
+          <p:nvPr/>
+        </p:nvPicPr>
+        <p:blipFill>
+          <a:blip r:embed="rId2">
+            <a:alphaModFix amt="50000"/>
+            <a:extLst>
+              <a:ext uri="{28A0092B-C50C-407E-A947-70E740481C1C}">
+                <a14:useLocalDpi xmlns:a14="http://schemas.microsoft.com/office/drawing/2010/main" val="0"/>
+              </a:ext>
+            </a:extLst>
+          </a:blip>
+          <a:srcRect t="34551" b="9199"/>
+          <a:stretch/>
+        </p:blipFill>
+        <p:spPr>
+          <a:xfrm>
+            <a:off x="20" y="1"/>
+            <a:ext cx="12191980" cy="6857999"/>
+          </a:xfrm>
+          <a:prstGeom prst="rect">
+            <a:avLst/>
+          </a:prstGeom>
+        </p:spPr>
+      </p:pic>
+      <p:sp>
+        <p:nvSpPr>
+          <p:cNvPr id="2" name="Título 1">
+            <a:extLst>
+              <a:ext uri="{FF2B5EF4-FFF2-40B4-BE49-F238E27FC236}">
+                <a16:creationId xmlns:a16="http://schemas.microsoft.com/office/drawing/2014/main" id="{52122EE8-B8AB-CC2A-FC01-104F3D7E7C0B}"/>
+              </a:ext>
+            </a:extLst>
+          </p:cNvPr>
+          <p:cNvSpPr>
+            <a:spLocks noGrp="1"/>
+          </p:cNvSpPr>
+          <p:nvPr>
+            <p:ph type="title"/>
+          </p:nvPr>
+        </p:nvSpPr>
+        <p:spPr>
+          <a:xfrm>
+            <a:off x="1524000" y="1122362"/>
+            <a:ext cx="9144000" cy="2900518"/>
+          </a:xfrm>
+        </p:spPr>
+        <p:txBody>
+          <a:bodyPr vert="horz" lIns="91440" tIns="45720" rIns="91440" bIns="45720" rtlCol="0" anchor="b">
+            <a:normAutofit/>
+          </a:bodyPr>
+          <a:lstStyle/>
+          <a:p>
+            <a:pPr algn="ctr"/>
+            <a:r>
+              <a:rPr lang="pt-BR" noProof="0" dirty="0">
+                <a:solidFill>
+                  <a:srgbClr val="FFFFFF"/>
+                </a:solidFill>
+              </a:rPr>
+              <a:t>Introdução e Escopo</a:t>
+            </a:r>
+          </a:p>
+        </p:txBody>
+      </p:sp>
+    </p:spTree>
+    <p:extLst>
+      <p:ext uri="{BB962C8B-B14F-4D97-AF65-F5344CB8AC3E}">
+        <p14:creationId xmlns:p14="http://schemas.microsoft.com/office/powerpoint/2010/main" val="3120725812"/>
+      </p:ext>
+    </p:extLst>
+  </p:cSld>
+  <p:clrMapOvr>
+    <a:overrideClrMapping bg1="dk1" tx1="lt1" bg2="dk2" tx2="lt2" accent1="accent1" accent2="accent2" accent3="accent3" accent4="accent4" accent5="accent5" accent6="accent6" hlink="hlink" folHlink="folHlink"/>
+  </p:clrMapOvr>
+</p:sld>
+</file>
+
+<file path=ppt/slides/slide3.xml><?xml version="1.0" encoding="utf-8"?>
 <p:sld xmlns:a="http://schemas.openxmlformats.org/drawingml/2006/main" xmlns:r="http://schemas.openxmlformats.org/officeDocument/2006/relationships" xmlns:p="http://schemas.openxmlformats.org/presentationml/2006/main">
   <p:cSld>
     <p:bg>
@@ -6122,13 +6276,7 @@
     </p:bg>
     <p:spTree>
       <p:nvGrpSpPr>
-        <p:cNvPr id="1" name="">
-          <a:extLst>
-            <a:ext uri="{FF2B5EF4-FFF2-40B4-BE49-F238E27FC236}">
-              <a16:creationId xmlns:a16="http://schemas.microsoft.com/office/drawing/2014/main" id="{F7A71A73-7D84-A18E-94B3-92F920263FA8}"/>
-            </a:ext>
-          </a:extLst>
-        </p:cNvPr>
+        <p:cNvPr id="1" name=""/>
         <p:cNvGrpSpPr/>
         <p:nvPr/>
       </p:nvGrpSpPr>
@@ -6142,10 +6290,10 @@
       </p:grpSpPr>
       <p:sp useBgFill="1">
         <p:nvSpPr>
-          <p:cNvPr id="12" name="Rectangle 11">
-            <a:extLst>
-              <a:ext uri="{FF2B5EF4-FFF2-40B4-BE49-F238E27FC236}">
-                <a16:creationId xmlns:a16="http://schemas.microsoft.com/office/drawing/2014/main" id="{DF7D2B90-D548-7F1D-6AC6-6985D19505DF}"/>
+          <p:cNvPr id="19" name="Rectangle 11">
+            <a:extLst>
+              <a:ext uri="{FF2B5EF4-FFF2-40B4-BE49-F238E27FC236}">
+                <a16:creationId xmlns:a16="http://schemas.microsoft.com/office/drawing/2014/main" id="{9AA72BD9-2C5A-4EDC-931F-5AA08EACA0F3}"/>
               </a:ext>
               <a:ext uri="{C183D7F6-B498-43B3-948B-1728B52AA6E4}">
                 <adec:decorative xmlns:adec="http://schemas.microsoft.com/office/drawing/2017/decorative" val="1"/>
@@ -6196,16 +6344,16 @@
           <a:lstStyle/>
           <a:p>
             <a:pPr algn="ctr"/>
-            <a:endParaRPr lang="en-US" dirty="0"/>
+            <a:endParaRPr lang="pt-BR" noProof="0" dirty="0"/>
           </a:p>
         </p:txBody>
       </p:sp>
       <p:pic>
         <p:nvPicPr>
-          <p:cNvPr id="5" name="Espaço Reservado para Conteúdo 4" descr="Uma imagem contendo mesa, quarto, balcão, espelho&#10;&#10;O conteúdo gerado por IA pode estar incorreto.">
-            <a:extLst>
-              <a:ext uri="{FF2B5EF4-FFF2-40B4-BE49-F238E27FC236}">
-                <a16:creationId xmlns:a16="http://schemas.microsoft.com/office/drawing/2014/main" id="{952E064B-6464-564D-32DF-4A9454534B89}"/>
+          <p:cNvPr id="5" name="Espaço Reservado para Conteúdo 4" descr="Uma imagem contendo no interior, mesa, vivendo, quarto&#10;&#10;O conteúdo gerado por IA pode estar incorreto.">
+            <a:extLst>
+              <a:ext uri="{FF2B5EF4-FFF2-40B4-BE49-F238E27FC236}">
+                <a16:creationId xmlns:a16="http://schemas.microsoft.com/office/drawing/2014/main" id="{1C99919F-F78C-2BE6-919B-D846A00E9AF5}"/>
               </a:ext>
             </a:extLst>
           </p:cNvPr>
@@ -6222,7 +6370,7 @@
               </a:ext>
             </a:extLst>
           </a:blip>
-          <a:srcRect t="28087" r="9090" b="-1"/>
+          <a:srcRect l="9091" t="28087" r="-1" b="-1"/>
           <a:stretch/>
         </p:blipFill>
         <p:spPr>
@@ -6237,10 +6385,10 @@
       </p:pic>
       <p:sp>
         <p:nvSpPr>
-          <p:cNvPr id="14" name="Rectangle 13">
-            <a:extLst>
-              <a:ext uri="{FF2B5EF4-FFF2-40B4-BE49-F238E27FC236}">
-                <a16:creationId xmlns:a16="http://schemas.microsoft.com/office/drawing/2014/main" id="{966092CA-9546-266E-BF26-D6E218F8B8A8}"/>
+          <p:cNvPr id="20" name="Rectangle 13">
+            <a:extLst>
+              <a:ext uri="{FF2B5EF4-FFF2-40B4-BE49-F238E27FC236}">
+                <a16:creationId xmlns:a16="http://schemas.microsoft.com/office/drawing/2014/main" id="{DD3981AC-7B61-4947-BCF3-F7AA7FA385B9}"/>
               </a:ext>
               <a:ext uri="{C183D7F6-B498-43B3-948B-1728B52AA6E4}">
                 <adec:decorative xmlns:adec="http://schemas.microsoft.com/office/drawing/2017/decorative" val="1"/>
@@ -6317,7 +6465,7 @@
           <a:lstStyle/>
           <a:p>
             <a:pPr algn="ctr"/>
-            <a:endParaRPr lang="en-US" dirty="0"/>
+            <a:endParaRPr lang="pt-BR" noProof="0" dirty="0"/>
           </a:p>
         </p:txBody>
       </p:sp>
@@ -6326,7 +6474,7 @@
           <p:cNvPr id="2" name="Título 1">
             <a:extLst>
               <a:ext uri="{FF2B5EF4-FFF2-40B4-BE49-F238E27FC236}">
-                <a16:creationId xmlns:a16="http://schemas.microsoft.com/office/drawing/2014/main" id="{A9FB29E5-2CCE-8314-232A-552913CDED45}"/>
+                <a16:creationId xmlns:a16="http://schemas.microsoft.com/office/drawing/2014/main" id="{93895BFE-0AA8-41E7-6E01-E446992A3D12}"/>
               </a:ext>
             </a:extLst>
           </p:cNvPr>
@@ -6355,17 +6503,17 @@
                   <a:schemeClr val="bg1"/>
                 </a:solidFill>
               </a:rPr>
-              <a:t>Premissas</a:t>
-            </a:r>
-          </a:p>
-        </p:txBody>
-      </p:sp>
-      <p:sp>
-        <p:nvSpPr>
-          <p:cNvPr id="16" name="Rectangle 15">
-            <a:extLst>
-              <a:ext uri="{FF2B5EF4-FFF2-40B4-BE49-F238E27FC236}">
-                <a16:creationId xmlns:a16="http://schemas.microsoft.com/office/drawing/2014/main" id="{7BF481F8-39F8-8C6E-9DF6-1427033A5D98}"/>
+              <a:t>Objetivo do Trabalho</a:t>
+            </a:r>
+          </a:p>
+        </p:txBody>
+      </p:sp>
+      <p:sp>
+        <p:nvSpPr>
+          <p:cNvPr id="21" name="Rectangle 15">
+            <a:extLst>
+              <a:ext uri="{FF2B5EF4-FFF2-40B4-BE49-F238E27FC236}">
+                <a16:creationId xmlns:a16="http://schemas.microsoft.com/office/drawing/2014/main" id="{55D4142C-5077-457F-A6AD-3FECFDB39685}"/>
               </a:ext>
               <a:ext uri="{C183D7F6-B498-43B3-948B-1728B52AA6E4}">
                 <adec:decorative xmlns:adec="http://schemas.microsoft.com/office/drawing/2017/decorative" val="1"/>
@@ -6419,7 +6567,7 @@
           <a:lstStyle/>
           <a:p>
             <a:pPr algn="ctr"/>
-            <a:endParaRPr lang="en-US" dirty="0">
+            <a:endParaRPr lang="pt-BR" noProof="0" dirty="0">
               <a:solidFill>
                 <a:prstClr val="white"/>
               </a:solidFill>
@@ -6433,7 +6581,7 @@
           <p:cNvPr id="18" name="Rectangle 17">
             <a:extLst>
               <a:ext uri="{FF2B5EF4-FFF2-40B4-BE49-F238E27FC236}">
-                <a16:creationId xmlns:a16="http://schemas.microsoft.com/office/drawing/2014/main" id="{4BB9BA9D-735F-7F80-2A8A-52AE79833A1B}"/>
+                <a16:creationId xmlns:a16="http://schemas.microsoft.com/office/drawing/2014/main" id="{7A5F0580-5EE9-419F-96EE-B6529EF6E7D0}"/>
               </a:ext>
               <a:ext uri="{C183D7F6-B498-43B3-948B-1728B52AA6E4}">
                 <adec:decorative xmlns:adec="http://schemas.microsoft.com/office/drawing/2017/decorative" val="1"/>
@@ -6506,7 +6654,7 @@
               <a:tabLst/>
               <a:defRPr/>
             </a:pPr>
-            <a:endParaRPr kumimoji="0" lang="en-US" sz="1800" b="0" i="0" u="none" strike="noStrike" kern="1200" cap="none" spc="0" normalizeH="0" baseline="0" noProof="0" dirty="0">
+            <a:endParaRPr kumimoji="0" lang="pt-BR" sz="1800" b="0" i="0" u="none" strike="noStrike" kern="1200" cap="none" spc="0" normalizeH="0" baseline="0" noProof="0" dirty="0">
               <a:ln>
                 <a:noFill/>
               </a:ln>
@@ -6528,7 +6676,7 @@
           <p:cNvPr id="9" name="Content Placeholder 8">
             <a:extLst>
               <a:ext uri="{FF2B5EF4-FFF2-40B4-BE49-F238E27FC236}">
-                <a16:creationId xmlns:a16="http://schemas.microsoft.com/office/drawing/2014/main" id="{B1531359-9DD7-BFED-693A-57E07B426F21}"/>
+                <a16:creationId xmlns:a16="http://schemas.microsoft.com/office/drawing/2014/main" id="{06840D77-AF45-198E-9564-D1CC37CF3234}"/>
               </a:ext>
             </a:extLst>
           </p:cNvPr>
@@ -6541,8 +6689,8 @@
         </p:nvSpPr>
         <p:spPr>
           <a:xfrm>
-            <a:off x="371094" y="2718054"/>
-            <a:ext cx="3438906" cy="3207258"/>
+            <a:off x="371093" y="2718053"/>
+            <a:ext cx="4382061" cy="3743131"/>
           </a:xfrm>
         </p:spPr>
         <p:txBody>
@@ -6551,18 +6699,33 @@
           </a:bodyPr>
           <a:lstStyle/>
           <a:p>
-            <a:endParaRPr lang="en-US" sz="1700" dirty="0">
-              <a:solidFill>
-                <a:schemeClr val="bg1"/>
-              </a:solidFill>
-            </a:endParaRPr>
+            <a:pPr algn="just"/>
+            <a:r>
+              <a:rPr lang="pt-BR" sz="1700" noProof="0" dirty="0">
+                <a:solidFill>
+                  <a:schemeClr val="bg1"/>
+                </a:solidFill>
+              </a:rPr>
+              <a:t>O foco do trabalho são as ações judiciais iniciadas pelos clientes insatisfeitos com as taxas de juros utilizadas no financiamento. A ação judicial é distribuída em alguma vara cível de uma comarca da grande São Paulo. O banco utiliza alguma estratégia de defesa no processo e aguarda o julgamento do Juiz. Caso perca, o banco deve pagar ao cliente uma indenização, além de arcar com todas as custas da ação judicial.</a:t>
+            </a:r>
+          </a:p>
+          <a:p>
+            <a:pPr algn="just"/>
+            <a:r>
+              <a:rPr lang="pt-BR" sz="1700" b="1" noProof="0" dirty="0">
+                <a:solidFill>
+                  <a:schemeClr val="bg1"/>
+                </a:solidFill>
+              </a:rPr>
+              <a:t>Minimizar os custos deste passivo e fazer um acordo com o cliente, propondo um valor de ressarcimento inferior ao valor de indenização.</a:t>
+            </a:r>
           </a:p>
         </p:txBody>
       </p:sp>
     </p:spTree>
     <p:extLst>
       <p:ext uri="{BB962C8B-B14F-4D97-AF65-F5344CB8AC3E}">
-        <p14:creationId xmlns:p14="http://schemas.microsoft.com/office/powerpoint/2010/main" val="2984971039"/>
+        <p14:creationId xmlns:p14="http://schemas.microsoft.com/office/powerpoint/2010/main" val="1525873375"/>
       </p:ext>
     </p:extLst>
   </p:cSld>
@@ -6572,7 +6735,7 @@
 </p:sld>
 </file>
 
-<file path=ppt/slides/slide7.xml><?xml version="1.0" encoding="utf-8"?>
+<file path=ppt/slides/slide4.xml><?xml version="1.0" encoding="utf-8"?>
 <p:sld xmlns:a="http://schemas.openxmlformats.org/drawingml/2006/main" xmlns:r="http://schemas.openxmlformats.org/officeDocument/2006/relationships" xmlns:p="http://schemas.openxmlformats.org/presentationml/2006/main">
   <p:cSld>
     <p:bg>
@@ -6588,7 +6751,7 @@
         <p:cNvPr id="1" name="">
           <a:extLst>
             <a:ext uri="{FF2B5EF4-FFF2-40B4-BE49-F238E27FC236}">
-              <a16:creationId xmlns:a16="http://schemas.microsoft.com/office/drawing/2014/main" id="{4C82DE45-F863-6C40-79F6-8CC308D0F9DA}"/>
+              <a16:creationId xmlns:a16="http://schemas.microsoft.com/office/drawing/2014/main" id="{F7A71A73-7D84-A18E-94B3-92F920263FA8}"/>
             </a:ext>
           </a:extLst>
         </p:cNvPr>
@@ -6605,10 +6768,10 @@
       </p:grpSpPr>
       <p:sp useBgFill="1">
         <p:nvSpPr>
-          <p:cNvPr id="19" name="Rectangle 11">
-            <a:extLst>
-              <a:ext uri="{FF2B5EF4-FFF2-40B4-BE49-F238E27FC236}">
-                <a16:creationId xmlns:a16="http://schemas.microsoft.com/office/drawing/2014/main" id="{7D0A88E2-2FFD-5EFD-9F65-7827E5963058}"/>
+          <p:cNvPr id="12" name="Rectangle 11">
+            <a:extLst>
+              <a:ext uri="{FF2B5EF4-FFF2-40B4-BE49-F238E27FC236}">
+                <a16:creationId xmlns:a16="http://schemas.microsoft.com/office/drawing/2014/main" id="{DF7D2B90-D548-7F1D-6AC6-6985D19505DF}"/>
               </a:ext>
               <a:ext uri="{C183D7F6-B498-43B3-948B-1728B52AA6E4}">
                 <adec:decorative xmlns:adec="http://schemas.microsoft.com/office/drawing/2017/decorative" val="1"/>
@@ -6659,16 +6822,16 @@
           <a:lstStyle/>
           <a:p>
             <a:pPr algn="ctr"/>
-            <a:endParaRPr lang="en-US" dirty="0"/>
+            <a:endParaRPr lang="pt-BR" noProof="0" dirty="0"/>
           </a:p>
         </p:txBody>
       </p:sp>
       <p:pic>
         <p:nvPicPr>
-          <p:cNvPr id="5" name="Espaço Reservado para Conteúdo 4" descr="Uma imagem contendo no interior, mesa, vivendo, quarto&#10;&#10;O conteúdo gerado por IA pode estar incorreto.">
-            <a:extLst>
-              <a:ext uri="{FF2B5EF4-FFF2-40B4-BE49-F238E27FC236}">
-                <a16:creationId xmlns:a16="http://schemas.microsoft.com/office/drawing/2014/main" id="{7F3C6F64-2A24-606D-3567-43B83ABFC517}"/>
+          <p:cNvPr id="5" name="Espaço Reservado para Conteúdo 4" descr="Uma imagem contendo mesa, quarto, balcão, espelho&#10;&#10;O conteúdo gerado por IA pode estar incorreto.">
+            <a:extLst>
+              <a:ext uri="{FF2B5EF4-FFF2-40B4-BE49-F238E27FC236}">
+                <a16:creationId xmlns:a16="http://schemas.microsoft.com/office/drawing/2014/main" id="{952E064B-6464-564D-32DF-4A9454534B89}"/>
               </a:ext>
             </a:extLst>
           </p:cNvPr>
@@ -6685,7 +6848,7 @@
               </a:ext>
             </a:extLst>
           </a:blip>
-          <a:srcRect l="9091" t="28087" r="-1" b="-1"/>
+          <a:srcRect t="28087" r="9090" b="-1"/>
           <a:stretch/>
         </p:blipFill>
         <p:spPr>
@@ -6700,10 +6863,10 @@
       </p:pic>
       <p:sp>
         <p:nvSpPr>
-          <p:cNvPr id="20" name="Rectangle 13">
-            <a:extLst>
-              <a:ext uri="{FF2B5EF4-FFF2-40B4-BE49-F238E27FC236}">
-                <a16:creationId xmlns:a16="http://schemas.microsoft.com/office/drawing/2014/main" id="{ECBB3E57-D956-E2EB-CDE8-874708BD51F0}"/>
+          <p:cNvPr id="14" name="Rectangle 13">
+            <a:extLst>
+              <a:ext uri="{FF2B5EF4-FFF2-40B4-BE49-F238E27FC236}">
+                <a16:creationId xmlns:a16="http://schemas.microsoft.com/office/drawing/2014/main" id="{966092CA-9546-266E-BF26-D6E218F8B8A8}"/>
               </a:ext>
               <a:ext uri="{C183D7F6-B498-43B3-948B-1728B52AA6E4}">
                 <adec:decorative xmlns:adec="http://schemas.microsoft.com/office/drawing/2017/decorative" val="1"/>
@@ -6780,7 +6943,7 @@
           <a:lstStyle/>
           <a:p>
             <a:pPr algn="ctr"/>
-            <a:endParaRPr lang="en-US" dirty="0"/>
+            <a:endParaRPr lang="pt-BR" noProof="0" dirty="0"/>
           </a:p>
         </p:txBody>
       </p:sp>
@@ -6789,7 +6952,7 @@
           <p:cNvPr id="2" name="Título 1">
             <a:extLst>
               <a:ext uri="{FF2B5EF4-FFF2-40B4-BE49-F238E27FC236}">
-                <a16:creationId xmlns:a16="http://schemas.microsoft.com/office/drawing/2014/main" id="{6504B4F1-D1FC-26F7-6F08-AF57BFEC2BA2}"/>
+                <a16:creationId xmlns:a16="http://schemas.microsoft.com/office/drawing/2014/main" id="{A9FB29E5-2CCE-8314-232A-552913CDED45}"/>
               </a:ext>
             </a:extLst>
           </p:cNvPr>
@@ -6818,17 +6981,17 @@
                   <a:schemeClr val="bg1"/>
                 </a:solidFill>
               </a:rPr>
-              <a:t>Objetivo do Trabalho</a:t>
-            </a:r>
-          </a:p>
-        </p:txBody>
-      </p:sp>
-      <p:sp>
-        <p:nvSpPr>
-          <p:cNvPr id="21" name="Rectangle 15">
-            <a:extLst>
-              <a:ext uri="{FF2B5EF4-FFF2-40B4-BE49-F238E27FC236}">
-                <a16:creationId xmlns:a16="http://schemas.microsoft.com/office/drawing/2014/main" id="{BAAD53A7-8CB7-63D5-01B1-8030FE0B3FCC}"/>
+              <a:t>Target do projeto</a:t>
+            </a:r>
+          </a:p>
+        </p:txBody>
+      </p:sp>
+      <p:sp>
+        <p:nvSpPr>
+          <p:cNvPr id="16" name="Rectangle 15">
+            <a:extLst>
+              <a:ext uri="{FF2B5EF4-FFF2-40B4-BE49-F238E27FC236}">
+                <a16:creationId xmlns:a16="http://schemas.microsoft.com/office/drawing/2014/main" id="{7BF481F8-39F8-8C6E-9DF6-1427033A5D98}"/>
               </a:ext>
               <a:ext uri="{C183D7F6-B498-43B3-948B-1728B52AA6E4}">
                 <adec:decorative xmlns:adec="http://schemas.microsoft.com/office/drawing/2017/decorative" val="1"/>
@@ -6882,7 +7045,7 @@
           <a:lstStyle/>
           <a:p>
             <a:pPr algn="ctr"/>
-            <a:endParaRPr lang="en-US" dirty="0">
+            <a:endParaRPr lang="pt-BR" noProof="0" dirty="0">
               <a:solidFill>
                 <a:prstClr val="white"/>
               </a:solidFill>
@@ -6896,7 +7059,7 @@
           <p:cNvPr id="18" name="Rectangle 17">
             <a:extLst>
               <a:ext uri="{FF2B5EF4-FFF2-40B4-BE49-F238E27FC236}">
-                <a16:creationId xmlns:a16="http://schemas.microsoft.com/office/drawing/2014/main" id="{6B377E62-D8CF-93BF-E516-09C4635C2380}"/>
+                <a16:creationId xmlns:a16="http://schemas.microsoft.com/office/drawing/2014/main" id="{4BB9BA9D-735F-7F80-2A8A-52AE79833A1B}"/>
               </a:ext>
               <a:ext uri="{C183D7F6-B498-43B3-948B-1728B52AA6E4}">
                 <adec:decorative xmlns:adec="http://schemas.microsoft.com/office/drawing/2017/decorative" val="1"/>
@@ -6969,7 +7132,7 @@
               <a:tabLst/>
               <a:defRPr/>
             </a:pPr>
-            <a:endParaRPr kumimoji="0" lang="en-US" sz="1800" b="0" i="0" u="none" strike="noStrike" kern="1200" cap="none" spc="0" normalizeH="0" baseline="0" noProof="0" dirty="0">
+            <a:endParaRPr kumimoji="0" lang="pt-BR" sz="1800" b="0" i="0" u="none" strike="noStrike" kern="1200" cap="none" spc="0" normalizeH="0" baseline="0" noProof="0" dirty="0">
               <a:ln>
                 <a:noFill/>
               </a:ln>
@@ -6991,7 +7154,7 @@
           <p:cNvPr id="9" name="Content Placeholder 8">
             <a:extLst>
               <a:ext uri="{FF2B5EF4-FFF2-40B4-BE49-F238E27FC236}">
-                <a16:creationId xmlns:a16="http://schemas.microsoft.com/office/drawing/2014/main" id="{66BE839D-7C55-CC81-F860-5772157D6DD4}"/>
+                <a16:creationId xmlns:a16="http://schemas.microsoft.com/office/drawing/2014/main" id="{B1531359-9DD7-BFED-693A-57E07B426F21}"/>
               </a:ext>
             </a:extLst>
           </p:cNvPr>
@@ -7005,7 +7168,7 @@
         <p:spPr>
           <a:xfrm>
             <a:off x="371094" y="2718054"/>
-            <a:ext cx="3438906" cy="3207258"/>
+            <a:ext cx="3438144" cy="3207258"/>
           </a:xfrm>
         </p:spPr>
         <p:txBody>
@@ -7014,7 +7177,80 @@
           </a:bodyPr>
           <a:lstStyle/>
           <a:p>
-            <a:endParaRPr lang="en-US" sz="1700" dirty="0">
+            <a:pPr algn="just"/>
+            <a:r>
+              <a:rPr lang="en-US" sz="1700" noProof="0" dirty="0">
+                <a:solidFill>
+                  <a:schemeClr val="bg1"/>
+                </a:solidFill>
+              </a:rPr>
+              <a:t>A </a:t>
+            </a:r>
+            <a:r>
+              <a:rPr lang="en-US" sz="1700" noProof="0" dirty="0" err="1">
+                <a:solidFill>
+                  <a:schemeClr val="bg1"/>
+                </a:solidFill>
+              </a:rPr>
+              <a:t>variável</a:t>
+            </a:r>
+            <a:r>
+              <a:rPr lang="en-US" sz="1700" noProof="0" dirty="0">
+                <a:solidFill>
+                  <a:schemeClr val="bg1"/>
+                </a:solidFill>
+              </a:rPr>
+              <a:t> </a:t>
+            </a:r>
+            <a:r>
+              <a:rPr lang="en-US" sz="1700" noProof="0" dirty="0" err="1">
+                <a:solidFill>
+                  <a:schemeClr val="bg1"/>
+                </a:solidFill>
+              </a:rPr>
+              <a:t>objetivo</a:t>
+            </a:r>
+            <a:r>
+              <a:rPr lang="en-US" sz="1700" noProof="0" dirty="0">
+                <a:solidFill>
+                  <a:schemeClr val="bg1"/>
+                </a:solidFill>
+              </a:rPr>
+              <a:t> do </a:t>
+            </a:r>
+            <a:r>
+              <a:rPr lang="en-US" sz="1700" noProof="0" dirty="0" err="1">
+                <a:solidFill>
+                  <a:schemeClr val="bg1"/>
+                </a:solidFill>
+              </a:rPr>
+              <a:t>projeto</a:t>
+            </a:r>
+            <a:r>
+              <a:rPr lang="en-US" sz="1700" noProof="0" dirty="0">
+                <a:solidFill>
+                  <a:schemeClr val="bg1"/>
+                </a:solidFill>
+              </a:rPr>
+              <a:t> é </a:t>
+            </a:r>
+            <a:r>
+              <a:rPr lang="en-US" sz="1700" noProof="0" dirty="0" err="1">
+                <a:solidFill>
+                  <a:schemeClr val="bg1"/>
+                </a:solidFill>
+              </a:rPr>
+              <a:t>Sentenças</a:t>
+            </a:r>
+            <a:r>
+              <a:rPr lang="en-US" sz="1700" noProof="0" dirty="0">
+                <a:solidFill>
+                  <a:schemeClr val="bg1"/>
+                </a:solidFill>
+              </a:rPr>
+              <a:t>.</a:t>
+            </a:r>
+            <a:endParaRPr lang="pt-BR" sz="1700" noProof="0" dirty="0">
               <a:solidFill>
                 <a:schemeClr val="bg1"/>
               </a:solidFill>
@@ -7025,7 +7261,2307 @@
     </p:spTree>
     <p:extLst>
       <p:ext uri="{BB962C8B-B14F-4D97-AF65-F5344CB8AC3E}">
+        <p14:creationId xmlns:p14="http://schemas.microsoft.com/office/powerpoint/2010/main" val="2984971039"/>
+      </p:ext>
+    </p:extLst>
+  </p:cSld>
+  <p:clrMapOvr>
+    <a:masterClrMapping/>
+  </p:clrMapOvr>
+</p:sld>
+</file>
+
+<file path=ppt/slides/slide5.xml><?xml version="1.0" encoding="utf-8"?>
+<p:sld xmlns:a="http://schemas.openxmlformats.org/drawingml/2006/main" xmlns:r="http://schemas.openxmlformats.org/officeDocument/2006/relationships" xmlns:p="http://schemas.openxmlformats.org/presentationml/2006/main">
+  <p:cSld>
+    <p:bg>
+      <p:bgPr>
+        <a:solidFill>
+          <a:schemeClr val="bg1"/>
+        </a:solidFill>
+        <a:effectLst/>
+      </p:bgPr>
+    </p:bg>
+    <p:spTree>
+      <p:nvGrpSpPr>
+        <p:cNvPr id="1" name="">
+          <a:extLst>
+            <a:ext uri="{FF2B5EF4-FFF2-40B4-BE49-F238E27FC236}">
+              <a16:creationId xmlns:a16="http://schemas.microsoft.com/office/drawing/2014/main" id="{4C82DE45-F863-6C40-79F6-8CC308D0F9DA}"/>
+            </a:ext>
+          </a:extLst>
+        </p:cNvPr>
+        <p:cNvGrpSpPr/>
+        <p:nvPr/>
+      </p:nvGrpSpPr>
+      <p:grpSpPr>
+        <a:xfrm>
+          <a:off x="0" y="0"/>
+          <a:ext cx="0" cy="0"/>
+          <a:chOff x="0" y="0"/>
+          <a:chExt cx="0" cy="0"/>
+        </a:xfrm>
+      </p:grpSpPr>
+      <p:sp useBgFill="1">
+        <p:nvSpPr>
+          <p:cNvPr id="19" name="Rectangle 11">
+            <a:extLst>
+              <a:ext uri="{FF2B5EF4-FFF2-40B4-BE49-F238E27FC236}">
+                <a16:creationId xmlns:a16="http://schemas.microsoft.com/office/drawing/2014/main" id="{7D0A88E2-2FFD-5EFD-9F65-7827E5963058}"/>
+              </a:ext>
+              <a:ext uri="{C183D7F6-B498-43B3-948B-1728B52AA6E4}">
+                <adec:decorative xmlns:adec="http://schemas.microsoft.com/office/drawing/2017/decorative" val="1"/>
+              </a:ext>
+            </a:extLst>
+          </p:cNvPr>
+          <p:cNvSpPr>
+            <a:spLocks noGrp="1" noRot="1" noChangeAspect="1" noMove="1" noResize="1" noEditPoints="1" noAdjustHandles="1" noChangeArrowheads="1" noChangeShapeType="1" noTextEdit="1"/>
+          </p:cNvSpPr>
+          <p:nvPr>
+            <p:extLst>
+              <p:ext uri="{386F3935-93C4-4BCD-93E2-E3B085C9AB24}">
+                <p16:designElem xmlns:p16="http://schemas.microsoft.com/office/powerpoint/2015/main" val="1"/>
+              </p:ext>
+            </p:extLst>
+          </p:nvPr>
+        </p:nvSpPr>
+        <p:spPr>
+          <a:xfrm>
+            <a:off x="0" y="0"/>
+            <a:ext cx="12192000" cy="6858000"/>
+          </a:xfrm>
+          <a:prstGeom prst="rect">
+            <a:avLst/>
+          </a:prstGeom>
+          <a:ln>
+            <a:noFill/>
+          </a:ln>
+        </p:spPr>
+        <p:style>
+          <a:lnRef idx="2">
+            <a:schemeClr val="accent1">
+              <a:shade val="50000"/>
+            </a:schemeClr>
+          </a:lnRef>
+          <a:fillRef idx="1">
+            <a:schemeClr val="accent1"/>
+          </a:fillRef>
+          <a:effectRef idx="0">
+            <a:schemeClr val="accent1"/>
+          </a:effectRef>
+          <a:fontRef idx="minor">
+            <a:schemeClr val="lt1"/>
+          </a:fontRef>
+        </p:style>
+        <p:txBody>
+          <a:bodyPr rtlCol="0" anchor="ctr"/>
+          <a:lstStyle/>
+          <a:p>
+            <a:pPr algn="ctr"/>
+            <a:endParaRPr lang="pt-BR" noProof="0" dirty="0"/>
+          </a:p>
+        </p:txBody>
+      </p:sp>
+      <p:pic>
+        <p:nvPicPr>
+          <p:cNvPr id="5" name="Espaço Reservado para Conteúdo 4" descr="Uma imagem contendo no interior, mesa, vivendo, quarto&#10;&#10;O conteúdo gerado por IA pode estar incorreto.">
+            <a:extLst>
+              <a:ext uri="{FF2B5EF4-FFF2-40B4-BE49-F238E27FC236}">
+                <a16:creationId xmlns:a16="http://schemas.microsoft.com/office/drawing/2014/main" id="{7F3C6F64-2A24-606D-3567-43B83ABFC517}"/>
+              </a:ext>
+            </a:extLst>
+          </p:cNvPr>
+          <p:cNvPicPr>
+            <a:picLocks noChangeAspect="1"/>
+          </p:cNvPicPr>
+          <p:nvPr/>
+        </p:nvPicPr>
+        <p:blipFill>
+          <a:blip r:embed="rId2">
+            <a:extLst>
+              <a:ext uri="{28A0092B-C50C-407E-A947-70E740481C1C}">
+                <a14:useLocalDpi xmlns:a14="http://schemas.microsoft.com/office/drawing/2010/main" val="0"/>
+              </a:ext>
+            </a:extLst>
+          </a:blip>
+          <a:srcRect l="9091" t="28087" r="-1" b="-1"/>
+          <a:stretch/>
+        </p:blipFill>
+        <p:spPr>
+          <a:xfrm>
+            <a:off x="3522468" y="10"/>
+            <a:ext cx="8669532" cy="6857990"/>
+          </a:xfrm>
+          <a:prstGeom prst="rect">
+            <a:avLst/>
+          </a:prstGeom>
+        </p:spPr>
+      </p:pic>
+      <p:sp>
+        <p:nvSpPr>
+          <p:cNvPr id="20" name="Rectangle 13">
+            <a:extLst>
+              <a:ext uri="{FF2B5EF4-FFF2-40B4-BE49-F238E27FC236}">
+                <a16:creationId xmlns:a16="http://schemas.microsoft.com/office/drawing/2014/main" id="{ECBB3E57-D956-E2EB-CDE8-874708BD51F0}"/>
+              </a:ext>
+              <a:ext uri="{C183D7F6-B498-43B3-948B-1728B52AA6E4}">
+                <adec:decorative xmlns:adec="http://schemas.microsoft.com/office/drawing/2017/decorative" val="1"/>
+              </a:ext>
+            </a:extLst>
+          </p:cNvPr>
+          <p:cNvSpPr>
+            <a:spLocks noGrp="1" noRot="1" noChangeAspect="1" noMove="1" noResize="1" noEditPoints="1" noAdjustHandles="1" noChangeArrowheads="1" noChangeShapeType="1" noTextEdit="1"/>
+          </p:cNvSpPr>
+          <p:nvPr>
+            <p:extLst>
+              <p:ext uri="{386F3935-93C4-4BCD-93E2-E3B085C9AB24}">
+                <p16:designElem xmlns:p16="http://schemas.microsoft.com/office/powerpoint/2015/main" val="1"/>
+              </p:ext>
+            </p:extLst>
+          </p:nvPr>
+        </p:nvSpPr>
+        <p:spPr>
+          <a:xfrm>
+            <a:off x="2" y="0"/>
+            <a:ext cx="9756601" cy="6858000"/>
+          </a:xfrm>
+          <a:prstGeom prst="rect">
+            <a:avLst/>
+          </a:prstGeom>
+          <a:gradFill>
+            <a:gsLst>
+              <a:gs pos="58000">
+                <a:schemeClr val="tx1"/>
+              </a:gs>
+              <a:gs pos="35000">
+                <a:schemeClr val="tx1">
+                  <a:alpha val="78000"/>
+                </a:schemeClr>
+              </a:gs>
+              <a:gs pos="19000">
+                <a:schemeClr val="tx1">
+                  <a:alpha val="38000"/>
+                </a:schemeClr>
+              </a:gs>
+              <a:gs pos="0">
+                <a:schemeClr val="tx1">
+                  <a:alpha val="0"/>
+                </a:schemeClr>
+              </a:gs>
+              <a:gs pos="100000">
+                <a:schemeClr val="tx1"/>
+              </a:gs>
+            </a:gsLst>
+            <a:lin ang="10800000" scaled="0"/>
+          </a:gradFill>
+          <a:ln>
+            <a:noFill/>
+          </a:ln>
+        </p:spPr>
+        <p:style>
+          <a:lnRef idx="2">
+            <a:schemeClr val="accent1">
+              <a:shade val="50000"/>
+            </a:schemeClr>
+          </a:lnRef>
+          <a:fillRef idx="1">
+            <a:schemeClr val="accent1"/>
+          </a:fillRef>
+          <a:effectRef idx="0">
+            <a:schemeClr val="accent1"/>
+          </a:effectRef>
+          <a:fontRef idx="minor">
+            <a:schemeClr val="lt1"/>
+          </a:fontRef>
+        </p:style>
+        <p:txBody>
+          <a:bodyPr rtlCol="0" anchor="ctr"/>
+          <a:lstStyle/>
+          <a:p>
+            <a:pPr algn="ctr"/>
+            <a:endParaRPr lang="pt-BR" noProof="0" dirty="0"/>
+          </a:p>
+        </p:txBody>
+      </p:sp>
+      <p:sp>
+        <p:nvSpPr>
+          <p:cNvPr id="2" name="Título 1">
+            <a:extLst>
+              <a:ext uri="{FF2B5EF4-FFF2-40B4-BE49-F238E27FC236}">
+                <a16:creationId xmlns:a16="http://schemas.microsoft.com/office/drawing/2014/main" id="{6504B4F1-D1FC-26F7-6F08-AF57BFEC2BA2}"/>
+              </a:ext>
+            </a:extLst>
+          </p:cNvPr>
+          <p:cNvSpPr>
+            <a:spLocks noGrp="1"/>
+          </p:cNvSpPr>
+          <p:nvPr>
+            <p:ph type="title"/>
+          </p:nvPr>
+        </p:nvSpPr>
+        <p:spPr>
+          <a:xfrm>
+            <a:off x="371094" y="1161288"/>
+            <a:ext cx="3924862" cy="1124712"/>
+          </a:xfrm>
+        </p:spPr>
+        <p:txBody>
+          <a:bodyPr anchor="b">
+            <a:normAutofit/>
+          </a:bodyPr>
+          <a:lstStyle/>
+          <a:p>
+            <a:r>
+              <a:rPr lang="pt-BR" sz="2800" noProof="0" dirty="0">
+                <a:solidFill>
+                  <a:schemeClr val="bg1"/>
+                </a:solidFill>
+              </a:rPr>
+              <a:t>Bases de dados utilizadas</a:t>
+            </a:r>
+          </a:p>
+        </p:txBody>
+      </p:sp>
+      <p:sp>
+        <p:nvSpPr>
+          <p:cNvPr id="21" name="Rectangle 15">
+            <a:extLst>
+              <a:ext uri="{FF2B5EF4-FFF2-40B4-BE49-F238E27FC236}">
+                <a16:creationId xmlns:a16="http://schemas.microsoft.com/office/drawing/2014/main" id="{BAAD53A7-8CB7-63D5-01B1-8030FE0B3FCC}"/>
+              </a:ext>
+              <a:ext uri="{C183D7F6-B498-43B3-948B-1728B52AA6E4}">
+                <adec:decorative xmlns:adec="http://schemas.microsoft.com/office/drawing/2017/decorative" val="1"/>
+              </a:ext>
+            </a:extLst>
+          </p:cNvPr>
+          <p:cNvSpPr>
+            <a:spLocks noGrp="1" noRot="1" noChangeAspect="1" noMove="1" noResize="1" noEditPoints="1" noAdjustHandles="1" noChangeArrowheads="1" noChangeShapeType="1" noTextEdit="1"/>
+          </p:cNvSpPr>
+          <p:nvPr>
+            <p:extLst>
+              <p:ext uri="{386F3935-93C4-4BCD-93E2-E3B085C9AB24}">
+                <p16:designElem xmlns:p16="http://schemas.microsoft.com/office/powerpoint/2015/main" val="1"/>
+              </p:ext>
+            </p:extLst>
+          </p:nvPr>
+        </p:nvSpPr>
+        <p:spPr>
+          <a:xfrm rot="5400000">
+            <a:off x="662559" y="605790"/>
+            <a:ext cx="73152" cy="548640"/>
+          </a:xfrm>
+          <a:prstGeom prst="rect">
+            <a:avLst/>
+          </a:prstGeom>
+          <a:solidFill>
+            <a:schemeClr val="accent2"/>
+          </a:solidFill>
+          <a:ln>
+            <a:noFill/>
+          </a:ln>
+        </p:spPr>
+        <p:style>
+          <a:lnRef idx="2">
+            <a:schemeClr val="accent1">
+              <a:shade val="50000"/>
+            </a:schemeClr>
+          </a:lnRef>
+          <a:fillRef idx="1">
+            <a:schemeClr val="accent1"/>
+          </a:fillRef>
+          <a:effectRef idx="0">
+            <a:schemeClr val="accent1"/>
+          </a:effectRef>
+          <a:fontRef idx="minor">
+            <a:schemeClr val="lt1"/>
+          </a:fontRef>
+        </p:style>
+        <p:txBody>
+          <a:bodyPr rtlCol="0" anchor="ctr"/>
+          <a:lstStyle/>
+          <a:p>
+            <a:pPr algn="ctr"/>
+            <a:endParaRPr lang="pt-BR" noProof="0" dirty="0">
+              <a:solidFill>
+                <a:prstClr val="white"/>
+              </a:solidFill>
+              <a:latin typeface="Calibri" panose="020F0502020204030204"/>
+            </a:endParaRPr>
+          </a:p>
+        </p:txBody>
+      </p:sp>
+      <p:sp>
+        <p:nvSpPr>
+          <p:cNvPr id="18" name="Rectangle 17">
+            <a:extLst>
+              <a:ext uri="{FF2B5EF4-FFF2-40B4-BE49-F238E27FC236}">
+                <a16:creationId xmlns:a16="http://schemas.microsoft.com/office/drawing/2014/main" id="{6B377E62-D8CF-93BF-E516-09C4635C2380}"/>
+              </a:ext>
+              <a:ext uri="{C183D7F6-B498-43B3-948B-1728B52AA6E4}">
+                <adec:decorative xmlns:adec="http://schemas.microsoft.com/office/drawing/2017/decorative" val="1"/>
+              </a:ext>
+            </a:extLst>
+          </p:cNvPr>
+          <p:cNvSpPr>
+            <a:spLocks noGrp="1" noRot="1" noChangeAspect="1" noMove="1" noResize="1" noEditPoints="1" noAdjustHandles="1" noChangeArrowheads="1" noChangeShapeType="1" noTextEdit="1"/>
+          </p:cNvSpPr>
+          <p:nvPr>
+            <p:extLst>
+              <p:ext uri="{386F3935-93C4-4BCD-93E2-E3B085C9AB24}">
+                <p16:designElem xmlns:p16="http://schemas.microsoft.com/office/powerpoint/2015/main" val="1"/>
+              </p:ext>
+            </p:extLst>
+          </p:nvPr>
+        </p:nvSpPr>
+        <p:spPr>
+          <a:xfrm>
+            <a:off x="428244" y="2443480"/>
+            <a:ext cx="3300984" cy="9144"/>
+          </a:xfrm>
+          <a:prstGeom prst="rect">
+            <a:avLst/>
+          </a:prstGeom>
+          <a:solidFill>
+            <a:schemeClr val="tx1"/>
+          </a:solidFill>
+          <a:ln w="3175">
+            <a:solidFill>
+              <a:schemeClr val="bg1"/>
+            </a:solidFill>
+          </a:ln>
+          <a:effectLst/>
+        </p:spPr>
+        <p:style>
+          <a:lnRef idx="2">
+            <a:schemeClr val="accent1">
+              <a:shade val="50000"/>
+            </a:schemeClr>
+          </a:lnRef>
+          <a:fillRef idx="1">
+            <a:schemeClr val="accent1"/>
+          </a:fillRef>
+          <a:effectRef idx="0">
+            <a:schemeClr val="accent1"/>
+          </a:effectRef>
+          <a:fontRef idx="minor">
+            <a:schemeClr val="lt1"/>
+          </a:fontRef>
+        </p:style>
+        <p:txBody>
+          <a:bodyPr rtlCol="0" anchor="ctr"/>
+          <a:lstStyle/>
+          <a:p>
+            <a:pPr marL="0" marR="0" lvl="0" indent="0" algn="ctr" defTabSz="914400" rtl="0" eaLnBrk="1" fontAlgn="auto" latinLnBrk="0" hangingPunct="1">
+              <a:lnSpc>
+                <a:spcPct val="100000"/>
+              </a:lnSpc>
+              <a:spcBef>
+                <a:spcPts val="0"/>
+              </a:spcBef>
+              <a:spcAft>
+                <a:spcPts val="0"/>
+              </a:spcAft>
+              <a:buClrTx/>
+              <a:buSzTx/>
+              <a:buFontTx/>
+              <a:buNone/>
+              <a:tabLst/>
+              <a:defRPr/>
+            </a:pPr>
+            <a:endParaRPr kumimoji="0" lang="pt-BR" sz="1800" b="0" i="0" u="none" strike="noStrike" kern="1200" cap="none" spc="0" normalizeH="0" baseline="0" noProof="0" dirty="0">
+              <a:ln>
+                <a:noFill/>
+              </a:ln>
+              <a:solidFill>
+                <a:prstClr val="white"/>
+              </a:solidFill>
+              <a:effectLst/>
+              <a:uLnTx/>
+              <a:uFillTx/>
+              <a:latin typeface="Calibri" panose="020F0502020204030204"/>
+              <a:ea typeface="+mn-ea"/>
+              <a:cs typeface="+mn-cs"/>
+            </a:endParaRPr>
+          </a:p>
+        </p:txBody>
+      </p:sp>
+      <p:sp>
+        <p:nvSpPr>
+          <p:cNvPr id="9" name="Content Placeholder 8">
+            <a:extLst>
+              <a:ext uri="{FF2B5EF4-FFF2-40B4-BE49-F238E27FC236}">
+                <a16:creationId xmlns:a16="http://schemas.microsoft.com/office/drawing/2014/main" id="{66BE839D-7C55-CC81-F860-5772157D6DD4}"/>
+              </a:ext>
+            </a:extLst>
+          </p:cNvPr>
+          <p:cNvSpPr>
+            <a:spLocks noGrp="1"/>
+          </p:cNvSpPr>
+          <p:nvPr>
+            <p:ph idx="1"/>
+          </p:nvPr>
+        </p:nvSpPr>
+        <p:spPr>
+          <a:xfrm>
+            <a:off x="371094" y="2718054"/>
+            <a:ext cx="3924862" cy="774609"/>
+          </a:xfrm>
+        </p:spPr>
+        <p:txBody>
+          <a:bodyPr anchor="t">
+            <a:normAutofit lnSpcReduction="10000"/>
+          </a:bodyPr>
+          <a:lstStyle/>
+          <a:p>
+            <a:pPr marL="0" indent="0" algn="just">
+              <a:buNone/>
+            </a:pPr>
+            <a:r>
+              <a:rPr lang="pt-BR" sz="1700" noProof="0" dirty="0">
+                <a:solidFill>
+                  <a:schemeClr val="bg1"/>
+                </a:solidFill>
+              </a:rPr>
+              <a:t>A base de dados utilizada com as respectivas informações é apresentada na tabela abaixo:</a:t>
+            </a:r>
+          </a:p>
+        </p:txBody>
+      </p:sp>
+      <p:graphicFrame>
+        <p:nvGraphicFramePr>
+          <p:cNvPr id="4" name="Tabela 3">
+            <a:extLst>
+              <a:ext uri="{FF2B5EF4-FFF2-40B4-BE49-F238E27FC236}">
+                <a16:creationId xmlns:a16="http://schemas.microsoft.com/office/drawing/2014/main" id="{BCCBCB13-F96C-684E-0316-054E6E84D2C7}"/>
+              </a:ext>
+            </a:extLst>
+          </p:cNvPr>
+          <p:cNvGraphicFramePr>
+            <a:graphicFrameLocks noGrp="1"/>
+          </p:cNvGraphicFramePr>
+          <p:nvPr>
+            <p:extLst>
+              <p:ext uri="{D42A27DB-BD31-4B8C-83A1-F6EECF244321}">
+                <p14:modId xmlns:p14="http://schemas.microsoft.com/office/powerpoint/2010/main" val="3661403905"/>
+              </p:ext>
+            </p:extLst>
+          </p:nvPr>
+        </p:nvGraphicFramePr>
+        <p:xfrm>
+          <a:off x="371094" y="3758093"/>
+          <a:ext cx="10670715" cy="986219"/>
+        </p:xfrm>
+        <a:graphic>
+          <a:graphicData uri="http://schemas.openxmlformats.org/drawingml/2006/table">
+            <a:tbl>
+              <a:tblPr firstRow="1" bandRow="1">
+                <a:tableStyleId>{5C22544A-7EE6-4342-B048-85BDC9FD1C3A}</a:tableStyleId>
+              </a:tblPr>
+              <a:tblGrid>
+                <a:gridCol w="2134143">
+                  <a:extLst>
+                    <a:ext uri="{9D8B030D-6E8A-4147-A177-3AD203B41FA5}">
+                      <a16:colId xmlns:a16="http://schemas.microsoft.com/office/drawing/2014/main" val="1192535291"/>
+                    </a:ext>
+                  </a:extLst>
+                </a:gridCol>
+                <a:gridCol w="2134143">
+                  <a:extLst>
+                    <a:ext uri="{9D8B030D-6E8A-4147-A177-3AD203B41FA5}">
+                      <a16:colId xmlns:a16="http://schemas.microsoft.com/office/drawing/2014/main" val="3103041739"/>
+                    </a:ext>
+                  </a:extLst>
+                </a:gridCol>
+                <a:gridCol w="2134143">
+                  <a:extLst>
+                    <a:ext uri="{9D8B030D-6E8A-4147-A177-3AD203B41FA5}">
+                      <a16:colId xmlns:a16="http://schemas.microsoft.com/office/drawing/2014/main" val="4038359310"/>
+                    </a:ext>
+                  </a:extLst>
+                </a:gridCol>
+                <a:gridCol w="2134143">
+                  <a:extLst>
+                    <a:ext uri="{9D8B030D-6E8A-4147-A177-3AD203B41FA5}">
+                      <a16:colId xmlns:a16="http://schemas.microsoft.com/office/drawing/2014/main" val="525882759"/>
+                    </a:ext>
+                  </a:extLst>
+                </a:gridCol>
+                <a:gridCol w="2134143">
+                  <a:extLst>
+                    <a:ext uri="{9D8B030D-6E8A-4147-A177-3AD203B41FA5}">
+                      <a16:colId xmlns:a16="http://schemas.microsoft.com/office/drawing/2014/main" val="137537903"/>
+                    </a:ext>
+                  </a:extLst>
+                </a:gridCol>
+              </a:tblGrid>
+              <a:tr h="459371">
+                <a:tc>
+                  <a:txBody>
+                    <a:bodyPr/>
+                    <a:lstStyle/>
+                    <a:p>
+                      <a:pPr algn="ctr">
+                        <a:lnSpc>
+                          <a:spcPct val="115000"/>
+                        </a:lnSpc>
+                        <a:spcAft>
+                          <a:spcPts val="800"/>
+                        </a:spcAft>
+                        <a:buNone/>
+                      </a:pPr>
+                      <a:r>
+                        <a:rPr lang="pt-BR" sz="1800" b="1" kern="100" dirty="0">
+                          <a:solidFill>
+                            <a:schemeClr val="bg1"/>
+                          </a:solidFill>
+                          <a:effectLst/>
+                          <a:latin typeface="Aptos" panose="020B0004020202020204" pitchFamily="34" charset="0"/>
+                          <a:ea typeface="Times New Roman" panose="02020603050405020304" pitchFamily="18" charset="0"/>
+                          <a:cs typeface="Times New Roman" panose="02020603050405020304" pitchFamily="18" charset="0"/>
+                        </a:rPr>
+                        <a:t>Base de dados</a:t>
+                      </a:r>
+                      <a:endParaRPr lang="pt-BR" sz="1800" kern="100" dirty="0">
+                        <a:solidFill>
+                          <a:schemeClr val="bg1"/>
+                        </a:solidFill>
+                        <a:effectLst/>
+                        <a:latin typeface="Aptos" panose="020B0004020202020204" pitchFamily="34" charset="0"/>
+                        <a:ea typeface="Times New Roman" panose="02020603050405020304" pitchFamily="18" charset="0"/>
+                        <a:cs typeface="Times New Roman" panose="02020603050405020304" pitchFamily="18" charset="0"/>
+                      </a:endParaRPr>
+                    </a:p>
+                  </a:txBody>
+                  <a:tcPr marL="68580" marR="68580" marT="0" marB="0" anchor="ctr"/>
+                </a:tc>
+                <a:tc>
+                  <a:txBody>
+                    <a:bodyPr/>
+                    <a:lstStyle/>
+                    <a:p>
+                      <a:pPr algn="ctr">
+                        <a:lnSpc>
+                          <a:spcPct val="115000"/>
+                        </a:lnSpc>
+                        <a:spcAft>
+                          <a:spcPts val="800"/>
+                        </a:spcAft>
+                        <a:buNone/>
+                      </a:pPr>
+                      <a:r>
+                        <a:rPr lang="pt-BR" sz="1800" b="1" kern="100" dirty="0">
+                          <a:solidFill>
+                            <a:schemeClr val="bg1"/>
+                          </a:solidFill>
+                          <a:effectLst/>
+                          <a:latin typeface="Aptos" panose="020B0004020202020204" pitchFamily="34" charset="0"/>
+                          <a:ea typeface="Times New Roman" panose="02020603050405020304" pitchFamily="18" charset="0"/>
+                          <a:cs typeface="Times New Roman" panose="02020603050405020304" pitchFamily="18" charset="0"/>
+                        </a:rPr>
+                        <a:t>Datas bases de referência</a:t>
+                      </a:r>
+                      <a:endParaRPr lang="pt-BR" sz="1800" kern="100" dirty="0">
+                        <a:solidFill>
+                          <a:schemeClr val="bg1"/>
+                        </a:solidFill>
+                        <a:effectLst/>
+                        <a:latin typeface="Aptos" panose="020B0004020202020204" pitchFamily="34" charset="0"/>
+                        <a:ea typeface="Times New Roman" panose="02020603050405020304" pitchFamily="18" charset="0"/>
+                        <a:cs typeface="Times New Roman" panose="02020603050405020304" pitchFamily="18" charset="0"/>
+                      </a:endParaRPr>
+                    </a:p>
+                  </a:txBody>
+                  <a:tcPr marL="68580" marR="68580" marT="0" marB="0" anchor="ctr"/>
+                </a:tc>
+                <a:tc>
+                  <a:txBody>
+                    <a:bodyPr/>
+                    <a:lstStyle/>
+                    <a:p>
+                      <a:pPr algn="ctr">
+                        <a:lnSpc>
+                          <a:spcPct val="115000"/>
+                        </a:lnSpc>
+                        <a:spcAft>
+                          <a:spcPts val="800"/>
+                        </a:spcAft>
+                        <a:buNone/>
+                      </a:pPr>
+                      <a:r>
+                        <a:rPr lang="pt-BR" sz="1800" b="1" kern="100" dirty="0">
+                          <a:solidFill>
+                            <a:schemeClr val="bg1"/>
+                          </a:solidFill>
+                          <a:effectLst/>
+                          <a:latin typeface="Aptos" panose="020B0004020202020204" pitchFamily="34" charset="0"/>
+                          <a:ea typeface="Times New Roman" panose="02020603050405020304" pitchFamily="18" charset="0"/>
+                          <a:cs typeface="Times New Roman" panose="02020603050405020304" pitchFamily="18" charset="0"/>
+                        </a:rPr>
+                        <a:t>Quantidade de observações</a:t>
+                      </a:r>
+                      <a:endParaRPr lang="pt-BR" sz="1800" kern="100" dirty="0">
+                        <a:solidFill>
+                          <a:schemeClr val="bg1"/>
+                        </a:solidFill>
+                        <a:effectLst/>
+                        <a:latin typeface="Aptos" panose="020B0004020202020204" pitchFamily="34" charset="0"/>
+                        <a:ea typeface="Times New Roman" panose="02020603050405020304" pitchFamily="18" charset="0"/>
+                        <a:cs typeface="Times New Roman" panose="02020603050405020304" pitchFamily="18" charset="0"/>
+                      </a:endParaRPr>
+                    </a:p>
+                  </a:txBody>
+                  <a:tcPr marL="68580" marR="68580" marT="0" marB="0" anchor="ctr"/>
+                </a:tc>
+                <a:tc>
+                  <a:txBody>
+                    <a:bodyPr/>
+                    <a:lstStyle/>
+                    <a:p>
+                      <a:pPr algn="ctr">
+                        <a:lnSpc>
+                          <a:spcPct val="115000"/>
+                        </a:lnSpc>
+                        <a:spcAft>
+                          <a:spcPts val="800"/>
+                        </a:spcAft>
+                        <a:buNone/>
+                      </a:pPr>
+                      <a:r>
+                        <a:rPr lang="pt-BR" sz="1800" b="1" kern="100" dirty="0">
+                          <a:solidFill>
+                            <a:schemeClr val="bg1"/>
+                          </a:solidFill>
+                          <a:effectLst/>
+                          <a:latin typeface="Aptos" panose="020B0004020202020204" pitchFamily="34" charset="0"/>
+                          <a:ea typeface="Times New Roman" panose="02020603050405020304" pitchFamily="18" charset="0"/>
+                          <a:cs typeface="Times New Roman" panose="02020603050405020304" pitchFamily="18" charset="0"/>
+                        </a:rPr>
+                        <a:t>Fonte da informação</a:t>
+                      </a:r>
+                      <a:endParaRPr lang="pt-BR" sz="1800" kern="100" dirty="0">
+                        <a:solidFill>
+                          <a:schemeClr val="bg1"/>
+                        </a:solidFill>
+                        <a:effectLst/>
+                        <a:latin typeface="Aptos" panose="020B0004020202020204" pitchFamily="34" charset="0"/>
+                        <a:ea typeface="Times New Roman" panose="02020603050405020304" pitchFamily="18" charset="0"/>
+                        <a:cs typeface="Times New Roman" panose="02020603050405020304" pitchFamily="18" charset="0"/>
+                      </a:endParaRPr>
+                    </a:p>
+                  </a:txBody>
+                  <a:tcPr marL="68580" marR="68580" marT="0" marB="0" anchor="ctr"/>
+                </a:tc>
+                <a:tc>
+                  <a:txBody>
+                    <a:bodyPr/>
+                    <a:lstStyle/>
+                    <a:p>
+                      <a:pPr algn="ctr">
+                        <a:lnSpc>
+                          <a:spcPct val="115000"/>
+                        </a:lnSpc>
+                        <a:spcAft>
+                          <a:spcPts val="800"/>
+                        </a:spcAft>
+                        <a:buNone/>
+                      </a:pPr>
+                      <a:r>
+                        <a:rPr lang="pt-BR" sz="1800" b="1" kern="100" dirty="0">
+                          <a:solidFill>
+                            <a:schemeClr val="bg1"/>
+                          </a:solidFill>
+                          <a:effectLst/>
+                          <a:latin typeface="Aptos" panose="020B0004020202020204" pitchFamily="34" charset="0"/>
+                          <a:ea typeface="Times New Roman" panose="02020603050405020304" pitchFamily="18" charset="0"/>
+                          <a:cs typeface="Times New Roman" panose="02020603050405020304" pitchFamily="18" charset="0"/>
+                        </a:rPr>
+                        <a:t>Responsável pela disponibilização</a:t>
+                      </a:r>
+                      <a:endParaRPr lang="pt-BR" sz="1800" kern="100" dirty="0">
+                        <a:solidFill>
+                          <a:schemeClr val="bg1"/>
+                        </a:solidFill>
+                        <a:effectLst/>
+                        <a:latin typeface="Aptos" panose="020B0004020202020204" pitchFamily="34" charset="0"/>
+                        <a:ea typeface="Times New Roman" panose="02020603050405020304" pitchFamily="18" charset="0"/>
+                        <a:cs typeface="Times New Roman" panose="02020603050405020304" pitchFamily="18" charset="0"/>
+                      </a:endParaRPr>
+                    </a:p>
+                  </a:txBody>
+                  <a:tcPr marL="68580" marR="68580" marT="0" marB="0" anchor="ctr"/>
+                </a:tc>
+                <a:extLst>
+                  <a:ext uri="{0D108BD9-81ED-4DB2-BD59-A6C34878D82A}">
+                    <a16:rowId xmlns:a16="http://schemas.microsoft.com/office/drawing/2014/main" val="3757606747"/>
+                  </a:ext>
+                </a:extLst>
+              </a:tr>
+              <a:tr h="370840">
+                <a:tc>
+                  <a:txBody>
+                    <a:bodyPr/>
+                    <a:lstStyle/>
+                    <a:p>
+                      <a:pPr algn="ctr"/>
+                      <a:r>
+                        <a:rPr lang="pt-BR" sz="1800" dirty="0"/>
+                        <a:t>Base_Juridico.xlsx</a:t>
+                      </a:r>
+                    </a:p>
+                  </a:txBody>
+                  <a:tcPr anchor="ctr"/>
+                </a:tc>
+                <a:tc>
+                  <a:txBody>
+                    <a:bodyPr/>
+                    <a:lstStyle/>
+                    <a:p>
+                      <a:pPr algn="ctr"/>
+                      <a:r>
+                        <a:rPr lang="en-US" sz="1800" dirty="0"/>
+                        <a:t>01/07/2019</a:t>
+                      </a:r>
+                      <a:endParaRPr lang="pt-BR" sz="1800" dirty="0"/>
+                    </a:p>
+                  </a:txBody>
+                  <a:tcPr anchor="ctr"/>
+                </a:tc>
+                <a:tc>
+                  <a:txBody>
+                    <a:bodyPr/>
+                    <a:lstStyle/>
+                    <a:p>
+                      <a:pPr algn="ctr"/>
+                      <a:r>
+                        <a:rPr lang="en-US" sz="1800" dirty="0"/>
+                        <a:t>450</a:t>
+                      </a:r>
+                      <a:endParaRPr lang="pt-BR" sz="1800" dirty="0"/>
+                    </a:p>
+                  </a:txBody>
+                  <a:tcPr anchor="ctr"/>
+                </a:tc>
+                <a:tc>
+                  <a:txBody>
+                    <a:bodyPr/>
+                    <a:lstStyle/>
+                    <a:p>
+                      <a:pPr algn="ctr"/>
+                      <a:r>
+                        <a:rPr lang="en-US" sz="1800" dirty="0"/>
+                        <a:t>TJSP</a:t>
+                      </a:r>
+                      <a:endParaRPr lang="pt-BR" sz="1800" dirty="0"/>
+                    </a:p>
+                  </a:txBody>
+                  <a:tcPr anchor="ctr"/>
+                </a:tc>
+                <a:tc>
+                  <a:txBody>
+                    <a:bodyPr/>
+                    <a:lstStyle/>
+                    <a:p>
+                      <a:pPr algn="ctr"/>
+                      <a:r>
+                        <a:rPr lang="en-US" sz="1800" dirty="0"/>
+                        <a:t>TJSP</a:t>
+                      </a:r>
+                      <a:endParaRPr lang="pt-BR" sz="1800" dirty="0"/>
+                    </a:p>
+                  </a:txBody>
+                  <a:tcPr anchor="ctr"/>
+                </a:tc>
+                <a:extLst>
+                  <a:ext uri="{0D108BD9-81ED-4DB2-BD59-A6C34878D82A}">
+                    <a16:rowId xmlns:a16="http://schemas.microsoft.com/office/drawing/2014/main" val="4153785007"/>
+                  </a:ext>
+                </a:extLst>
+              </a:tr>
+            </a:tbl>
+          </a:graphicData>
+        </a:graphic>
+      </p:graphicFrame>
+    </p:spTree>
+    <p:extLst>
+      <p:ext uri="{BB962C8B-B14F-4D97-AF65-F5344CB8AC3E}">
         <p14:creationId xmlns:p14="http://schemas.microsoft.com/office/powerpoint/2010/main" val="1592868474"/>
+      </p:ext>
+    </p:extLst>
+  </p:cSld>
+  <p:clrMapOvr>
+    <a:masterClrMapping/>
+  </p:clrMapOvr>
+</p:sld>
+</file>
+
+<file path=ppt/slides/slide6.xml><?xml version="1.0" encoding="utf-8"?>
+<p:sld xmlns:a="http://schemas.openxmlformats.org/drawingml/2006/main" xmlns:r="http://schemas.openxmlformats.org/officeDocument/2006/relationships" xmlns:p="http://schemas.openxmlformats.org/presentationml/2006/main">
+  <p:cSld>
+    <p:bg>
+      <p:bgPr>
+        <a:solidFill>
+          <a:schemeClr val="bg1"/>
+        </a:solidFill>
+        <a:effectLst/>
+      </p:bgPr>
+    </p:bg>
+    <p:spTree>
+      <p:nvGrpSpPr>
+        <p:cNvPr id="1" name="">
+          <a:extLst>
+            <a:ext uri="{FF2B5EF4-FFF2-40B4-BE49-F238E27FC236}">
+              <a16:creationId xmlns:a16="http://schemas.microsoft.com/office/drawing/2014/main" id="{FF232F4B-8E6E-C4EA-2470-555A52BB369A}"/>
+            </a:ext>
+          </a:extLst>
+        </p:cNvPr>
+        <p:cNvGrpSpPr/>
+        <p:nvPr/>
+      </p:nvGrpSpPr>
+      <p:grpSpPr>
+        <a:xfrm>
+          <a:off x="0" y="0"/>
+          <a:ext cx="0" cy="0"/>
+          <a:chOff x="0" y="0"/>
+          <a:chExt cx="0" cy="0"/>
+        </a:xfrm>
+      </p:grpSpPr>
+      <p:sp useBgFill="1">
+        <p:nvSpPr>
+          <p:cNvPr id="12" name="Rectangle 11">
+            <a:extLst>
+              <a:ext uri="{FF2B5EF4-FFF2-40B4-BE49-F238E27FC236}">
+                <a16:creationId xmlns:a16="http://schemas.microsoft.com/office/drawing/2014/main" id="{BD055F53-CE58-EFA7-C39B-E9463178AEF2}"/>
+              </a:ext>
+              <a:ext uri="{C183D7F6-B498-43B3-948B-1728B52AA6E4}">
+                <adec:decorative xmlns:adec="http://schemas.microsoft.com/office/drawing/2017/decorative" val="1"/>
+              </a:ext>
+            </a:extLst>
+          </p:cNvPr>
+          <p:cNvSpPr>
+            <a:spLocks noGrp="1" noRot="1" noChangeAspect="1" noMove="1" noResize="1" noEditPoints="1" noAdjustHandles="1" noChangeArrowheads="1" noChangeShapeType="1" noTextEdit="1"/>
+          </p:cNvSpPr>
+          <p:nvPr>
+            <p:extLst>
+              <p:ext uri="{386F3935-93C4-4BCD-93E2-E3B085C9AB24}">
+                <p16:designElem xmlns:p16="http://schemas.microsoft.com/office/powerpoint/2015/main" val="1"/>
+              </p:ext>
+            </p:extLst>
+          </p:nvPr>
+        </p:nvSpPr>
+        <p:spPr>
+          <a:xfrm>
+            <a:off x="0" y="0"/>
+            <a:ext cx="12192000" cy="6858000"/>
+          </a:xfrm>
+          <a:prstGeom prst="rect">
+            <a:avLst/>
+          </a:prstGeom>
+          <a:ln>
+            <a:noFill/>
+          </a:ln>
+        </p:spPr>
+        <p:style>
+          <a:lnRef idx="2">
+            <a:schemeClr val="accent1">
+              <a:shade val="50000"/>
+            </a:schemeClr>
+          </a:lnRef>
+          <a:fillRef idx="1">
+            <a:schemeClr val="accent1"/>
+          </a:fillRef>
+          <a:effectRef idx="0">
+            <a:schemeClr val="accent1"/>
+          </a:effectRef>
+          <a:fontRef idx="minor">
+            <a:schemeClr val="lt1"/>
+          </a:fontRef>
+        </p:style>
+        <p:txBody>
+          <a:bodyPr rtlCol="0" anchor="ctr"/>
+          <a:lstStyle/>
+          <a:p>
+            <a:pPr algn="ctr"/>
+            <a:endParaRPr lang="pt-BR" noProof="0" dirty="0"/>
+          </a:p>
+        </p:txBody>
+      </p:sp>
+      <p:pic>
+        <p:nvPicPr>
+          <p:cNvPr id="5" name="Espaço Reservado para Conteúdo 4" descr="Uma imagem contendo mesa, quarto, balcão, espelho&#10;&#10;O conteúdo gerado por IA pode estar incorreto.">
+            <a:extLst>
+              <a:ext uri="{FF2B5EF4-FFF2-40B4-BE49-F238E27FC236}">
+                <a16:creationId xmlns:a16="http://schemas.microsoft.com/office/drawing/2014/main" id="{63F14F9F-3BE4-D73D-D82F-01017F2E24AA}"/>
+              </a:ext>
+            </a:extLst>
+          </p:cNvPr>
+          <p:cNvPicPr>
+            <a:picLocks noChangeAspect="1"/>
+          </p:cNvPicPr>
+          <p:nvPr/>
+        </p:nvPicPr>
+        <p:blipFill>
+          <a:blip r:embed="rId2">
+            <a:extLst>
+              <a:ext uri="{28A0092B-C50C-407E-A947-70E740481C1C}">
+                <a14:useLocalDpi xmlns:a14="http://schemas.microsoft.com/office/drawing/2010/main" val="0"/>
+              </a:ext>
+            </a:extLst>
+          </a:blip>
+          <a:srcRect t="28087" r="9090" b="-1"/>
+          <a:stretch/>
+        </p:blipFill>
+        <p:spPr>
+          <a:xfrm>
+            <a:off x="3522468" y="10"/>
+            <a:ext cx="8669532" cy="6857990"/>
+          </a:xfrm>
+          <a:prstGeom prst="rect">
+            <a:avLst/>
+          </a:prstGeom>
+        </p:spPr>
+      </p:pic>
+      <p:sp>
+        <p:nvSpPr>
+          <p:cNvPr id="14" name="Rectangle 13">
+            <a:extLst>
+              <a:ext uri="{FF2B5EF4-FFF2-40B4-BE49-F238E27FC236}">
+                <a16:creationId xmlns:a16="http://schemas.microsoft.com/office/drawing/2014/main" id="{856DA5A5-62D2-ACE3-9664-D01751CF5787}"/>
+              </a:ext>
+              <a:ext uri="{C183D7F6-B498-43B3-948B-1728B52AA6E4}">
+                <adec:decorative xmlns:adec="http://schemas.microsoft.com/office/drawing/2017/decorative" val="1"/>
+              </a:ext>
+            </a:extLst>
+          </p:cNvPr>
+          <p:cNvSpPr>
+            <a:spLocks noGrp="1" noRot="1" noChangeAspect="1" noMove="1" noResize="1" noEditPoints="1" noAdjustHandles="1" noChangeArrowheads="1" noChangeShapeType="1" noTextEdit="1"/>
+          </p:cNvSpPr>
+          <p:nvPr>
+            <p:extLst>
+              <p:ext uri="{386F3935-93C4-4BCD-93E2-E3B085C9AB24}">
+                <p16:designElem xmlns:p16="http://schemas.microsoft.com/office/powerpoint/2015/main" val="1"/>
+              </p:ext>
+            </p:extLst>
+          </p:nvPr>
+        </p:nvSpPr>
+        <p:spPr>
+          <a:xfrm>
+            <a:off x="2" y="0"/>
+            <a:ext cx="9756601" cy="6858000"/>
+          </a:xfrm>
+          <a:prstGeom prst="rect">
+            <a:avLst/>
+          </a:prstGeom>
+          <a:gradFill>
+            <a:gsLst>
+              <a:gs pos="58000">
+                <a:schemeClr val="tx1"/>
+              </a:gs>
+              <a:gs pos="35000">
+                <a:schemeClr val="tx1">
+                  <a:alpha val="78000"/>
+                </a:schemeClr>
+              </a:gs>
+              <a:gs pos="19000">
+                <a:schemeClr val="tx1">
+                  <a:alpha val="38000"/>
+                </a:schemeClr>
+              </a:gs>
+              <a:gs pos="0">
+                <a:schemeClr val="tx1">
+                  <a:alpha val="0"/>
+                </a:schemeClr>
+              </a:gs>
+              <a:gs pos="100000">
+                <a:schemeClr val="tx1"/>
+              </a:gs>
+            </a:gsLst>
+            <a:lin ang="10800000" scaled="0"/>
+          </a:gradFill>
+          <a:ln>
+            <a:noFill/>
+          </a:ln>
+        </p:spPr>
+        <p:style>
+          <a:lnRef idx="2">
+            <a:schemeClr val="accent1">
+              <a:shade val="50000"/>
+            </a:schemeClr>
+          </a:lnRef>
+          <a:fillRef idx="1">
+            <a:schemeClr val="accent1"/>
+          </a:fillRef>
+          <a:effectRef idx="0">
+            <a:schemeClr val="accent1"/>
+          </a:effectRef>
+          <a:fontRef idx="minor">
+            <a:schemeClr val="lt1"/>
+          </a:fontRef>
+        </p:style>
+        <p:txBody>
+          <a:bodyPr rtlCol="0" anchor="ctr"/>
+          <a:lstStyle/>
+          <a:p>
+            <a:pPr algn="ctr"/>
+            <a:endParaRPr lang="pt-BR" noProof="0" dirty="0"/>
+          </a:p>
+        </p:txBody>
+      </p:sp>
+      <p:sp>
+        <p:nvSpPr>
+          <p:cNvPr id="2" name="Título 1">
+            <a:extLst>
+              <a:ext uri="{FF2B5EF4-FFF2-40B4-BE49-F238E27FC236}">
+                <a16:creationId xmlns:a16="http://schemas.microsoft.com/office/drawing/2014/main" id="{1C6EB7FB-7E66-8760-D611-727F97DE2234}"/>
+              </a:ext>
+            </a:extLst>
+          </p:cNvPr>
+          <p:cNvSpPr>
+            <a:spLocks noGrp="1"/>
+          </p:cNvSpPr>
+          <p:nvPr>
+            <p:ph type="title"/>
+          </p:nvPr>
+        </p:nvSpPr>
+        <p:spPr>
+          <a:xfrm>
+            <a:off x="371094" y="1161288"/>
+            <a:ext cx="3438144" cy="1124712"/>
+          </a:xfrm>
+        </p:spPr>
+        <p:txBody>
+          <a:bodyPr anchor="b">
+            <a:normAutofit/>
+          </a:bodyPr>
+          <a:lstStyle/>
+          <a:p>
+            <a:r>
+              <a:rPr lang="pt-BR" sz="2800" noProof="0" dirty="0">
+                <a:solidFill>
+                  <a:schemeClr val="bg1"/>
+                </a:solidFill>
+              </a:rPr>
+              <a:t>Premissas</a:t>
+            </a:r>
+          </a:p>
+        </p:txBody>
+      </p:sp>
+      <p:sp>
+        <p:nvSpPr>
+          <p:cNvPr id="16" name="Rectangle 15">
+            <a:extLst>
+              <a:ext uri="{FF2B5EF4-FFF2-40B4-BE49-F238E27FC236}">
+                <a16:creationId xmlns:a16="http://schemas.microsoft.com/office/drawing/2014/main" id="{F394D71B-EF64-742D-A739-36EA2E24A2FE}"/>
+              </a:ext>
+              <a:ext uri="{C183D7F6-B498-43B3-948B-1728B52AA6E4}">
+                <adec:decorative xmlns:adec="http://schemas.microsoft.com/office/drawing/2017/decorative" val="1"/>
+              </a:ext>
+            </a:extLst>
+          </p:cNvPr>
+          <p:cNvSpPr>
+            <a:spLocks noGrp="1" noRot="1" noChangeAspect="1" noMove="1" noResize="1" noEditPoints="1" noAdjustHandles="1" noChangeArrowheads="1" noChangeShapeType="1" noTextEdit="1"/>
+          </p:cNvSpPr>
+          <p:nvPr>
+            <p:extLst>
+              <p:ext uri="{386F3935-93C4-4BCD-93E2-E3B085C9AB24}">
+                <p16:designElem xmlns:p16="http://schemas.microsoft.com/office/powerpoint/2015/main" val="1"/>
+              </p:ext>
+            </p:extLst>
+          </p:nvPr>
+        </p:nvSpPr>
+        <p:spPr>
+          <a:xfrm rot="5400000">
+            <a:off x="662559" y="605790"/>
+            <a:ext cx="73152" cy="548640"/>
+          </a:xfrm>
+          <a:prstGeom prst="rect">
+            <a:avLst/>
+          </a:prstGeom>
+          <a:solidFill>
+            <a:schemeClr val="accent2"/>
+          </a:solidFill>
+          <a:ln>
+            <a:noFill/>
+          </a:ln>
+        </p:spPr>
+        <p:style>
+          <a:lnRef idx="2">
+            <a:schemeClr val="accent1">
+              <a:shade val="50000"/>
+            </a:schemeClr>
+          </a:lnRef>
+          <a:fillRef idx="1">
+            <a:schemeClr val="accent1"/>
+          </a:fillRef>
+          <a:effectRef idx="0">
+            <a:schemeClr val="accent1"/>
+          </a:effectRef>
+          <a:fontRef idx="minor">
+            <a:schemeClr val="lt1"/>
+          </a:fontRef>
+        </p:style>
+        <p:txBody>
+          <a:bodyPr rtlCol="0" anchor="ctr"/>
+          <a:lstStyle/>
+          <a:p>
+            <a:pPr algn="ctr"/>
+            <a:endParaRPr lang="pt-BR" noProof="0" dirty="0">
+              <a:solidFill>
+                <a:prstClr val="white"/>
+              </a:solidFill>
+              <a:latin typeface="Calibri" panose="020F0502020204030204"/>
+            </a:endParaRPr>
+          </a:p>
+        </p:txBody>
+      </p:sp>
+      <p:sp>
+        <p:nvSpPr>
+          <p:cNvPr id="18" name="Rectangle 17">
+            <a:extLst>
+              <a:ext uri="{FF2B5EF4-FFF2-40B4-BE49-F238E27FC236}">
+                <a16:creationId xmlns:a16="http://schemas.microsoft.com/office/drawing/2014/main" id="{92EAC0A1-32A9-623B-E1A7-3AF0E4BEF341}"/>
+              </a:ext>
+              <a:ext uri="{C183D7F6-B498-43B3-948B-1728B52AA6E4}">
+                <adec:decorative xmlns:adec="http://schemas.microsoft.com/office/drawing/2017/decorative" val="1"/>
+              </a:ext>
+            </a:extLst>
+          </p:cNvPr>
+          <p:cNvSpPr>
+            <a:spLocks noGrp="1" noRot="1" noChangeAspect="1" noMove="1" noResize="1" noEditPoints="1" noAdjustHandles="1" noChangeArrowheads="1" noChangeShapeType="1" noTextEdit="1"/>
+          </p:cNvSpPr>
+          <p:nvPr>
+            <p:extLst>
+              <p:ext uri="{386F3935-93C4-4BCD-93E2-E3B085C9AB24}">
+                <p16:designElem xmlns:p16="http://schemas.microsoft.com/office/powerpoint/2015/main" val="1"/>
+              </p:ext>
+            </p:extLst>
+          </p:nvPr>
+        </p:nvSpPr>
+        <p:spPr>
+          <a:xfrm>
+            <a:off x="428244" y="2443480"/>
+            <a:ext cx="3300984" cy="9144"/>
+          </a:xfrm>
+          <a:prstGeom prst="rect">
+            <a:avLst/>
+          </a:prstGeom>
+          <a:solidFill>
+            <a:schemeClr val="tx1"/>
+          </a:solidFill>
+          <a:ln w="3175">
+            <a:solidFill>
+              <a:schemeClr val="bg1"/>
+            </a:solidFill>
+          </a:ln>
+          <a:effectLst/>
+        </p:spPr>
+        <p:style>
+          <a:lnRef idx="2">
+            <a:schemeClr val="accent1">
+              <a:shade val="50000"/>
+            </a:schemeClr>
+          </a:lnRef>
+          <a:fillRef idx="1">
+            <a:schemeClr val="accent1"/>
+          </a:fillRef>
+          <a:effectRef idx="0">
+            <a:schemeClr val="accent1"/>
+          </a:effectRef>
+          <a:fontRef idx="minor">
+            <a:schemeClr val="lt1"/>
+          </a:fontRef>
+        </p:style>
+        <p:txBody>
+          <a:bodyPr rtlCol="0" anchor="ctr"/>
+          <a:lstStyle/>
+          <a:p>
+            <a:pPr marL="0" marR="0" lvl="0" indent="0" algn="ctr" defTabSz="914400" rtl="0" eaLnBrk="1" fontAlgn="auto" latinLnBrk="0" hangingPunct="1">
+              <a:lnSpc>
+                <a:spcPct val="100000"/>
+              </a:lnSpc>
+              <a:spcBef>
+                <a:spcPts val="0"/>
+              </a:spcBef>
+              <a:spcAft>
+                <a:spcPts val="0"/>
+              </a:spcAft>
+              <a:buClrTx/>
+              <a:buSzTx/>
+              <a:buFontTx/>
+              <a:buNone/>
+              <a:tabLst/>
+              <a:defRPr/>
+            </a:pPr>
+            <a:endParaRPr kumimoji="0" lang="pt-BR" sz="1800" b="0" i="0" u="none" strike="noStrike" kern="1200" cap="none" spc="0" normalizeH="0" baseline="0" noProof="0" dirty="0">
+              <a:ln>
+                <a:noFill/>
+              </a:ln>
+              <a:solidFill>
+                <a:prstClr val="white"/>
+              </a:solidFill>
+              <a:effectLst/>
+              <a:uLnTx/>
+              <a:uFillTx/>
+              <a:latin typeface="Calibri" panose="020F0502020204030204"/>
+              <a:ea typeface="+mn-ea"/>
+              <a:cs typeface="+mn-cs"/>
+            </a:endParaRPr>
+          </a:p>
+        </p:txBody>
+      </p:sp>
+      <p:sp>
+        <p:nvSpPr>
+          <p:cNvPr id="9" name="Content Placeholder 8">
+            <a:extLst>
+              <a:ext uri="{FF2B5EF4-FFF2-40B4-BE49-F238E27FC236}">
+                <a16:creationId xmlns:a16="http://schemas.microsoft.com/office/drawing/2014/main" id="{247C638B-7571-04ED-38C7-A8E5A4BA23DD}"/>
+              </a:ext>
+            </a:extLst>
+          </p:cNvPr>
+          <p:cNvSpPr>
+            <a:spLocks noGrp="1"/>
+          </p:cNvSpPr>
+          <p:nvPr>
+            <p:ph idx="1"/>
+          </p:nvPr>
+        </p:nvSpPr>
+        <p:spPr>
+          <a:xfrm>
+            <a:off x="371094" y="2718054"/>
+            <a:ext cx="3907608" cy="3812142"/>
+          </a:xfrm>
+        </p:spPr>
+        <p:txBody>
+          <a:bodyPr anchor="t">
+            <a:normAutofit/>
+          </a:bodyPr>
+          <a:lstStyle/>
+          <a:p>
+            <a:r>
+              <a:rPr lang="pt-BR" sz="1700" noProof="0" dirty="0">
+                <a:solidFill>
+                  <a:schemeClr val="bg1"/>
+                </a:solidFill>
+              </a:rPr>
+              <a:t>A base de dados possui 450 registros.</a:t>
+            </a:r>
+          </a:p>
+          <a:p>
+            <a:r>
+              <a:rPr lang="pt-BR" sz="1700" noProof="0" dirty="0">
+                <a:solidFill>
+                  <a:schemeClr val="bg1"/>
+                </a:solidFill>
+              </a:rPr>
+              <a:t>Os dados foram coletados entre 01 de julho de 2019 e 31 de dezembro de 2019.</a:t>
+            </a:r>
+          </a:p>
+          <a:p>
+            <a:r>
+              <a:rPr lang="pt-BR" sz="1700" noProof="0" dirty="0">
+                <a:solidFill>
+                  <a:schemeClr val="bg1"/>
+                </a:solidFill>
+              </a:rPr>
+              <a:t>Foram utilizadas apenas três estratégias.</a:t>
+            </a:r>
+          </a:p>
+          <a:p>
+            <a:r>
+              <a:rPr lang="pt-BR" sz="1700" noProof="0" dirty="0">
+                <a:solidFill>
+                  <a:schemeClr val="bg1"/>
+                </a:solidFill>
+              </a:rPr>
+              <a:t>Varas Cíveis do Estado de São Paulo.</a:t>
+            </a:r>
+          </a:p>
+          <a:p>
+            <a:r>
+              <a:rPr lang="pt-BR" sz="1700" noProof="0" dirty="0">
+                <a:solidFill>
+                  <a:schemeClr val="bg1"/>
+                </a:solidFill>
+              </a:rPr>
+              <a:t>As taxas contratadas variam entre 0,3 e 5,3.</a:t>
+            </a:r>
+          </a:p>
+          <a:p>
+            <a:r>
+              <a:rPr lang="pt-BR" sz="1700" noProof="0" dirty="0">
+                <a:solidFill>
+                  <a:schemeClr val="bg1"/>
+                </a:solidFill>
+              </a:rPr>
+              <a:t>O valor da indenização varia até 4.380,00.</a:t>
+            </a:r>
+          </a:p>
+        </p:txBody>
+      </p:sp>
+    </p:spTree>
+    <p:extLst>
+      <p:ext uri="{BB962C8B-B14F-4D97-AF65-F5344CB8AC3E}">
+        <p14:creationId xmlns:p14="http://schemas.microsoft.com/office/powerpoint/2010/main" val="2188135844"/>
+      </p:ext>
+    </p:extLst>
+  </p:cSld>
+  <p:clrMapOvr>
+    <a:masterClrMapping/>
+  </p:clrMapOvr>
+</p:sld>
+</file>
+
+<file path=ppt/slides/slide7.xml><?xml version="1.0" encoding="utf-8"?>
+<p:sld xmlns:a="http://schemas.openxmlformats.org/drawingml/2006/main" xmlns:r="http://schemas.openxmlformats.org/officeDocument/2006/relationships" xmlns:p="http://schemas.openxmlformats.org/presentationml/2006/main">
+  <p:cSld>
+    <p:bg>
+      <p:bgPr>
+        <a:solidFill>
+          <a:schemeClr val="bg1"/>
+        </a:solidFill>
+        <a:effectLst/>
+      </p:bgPr>
+    </p:bg>
+    <p:spTree>
+      <p:nvGrpSpPr>
+        <p:cNvPr id="1" name="">
+          <a:extLst>
+            <a:ext uri="{FF2B5EF4-FFF2-40B4-BE49-F238E27FC236}">
+              <a16:creationId xmlns:a16="http://schemas.microsoft.com/office/drawing/2014/main" id="{C910DE08-10CD-485C-B01B-F02233B01965}"/>
+            </a:ext>
+          </a:extLst>
+        </p:cNvPr>
+        <p:cNvGrpSpPr/>
+        <p:nvPr/>
+      </p:nvGrpSpPr>
+      <p:grpSpPr>
+        <a:xfrm>
+          <a:off x="0" y="0"/>
+          <a:ext cx="0" cy="0"/>
+          <a:chOff x="0" y="0"/>
+          <a:chExt cx="0" cy="0"/>
+        </a:xfrm>
+      </p:grpSpPr>
+      <p:sp useBgFill="1">
+        <p:nvSpPr>
+          <p:cNvPr id="12" name="Rectangle 11">
+            <a:extLst>
+              <a:ext uri="{FF2B5EF4-FFF2-40B4-BE49-F238E27FC236}">
+                <a16:creationId xmlns:a16="http://schemas.microsoft.com/office/drawing/2014/main" id="{1580C250-7091-B6B9-B420-E2D1AB16CD5C}"/>
+              </a:ext>
+              <a:ext uri="{C183D7F6-B498-43B3-948B-1728B52AA6E4}">
+                <adec:decorative xmlns:adec="http://schemas.microsoft.com/office/drawing/2017/decorative" val="1"/>
+              </a:ext>
+            </a:extLst>
+          </p:cNvPr>
+          <p:cNvSpPr>
+            <a:spLocks noGrp="1" noRot="1" noChangeAspect="1" noMove="1" noResize="1" noEditPoints="1" noAdjustHandles="1" noChangeArrowheads="1" noChangeShapeType="1" noTextEdit="1"/>
+          </p:cNvSpPr>
+          <p:nvPr>
+            <p:extLst>
+              <p:ext uri="{386F3935-93C4-4BCD-93E2-E3B085C9AB24}">
+                <p16:designElem xmlns:p16="http://schemas.microsoft.com/office/powerpoint/2015/main" val="1"/>
+              </p:ext>
+            </p:extLst>
+          </p:nvPr>
+        </p:nvSpPr>
+        <p:spPr>
+          <a:xfrm>
+            <a:off x="0" y="0"/>
+            <a:ext cx="12192000" cy="6858000"/>
+          </a:xfrm>
+          <a:prstGeom prst="rect">
+            <a:avLst/>
+          </a:prstGeom>
+          <a:ln>
+            <a:noFill/>
+          </a:ln>
+        </p:spPr>
+        <p:style>
+          <a:lnRef idx="2">
+            <a:schemeClr val="accent1">
+              <a:shade val="50000"/>
+            </a:schemeClr>
+          </a:lnRef>
+          <a:fillRef idx="1">
+            <a:schemeClr val="accent1"/>
+          </a:fillRef>
+          <a:effectRef idx="0">
+            <a:schemeClr val="accent1"/>
+          </a:effectRef>
+          <a:fontRef idx="minor">
+            <a:schemeClr val="lt1"/>
+          </a:fontRef>
+        </p:style>
+        <p:txBody>
+          <a:bodyPr rtlCol="0" anchor="ctr"/>
+          <a:lstStyle/>
+          <a:p>
+            <a:pPr algn="ctr"/>
+            <a:endParaRPr lang="pt-BR" noProof="0" dirty="0"/>
+          </a:p>
+        </p:txBody>
+      </p:sp>
+      <p:pic>
+        <p:nvPicPr>
+          <p:cNvPr id="5" name="Espaço Reservado para Conteúdo 4" descr="Uma imagem contendo no interior, mesa, vivendo, quarto&#10;&#10;O conteúdo gerado por IA pode estar incorreto.">
+            <a:extLst>
+              <a:ext uri="{FF2B5EF4-FFF2-40B4-BE49-F238E27FC236}">
+                <a16:creationId xmlns:a16="http://schemas.microsoft.com/office/drawing/2014/main" id="{F0312DEE-D8C3-44FA-4DA9-3FCC90E6E2E9}"/>
+              </a:ext>
+            </a:extLst>
+          </p:cNvPr>
+          <p:cNvPicPr>
+            <a:picLocks noChangeAspect="1"/>
+          </p:cNvPicPr>
+          <p:nvPr/>
+        </p:nvPicPr>
+        <p:blipFill>
+          <a:blip r:embed="rId2">
+            <a:extLst>
+              <a:ext uri="{28A0092B-C50C-407E-A947-70E740481C1C}">
+                <a14:useLocalDpi xmlns:a14="http://schemas.microsoft.com/office/drawing/2010/main" val="0"/>
+              </a:ext>
+            </a:extLst>
+          </a:blip>
+          <a:srcRect l="9091" t="28087" r="-1" b="-1"/>
+          <a:stretch/>
+        </p:blipFill>
+        <p:spPr>
+          <a:xfrm>
+            <a:off x="3522468" y="10"/>
+            <a:ext cx="8669532" cy="6857990"/>
+          </a:xfrm>
+          <a:prstGeom prst="rect">
+            <a:avLst/>
+          </a:prstGeom>
+        </p:spPr>
+      </p:pic>
+      <p:sp>
+        <p:nvSpPr>
+          <p:cNvPr id="14" name="Rectangle 13">
+            <a:extLst>
+              <a:ext uri="{FF2B5EF4-FFF2-40B4-BE49-F238E27FC236}">
+                <a16:creationId xmlns:a16="http://schemas.microsoft.com/office/drawing/2014/main" id="{F955D561-3327-E868-AB4F-5F97D708112D}"/>
+              </a:ext>
+              <a:ext uri="{C183D7F6-B498-43B3-948B-1728B52AA6E4}">
+                <adec:decorative xmlns:adec="http://schemas.microsoft.com/office/drawing/2017/decorative" val="1"/>
+              </a:ext>
+            </a:extLst>
+          </p:cNvPr>
+          <p:cNvSpPr>
+            <a:spLocks noGrp="1" noRot="1" noChangeAspect="1" noMove="1" noResize="1" noEditPoints="1" noAdjustHandles="1" noChangeArrowheads="1" noChangeShapeType="1" noTextEdit="1"/>
+          </p:cNvSpPr>
+          <p:nvPr>
+            <p:extLst>
+              <p:ext uri="{386F3935-93C4-4BCD-93E2-E3B085C9AB24}">
+                <p16:designElem xmlns:p16="http://schemas.microsoft.com/office/powerpoint/2015/main" val="1"/>
+              </p:ext>
+            </p:extLst>
+          </p:nvPr>
+        </p:nvSpPr>
+        <p:spPr>
+          <a:xfrm>
+            <a:off x="2" y="0"/>
+            <a:ext cx="9756601" cy="6858000"/>
+          </a:xfrm>
+          <a:prstGeom prst="rect">
+            <a:avLst/>
+          </a:prstGeom>
+          <a:gradFill>
+            <a:gsLst>
+              <a:gs pos="58000">
+                <a:schemeClr val="tx1"/>
+              </a:gs>
+              <a:gs pos="35000">
+                <a:schemeClr val="tx1">
+                  <a:alpha val="78000"/>
+                </a:schemeClr>
+              </a:gs>
+              <a:gs pos="19000">
+                <a:schemeClr val="tx1">
+                  <a:alpha val="38000"/>
+                </a:schemeClr>
+              </a:gs>
+              <a:gs pos="0">
+                <a:schemeClr val="tx1">
+                  <a:alpha val="0"/>
+                </a:schemeClr>
+              </a:gs>
+              <a:gs pos="100000">
+                <a:schemeClr val="tx1"/>
+              </a:gs>
+            </a:gsLst>
+            <a:lin ang="10800000" scaled="0"/>
+          </a:gradFill>
+          <a:ln>
+            <a:noFill/>
+          </a:ln>
+        </p:spPr>
+        <p:style>
+          <a:lnRef idx="2">
+            <a:schemeClr val="accent1">
+              <a:shade val="50000"/>
+            </a:schemeClr>
+          </a:lnRef>
+          <a:fillRef idx="1">
+            <a:schemeClr val="accent1"/>
+          </a:fillRef>
+          <a:effectRef idx="0">
+            <a:schemeClr val="accent1"/>
+          </a:effectRef>
+          <a:fontRef idx="minor">
+            <a:schemeClr val="lt1"/>
+          </a:fontRef>
+        </p:style>
+        <p:txBody>
+          <a:bodyPr rtlCol="0" anchor="ctr"/>
+          <a:lstStyle/>
+          <a:p>
+            <a:pPr algn="ctr"/>
+            <a:endParaRPr lang="pt-BR" noProof="0" dirty="0"/>
+          </a:p>
+        </p:txBody>
+      </p:sp>
+      <p:sp>
+        <p:nvSpPr>
+          <p:cNvPr id="2" name="Título 1">
+            <a:extLst>
+              <a:ext uri="{FF2B5EF4-FFF2-40B4-BE49-F238E27FC236}">
+                <a16:creationId xmlns:a16="http://schemas.microsoft.com/office/drawing/2014/main" id="{F02DCD57-E4BD-BEEC-EBB3-C3314240EF80}"/>
+              </a:ext>
+            </a:extLst>
+          </p:cNvPr>
+          <p:cNvSpPr>
+            <a:spLocks noGrp="1"/>
+          </p:cNvSpPr>
+          <p:nvPr>
+            <p:ph type="title"/>
+          </p:nvPr>
+        </p:nvSpPr>
+        <p:spPr>
+          <a:xfrm>
+            <a:off x="371094" y="1161288"/>
+            <a:ext cx="3571178" cy="1124712"/>
+          </a:xfrm>
+        </p:spPr>
+        <p:txBody>
+          <a:bodyPr anchor="b">
+            <a:normAutofit/>
+          </a:bodyPr>
+          <a:lstStyle/>
+          <a:p>
+            <a:r>
+              <a:rPr lang="pt-BR" sz="2800" noProof="0" dirty="0">
+                <a:solidFill>
+                  <a:schemeClr val="bg1"/>
+                </a:solidFill>
+              </a:rPr>
+              <a:t>Descrição das variáveis</a:t>
+            </a:r>
+          </a:p>
+        </p:txBody>
+      </p:sp>
+      <p:sp>
+        <p:nvSpPr>
+          <p:cNvPr id="16" name="Rectangle 15">
+            <a:extLst>
+              <a:ext uri="{FF2B5EF4-FFF2-40B4-BE49-F238E27FC236}">
+                <a16:creationId xmlns:a16="http://schemas.microsoft.com/office/drawing/2014/main" id="{CEFD4F02-6707-A9E5-2804-7AB8980178F5}"/>
+              </a:ext>
+              <a:ext uri="{C183D7F6-B498-43B3-948B-1728B52AA6E4}">
+                <adec:decorative xmlns:adec="http://schemas.microsoft.com/office/drawing/2017/decorative" val="1"/>
+              </a:ext>
+            </a:extLst>
+          </p:cNvPr>
+          <p:cNvSpPr>
+            <a:spLocks noGrp="1" noRot="1" noChangeAspect="1" noMove="1" noResize="1" noEditPoints="1" noAdjustHandles="1" noChangeArrowheads="1" noChangeShapeType="1" noTextEdit="1"/>
+          </p:cNvSpPr>
+          <p:nvPr>
+            <p:extLst>
+              <p:ext uri="{386F3935-93C4-4BCD-93E2-E3B085C9AB24}">
+                <p16:designElem xmlns:p16="http://schemas.microsoft.com/office/powerpoint/2015/main" val="1"/>
+              </p:ext>
+            </p:extLst>
+          </p:nvPr>
+        </p:nvSpPr>
+        <p:spPr>
+          <a:xfrm rot="5400000">
+            <a:off x="662559" y="605790"/>
+            <a:ext cx="73152" cy="548640"/>
+          </a:xfrm>
+          <a:prstGeom prst="rect">
+            <a:avLst/>
+          </a:prstGeom>
+          <a:solidFill>
+            <a:schemeClr val="accent2"/>
+          </a:solidFill>
+          <a:ln>
+            <a:noFill/>
+          </a:ln>
+        </p:spPr>
+        <p:style>
+          <a:lnRef idx="2">
+            <a:schemeClr val="accent1">
+              <a:shade val="50000"/>
+            </a:schemeClr>
+          </a:lnRef>
+          <a:fillRef idx="1">
+            <a:schemeClr val="accent1"/>
+          </a:fillRef>
+          <a:effectRef idx="0">
+            <a:schemeClr val="accent1"/>
+          </a:effectRef>
+          <a:fontRef idx="minor">
+            <a:schemeClr val="lt1"/>
+          </a:fontRef>
+        </p:style>
+        <p:txBody>
+          <a:bodyPr rtlCol="0" anchor="ctr"/>
+          <a:lstStyle/>
+          <a:p>
+            <a:pPr algn="ctr"/>
+            <a:endParaRPr lang="pt-BR" noProof="0" dirty="0">
+              <a:solidFill>
+                <a:prstClr val="white"/>
+              </a:solidFill>
+              <a:latin typeface="Calibri" panose="020F0502020204030204"/>
+            </a:endParaRPr>
+          </a:p>
+        </p:txBody>
+      </p:sp>
+      <p:sp>
+        <p:nvSpPr>
+          <p:cNvPr id="18" name="Rectangle 17">
+            <a:extLst>
+              <a:ext uri="{FF2B5EF4-FFF2-40B4-BE49-F238E27FC236}">
+                <a16:creationId xmlns:a16="http://schemas.microsoft.com/office/drawing/2014/main" id="{3D0E3CB5-AA89-CB6C-912D-5CF8F325ED6A}"/>
+              </a:ext>
+              <a:ext uri="{C183D7F6-B498-43B3-948B-1728B52AA6E4}">
+                <adec:decorative xmlns:adec="http://schemas.microsoft.com/office/drawing/2017/decorative" val="1"/>
+              </a:ext>
+            </a:extLst>
+          </p:cNvPr>
+          <p:cNvSpPr>
+            <a:spLocks noGrp="1" noRot="1" noChangeAspect="1" noMove="1" noResize="1" noEditPoints="1" noAdjustHandles="1" noChangeArrowheads="1" noChangeShapeType="1" noTextEdit="1"/>
+          </p:cNvSpPr>
+          <p:nvPr>
+            <p:extLst>
+              <p:ext uri="{386F3935-93C4-4BCD-93E2-E3B085C9AB24}">
+                <p16:designElem xmlns:p16="http://schemas.microsoft.com/office/powerpoint/2015/main" val="1"/>
+              </p:ext>
+            </p:extLst>
+          </p:nvPr>
+        </p:nvSpPr>
+        <p:spPr>
+          <a:xfrm>
+            <a:off x="428244" y="2443480"/>
+            <a:ext cx="3300984" cy="9144"/>
+          </a:xfrm>
+          <a:prstGeom prst="rect">
+            <a:avLst/>
+          </a:prstGeom>
+          <a:solidFill>
+            <a:schemeClr val="tx1"/>
+          </a:solidFill>
+          <a:ln w="3175">
+            <a:solidFill>
+              <a:schemeClr val="bg1"/>
+            </a:solidFill>
+          </a:ln>
+          <a:effectLst/>
+        </p:spPr>
+        <p:style>
+          <a:lnRef idx="2">
+            <a:schemeClr val="accent1">
+              <a:shade val="50000"/>
+            </a:schemeClr>
+          </a:lnRef>
+          <a:fillRef idx="1">
+            <a:schemeClr val="accent1"/>
+          </a:fillRef>
+          <a:effectRef idx="0">
+            <a:schemeClr val="accent1"/>
+          </a:effectRef>
+          <a:fontRef idx="minor">
+            <a:schemeClr val="lt1"/>
+          </a:fontRef>
+        </p:style>
+        <p:txBody>
+          <a:bodyPr rtlCol="0" anchor="ctr"/>
+          <a:lstStyle/>
+          <a:p>
+            <a:pPr marL="0" marR="0" lvl="0" indent="0" algn="ctr" defTabSz="914400" rtl="0" eaLnBrk="1" fontAlgn="auto" latinLnBrk="0" hangingPunct="1">
+              <a:lnSpc>
+                <a:spcPct val="100000"/>
+              </a:lnSpc>
+              <a:spcBef>
+                <a:spcPts val="0"/>
+              </a:spcBef>
+              <a:spcAft>
+                <a:spcPts val="0"/>
+              </a:spcAft>
+              <a:buClrTx/>
+              <a:buSzTx/>
+              <a:buFontTx/>
+              <a:buNone/>
+              <a:tabLst/>
+              <a:defRPr/>
+            </a:pPr>
+            <a:endParaRPr kumimoji="0" lang="pt-BR" sz="1800" b="0" i="0" u="none" strike="noStrike" kern="1200" cap="none" spc="0" normalizeH="0" baseline="0" noProof="0" dirty="0">
+              <a:ln>
+                <a:noFill/>
+              </a:ln>
+              <a:solidFill>
+                <a:prstClr val="white"/>
+              </a:solidFill>
+              <a:effectLst/>
+              <a:uLnTx/>
+              <a:uFillTx/>
+              <a:latin typeface="Calibri" panose="020F0502020204030204"/>
+              <a:ea typeface="+mn-ea"/>
+              <a:cs typeface="+mn-cs"/>
+            </a:endParaRPr>
+          </a:p>
+        </p:txBody>
+      </p:sp>
+      <p:graphicFrame>
+        <p:nvGraphicFramePr>
+          <p:cNvPr id="4" name="Espaço Reservado para Conteúdo 3">
+            <a:extLst>
+              <a:ext uri="{FF2B5EF4-FFF2-40B4-BE49-F238E27FC236}">
+                <a16:creationId xmlns:a16="http://schemas.microsoft.com/office/drawing/2014/main" id="{F649E2C4-3C7F-F450-D932-3FF58380C195}"/>
+              </a:ext>
+            </a:extLst>
+          </p:cNvPr>
+          <p:cNvGraphicFramePr>
+            <a:graphicFrameLocks noGrp="1"/>
+          </p:cNvGraphicFramePr>
+          <p:nvPr>
+            <p:ph idx="1"/>
+            <p:extLst>
+              <p:ext uri="{D42A27DB-BD31-4B8C-83A1-F6EECF244321}">
+                <p14:modId xmlns:p14="http://schemas.microsoft.com/office/powerpoint/2010/main" val="1531035660"/>
+              </p:ext>
+            </p:extLst>
+          </p:nvPr>
+        </p:nvGraphicFramePr>
+        <p:xfrm>
+          <a:off x="424815" y="3042920"/>
+          <a:ext cx="10461722" cy="3157855"/>
+        </p:xfrm>
+        <a:graphic>
+          <a:graphicData uri="http://schemas.openxmlformats.org/drawingml/2006/table">
+            <a:tbl>
+              <a:tblPr firstRow="1" bandRow="1">
+                <a:tableStyleId>{5C22544A-7EE6-4342-B048-85BDC9FD1C3A}</a:tableStyleId>
+              </a:tblPr>
+              <a:tblGrid>
+                <a:gridCol w="2758470">
+                  <a:extLst>
+                    <a:ext uri="{9D8B030D-6E8A-4147-A177-3AD203B41FA5}">
+                      <a16:colId xmlns:a16="http://schemas.microsoft.com/office/drawing/2014/main" val="25719126"/>
+                    </a:ext>
+                  </a:extLst>
+                </a:gridCol>
+                <a:gridCol w="2758470">
+                  <a:extLst>
+                    <a:ext uri="{9D8B030D-6E8A-4147-A177-3AD203B41FA5}">
+                      <a16:colId xmlns:a16="http://schemas.microsoft.com/office/drawing/2014/main" val="3771195463"/>
+                    </a:ext>
+                  </a:extLst>
+                </a:gridCol>
+                <a:gridCol w="4944782">
+                  <a:extLst>
+                    <a:ext uri="{9D8B030D-6E8A-4147-A177-3AD203B41FA5}">
+                      <a16:colId xmlns:a16="http://schemas.microsoft.com/office/drawing/2014/main" val="22310870"/>
+                    </a:ext>
+                  </a:extLst>
+                </a:gridCol>
+              </a:tblGrid>
+              <a:tr h="370840">
+                <a:tc>
+                  <a:txBody>
+                    <a:bodyPr/>
+                    <a:lstStyle/>
+                    <a:p>
+                      <a:pPr algn="ctr" fontAlgn="b"/>
+                      <a:r>
+                        <a:rPr lang="pt-BR" sz="1800" b="1" i="0" u="none" strike="noStrike" noProof="0" dirty="0">
+                          <a:solidFill>
+                            <a:srgbClr val="FFFFFF"/>
+                          </a:solidFill>
+                          <a:effectLst/>
+                          <a:latin typeface="Calibri" panose="020F0502020204030204" pitchFamily="34" charset="0"/>
+                        </a:rPr>
+                        <a:t>Variável</a:t>
+                      </a:r>
+                    </a:p>
+                  </a:txBody>
+                  <a:tcPr marL="9525" marR="9525" marT="9525" marB="0" anchor="ctr"/>
+                </a:tc>
+                <a:tc>
+                  <a:txBody>
+                    <a:bodyPr/>
+                    <a:lstStyle/>
+                    <a:p>
+                      <a:pPr algn="ctr" fontAlgn="b"/>
+                      <a:r>
+                        <a:rPr lang="pt-BR" sz="1800" b="1" i="0" u="none" strike="noStrike" noProof="0" dirty="0">
+                          <a:solidFill>
+                            <a:srgbClr val="FFFFFF"/>
+                          </a:solidFill>
+                          <a:effectLst/>
+                          <a:latin typeface="Calibri" panose="020F0502020204030204" pitchFamily="34" charset="0"/>
+                        </a:rPr>
+                        <a:t>Tipo da Variável</a:t>
+                      </a:r>
+                    </a:p>
+                  </a:txBody>
+                  <a:tcPr marL="9525" marR="9525" marT="9525" marB="0" anchor="ctr"/>
+                </a:tc>
+                <a:tc>
+                  <a:txBody>
+                    <a:bodyPr/>
+                    <a:lstStyle/>
+                    <a:p>
+                      <a:pPr algn="ctr" fontAlgn="b"/>
+                      <a:r>
+                        <a:rPr lang="pt-BR" sz="1800" b="1" i="0" u="none" strike="noStrike" noProof="0" dirty="0">
+                          <a:solidFill>
+                            <a:srgbClr val="FFFFFF"/>
+                          </a:solidFill>
+                          <a:effectLst/>
+                          <a:latin typeface="Calibri" panose="020F0502020204030204" pitchFamily="34" charset="0"/>
+                        </a:rPr>
+                        <a:t>Descrição</a:t>
+                      </a:r>
+                    </a:p>
+                  </a:txBody>
+                  <a:tcPr marL="9525" marR="9525" marT="9525" marB="0" anchor="ctr"/>
+                </a:tc>
+                <a:extLst>
+                  <a:ext uri="{0D108BD9-81ED-4DB2-BD59-A6C34878D82A}">
+                    <a16:rowId xmlns:a16="http://schemas.microsoft.com/office/drawing/2014/main" val="3414574534"/>
+                  </a:ext>
+                </a:extLst>
+              </a:tr>
+              <a:tr h="370840">
+                <a:tc>
+                  <a:txBody>
+                    <a:bodyPr/>
+                    <a:lstStyle/>
+                    <a:p>
+                      <a:pPr algn="ctr" fontAlgn="b"/>
+                      <a:r>
+                        <a:rPr lang="pt-BR" sz="1800" b="0" i="0" u="none" strike="noStrike" noProof="0" dirty="0">
+                          <a:solidFill>
+                            <a:srgbClr val="000000"/>
+                          </a:solidFill>
+                          <a:effectLst/>
+                          <a:latin typeface="Calibri" panose="020F0502020204030204" pitchFamily="34" charset="0"/>
+                        </a:rPr>
+                        <a:t>Sentença</a:t>
+                      </a:r>
+                    </a:p>
+                  </a:txBody>
+                  <a:tcPr marL="9525" marR="9525" marT="9525" marB="0" anchor="ctr"/>
+                </a:tc>
+                <a:tc>
+                  <a:txBody>
+                    <a:bodyPr/>
+                    <a:lstStyle/>
+                    <a:p>
+                      <a:pPr algn="ctr" fontAlgn="b"/>
+                      <a:r>
+                        <a:rPr lang="pt-BR" sz="1800" b="0" i="0" u="none" strike="noStrike" noProof="0" dirty="0">
+                          <a:solidFill>
+                            <a:srgbClr val="000000"/>
+                          </a:solidFill>
+                          <a:effectLst/>
+                          <a:latin typeface="Calibri" panose="020F0502020204030204" pitchFamily="34" charset="0"/>
+                        </a:rPr>
+                        <a:t>Variável quantitativa discreta</a:t>
+                      </a:r>
+                    </a:p>
+                  </a:txBody>
+                  <a:tcPr marL="9525" marR="9525" marT="9525" marB="0" anchor="ctr"/>
+                </a:tc>
+                <a:tc>
+                  <a:txBody>
+                    <a:bodyPr/>
+                    <a:lstStyle/>
+                    <a:p>
+                      <a:pPr algn="ctr" fontAlgn="b"/>
+                      <a:r>
+                        <a:rPr lang="pt-BR" sz="1800" b="0" i="0" u="none" strike="noStrike" noProof="0" dirty="0">
+                          <a:solidFill>
+                            <a:srgbClr val="000000"/>
+                          </a:solidFill>
+                          <a:effectLst/>
+                          <a:latin typeface="Calibri" panose="020F0502020204030204" pitchFamily="34" charset="0"/>
+                        </a:rPr>
+                        <a:t>Valor “1” se banco ganhou a causa (improcedência) e “0” caso contrário (procedência).</a:t>
+                      </a:r>
+                    </a:p>
+                  </a:txBody>
+                  <a:tcPr marL="9525" marR="9525" marT="9525" marB="0" anchor="ctr"/>
+                </a:tc>
+                <a:extLst>
+                  <a:ext uri="{0D108BD9-81ED-4DB2-BD59-A6C34878D82A}">
+                    <a16:rowId xmlns:a16="http://schemas.microsoft.com/office/drawing/2014/main" val="1663781830"/>
+                  </a:ext>
+                </a:extLst>
+              </a:tr>
+              <a:tr h="370840">
+                <a:tc>
+                  <a:txBody>
+                    <a:bodyPr/>
+                    <a:lstStyle/>
+                    <a:p>
+                      <a:pPr algn="ctr" fontAlgn="b"/>
+                      <a:r>
+                        <a:rPr lang="pt-BR" sz="1800" b="0" i="0" u="none" strike="noStrike" noProof="0" dirty="0" err="1">
+                          <a:solidFill>
+                            <a:srgbClr val="000000"/>
+                          </a:solidFill>
+                          <a:effectLst/>
+                          <a:latin typeface="Calibri" panose="020F0502020204030204" pitchFamily="34" charset="0"/>
+                        </a:rPr>
+                        <a:t>Data_Julgamento</a:t>
+                      </a:r>
+                      <a:endParaRPr lang="pt-BR" sz="1800" b="0" i="0" u="none" strike="noStrike" noProof="0" dirty="0">
+                        <a:solidFill>
+                          <a:srgbClr val="000000"/>
+                        </a:solidFill>
+                        <a:effectLst/>
+                        <a:latin typeface="Calibri" panose="020F0502020204030204" pitchFamily="34" charset="0"/>
+                      </a:endParaRPr>
+                    </a:p>
+                  </a:txBody>
+                  <a:tcPr marL="9525" marR="9525" marT="9525" marB="0" anchor="ctr"/>
+                </a:tc>
+                <a:tc>
+                  <a:txBody>
+                    <a:bodyPr/>
+                    <a:lstStyle/>
+                    <a:p>
+                      <a:pPr algn="ctr" fontAlgn="b"/>
+                      <a:r>
+                        <a:rPr lang="pt-BR" sz="1800" b="0" i="0" u="none" strike="noStrike" noProof="0" dirty="0">
+                          <a:solidFill>
+                            <a:srgbClr val="000000"/>
+                          </a:solidFill>
+                          <a:effectLst/>
+                          <a:latin typeface="Calibri" panose="020F0502020204030204" pitchFamily="34" charset="0"/>
+                        </a:rPr>
+                        <a:t>Variável qualitativa ordinal</a:t>
+                      </a:r>
+                    </a:p>
+                  </a:txBody>
+                  <a:tcPr marL="9525" marR="9525" marT="9525" marB="0" anchor="ctr"/>
+                </a:tc>
+                <a:tc>
+                  <a:txBody>
+                    <a:bodyPr/>
+                    <a:lstStyle/>
+                    <a:p>
+                      <a:pPr algn="ctr" fontAlgn="b"/>
+                      <a:r>
+                        <a:rPr lang="pt-BR" sz="1800" b="0" i="0" u="none" strike="noStrike" noProof="0" dirty="0">
+                          <a:solidFill>
+                            <a:srgbClr val="000000"/>
+                          </a:solidFill>
+                          <a:effectLst/>
+                          <a:latin typeface="Calibri" panose="020F0502020204030204" pitchFamily="34" charset="0"/>
+                        </a:rPr>
+                        <a:t>Data do julgamento no site do Tribunal de Justiça.</a:t>
+                      </a:r>
+                    </a:p>
+                  </a:txBody>
+                  <a:tcPr marL="9525" marR="9525" marT="9525" marB="0" anchor="ctr"/>
+                </a:tc>
+                <a:extLst>
+                  <a:ext uri="{0D108BD9-81ED-4DB2-BD59-A6C34878D82A}">
+                    <a16:rowId xmlns:a16="http://schemas.microsoft.com/office/drawing/2014/main" val="2536506857"/>
+                  </a:ext>
+                </a:extLst>
+              </a:tr>
+              <a:tr h="370840">
+                <a:tc>
+                  <a:txBody>
+                    <a:bodyPr/>
+                    <a:lstStyle/>
+                    <a:p>
+                      <a:pPr algn="ctr" fontAlgn="b"/>
+                      <a:r>
+                        <a:rPr lang="pt-BR" sz="1800" b="0" i="0" u="none" strike="noStrike" noProof="0" dirty="0">
+                          <a:solidFill>
+                            <a:srgbClr val="000000"/>
+                          </a:solidFill>
+                          <a:effectLst/>
+                          <a:latin typeface="Calibri" panose="020F0502020204030204" pitchFamily="34" charset="0"/>
+                        </a:rPr>
+                        <a:t>Região da Comarca</a:t>
+                      </a:r>
+                    </a:p>
+                  </a:txBody>
+                  <a:tcPr marL="9525" marR="9525" marT="9525" marB="0" anchor="ctr"/>
+                </a:tc>
+                <a:tc>
+                  <a:txBody>
+                    <a:bodyPr/>
+                    <a:lstStyle/>
+                    <a:p>
+                      <a:pPr algn="ctr" fontAlgn="b"/>
+                      <a:r>
+                        <a:rPr lang="pt-BR" sz="1800" b="0" i="0" u="none" strike="noStrike" noProof="0" dirty="0">
+                          <a:solidFill>
+                            <a:srgbClr val="000000"/>
+                          </a:solidFill>
+                          <a:effectLst/>
+                          <a:latin typeface="Calibri" panose="020F0502020204030204" pitchFamily="34" charset="0"/>
+                        </a:rPr>
+                        <a:t>Variável qualitativa nominal</a:t>
+                      </a:r>
+                    </a:p>
+                  </a:txBody>
+                  <a:tcPr marL="9525" marR="9525" marT="9525" marB="0" anchor="ctr"/>
+                </a:tc>
+                <a:tc>
+                  <a:txBody>
+                    <a:bodyPr/>
+                    <a:lstStyle/>
+                    <a:p>
+                      <a:pPr algn="ctr" fontAlgn="b"/>
+                      <a:r>
+                        <a:rPr lang="pt-BR" sz="1800" b="0" i="0" u="none" strike="noStrike" noProof="0" dirty="0">
+                          <a:solidFill>
+                            <a:srgbClr val="000000"/>
+                          </a:solidFill>
+                          <a:effectLst/>
+                          <a:latin typeface="Calibri" panose="020F0502020204030204" pitchFamily="34" charset="0"/>
+                        </a:rPr>
+                        <a:t>Região geográfica da Comarca do processo.</a:t>
+                      </a:r>
+                    </a:p>
+                  </a:txBody>
+                  <a:tcPr marL="9525" marR="9525" marT="9525" marB="0" anchor="ctr"/>
+                </a:tc>
+                <a:extLst>
+                  <a:ext uri="{0D108BD9-81ED-4DB2-BD59-A6C34878D82A}">
+                    <a16:rowId xmlns:a16="http://schemas.microsoft.com/office/drawing/2014/main" val="2553822334"/>
+                  </a:ext>
+                </a:extLst>
+              </a:tr>
+              <a:tr h="370840">
+                <a:tc>
+                  <a:txBody>
+                    <a:bodyPr/>
+                    <a:lstStyle/>
+                    <a:p>
+                      <a:pPr algn="ctr" fontAlgn="b"/>
+                      <a:r>
+                        <a:rPr lang="pt-BR" sz="1800" b="0" i="0" u="none" strike="noStrike" noProof="0" dirty="0">
+                          <a:solidFill>
+                            <a:srgbClr val="000000"/>
+                          </a:solidFill>
+                          <a:effectLst/>
+                          <a:latin typeface="Calibri" panose="020F0502020204030204" pitchFamily="34" charset="0"/>
+                        </a:rPr>
+                        <a:t>Tipo de Estratégia</a:t>
+                      </a:r>
+                    </a:p>
+                  </a:txBody>
+                  <a:tcPr marL="9525" marR="9525" marT="9525" marB="0" anchor="ctr"/>
+                </a:tc>
+                <a:tc>
+                  <a:txBody>
+                    <a:bodyPr/>
+                    <a:lstStyle/>
+                    <a:p>
+                      <a:pPr algn="ctr" fontAlgn="b"/>
+                      <a:r>
+                        <a:rPr lang="pt-BR" sz="1800" b="0" i="0" u="none" strike="noStrike" noProof="0" dirty="0">
+                          <a:solidFill>
+                            <a:srgbClr val="000000"/>
+                          </a:solidFill>
+                          <a:effectLst/>
+                          <a:latin typeface="Calibri" panose="020F0502020204030204" pitchFamily="34" charset="0"/>
+                        </a:rPr>
+                        <a:t>Variável qualitativa ordinal</a:t>
+                      </a:r>
+                    </a:p>
+                  </a:txBody>
+                  <a:tcPr marL="9525" marR="9525" marT="9525" marB="0" anchor="ctr"/>
+                </a:tc>
+                <a:tc>
+                  <a:txBody>
+                    <a:bodyPr/>
+                    <a:lstStyle/>
+                    <a:p>
+                      <a:pPr algn="ctr" fontAlgn="b"/>
+                      <a:r>
+                        <a:rPr lang="pt-BR" sz="1800" b="0" i="0" u="none" strike="noStrike" noProof="0" dirty="0">
+                          <a:solidFill>
+                            <a:srgbClr val="000000"/>
+                          </a:solidFill>
+                          <a:effectLst/>
+                          <a:latin typeface="Calibri" panose="020F0502020204030204" pitchFamily="34" charset="0"/>
+                        </a:rPr>
+                        <a:t>Estratégia de defesa utilizada pelo banco.</a:t>
+                      </a:r>
+                    </a:p>
+                  </a:txBody>
+                  <a:tcPr marL="9525" marR="9525" marT="9525" marB="0" anchor="ctr"/>
+                </a:tc>
+                <a:extLst>
+                  <a:ext uri="{0D108BD9-81ED-4DB2-BD59-A6C34878D82A}">
+                    <a16:rowId xmlns:a16="http://schemas.microsoft.com/office/drawing/2014/main" val="3414218520"/>
+                  </a:ext>
+                </a:extLst>
+              </a:tr>
+              <a:tr h="370840">
+                <a:tc>
+                  <a:txBody>
+                    <a:bodyPr/>
+                    <a:lstStyle/>
+                    <a:p>
+                      <a:pPr algn="ctr" fontAlgn="b"/>
+                      <a:r>
+                        <a:rPr lang="pt-BR" sz="1800" b="0" i="0" u="none" strike="noStrike" noProof="0" dirty="0">
+                          <a:solidFill>
+                            <a:srgbClr val="000000"/>
+                          </a:solidFill>
+                          <a:effectLst/>
+                          <a:latin typeface="Calibri" panose="020F0502020204030204" pitchFamily="34" charset="0"/>
+                        </a:rPr>
+                        <a:t>Taxa Contratada</a:t>
+                      </a:r>
+                    </a:p>
+                  </a:txBody>
+                  <a:tcPr marL="9525" marR="9525" marT="9525" marB="0" anchor="ctr"/>
+                </a:tc>
+                <a:tc>
+                  <a:txBody>
+                    <a:bodyPr/>
+                    <a:lstStyle/>
+                    <a:p>
+                      <a:pPr algn="ctr" fontAlgn="b"/>
+                      <a:r>
+                        <a:rPr lang="pt-BR" sz="1800" b="0" i="0" u="none" strike="noStrike" noProof="0" dirty="0">
+                          <a:solidFill>
+                            <a:srgbClr val="000000"/>
+                          </a:solidFill>
+                          <a:effectLst/>
+                          <a:latin typeface="Calibri" panose="020F0502020204030204" pitchFamily="34" charset="0"/>
+                        </a:rPr>
+                        <a:t>Variável quantitativa continua</a:t>
+                      </a:r>
+                    </a:p>
+                  </a:txBody>
+                  <a:tcPr marL="9525" marR="9525" marT="9525" marB="0" anchor="ctr"/>
+                </a:tc>
+                <a:tc>
+                  <a:txBody>
+                    <a:bodyPr/>
+                    <a:lstStyle/>
+                    <a:p>
+                      <a:pPr algn="ctr" fontAlgn="b"/>
+                      <a:r>
+                        <a:rPr lang="pt-BR" sz="1800" b="0" i="0" u="none" strike="noStrike" noProof="0" dirty="0">
+                          <a:solidFill>
+                            <a:srgbClr val="000000"/>
+                          </a:solidFill>
+                          <a:effectLst/>
+                          <a:latin typeface="Calibri" panose="020F0502020204030204" pitchFamily="34" charset="0"/>
+                        </a:rPr>
+                        <a:t>Taxa de juros pactuada no contrato.</a:t>
+                      </a:r>
+                    </a:p>
+                  </a:txBody>
+                  <a:tcPr marL="9525" marR="9525" marT="9525" marB="0" anchor="ctr"/>
+                </a:tc>
+                <a:extLst>
+                  <a:ext uri="{0D108BD9-81ED-4DB2-BD59-A6C34878D82A}">
+                    <a16:rowId xmlns:a16="http://schemas.microsoft.com/office/drawing/2014/main" val="1575534378"/>
+                  </a:ext>
+                </a:extLst>
+              </a:tr>
+              <a:tr h="370840">
+                <a:tc>
+                  <a:txBody>
+                    <a:bodyPr/>
+                    <a:lstStyle/>
+                    <a:p>
+                      <a:pPr algn="ctr" fontAlgn="b"/>
+                      <a:r>
+                        <a:rPr lang="pt-BR" sz="1800" b="0" i="0" u="none" strike="noStrike" noProof="0" dirty="0">
+                          <a:solidFill>
+                            <a:srgbClr val="000000"/>
+                          </a:solidFill>
+                          <a:effectLst/>
+                          <a:latin typeface="Calibri" panose="020F0502020204030204" pitchFamily="34" charset="0"/>
+                        </a:rPr>
+                        <a:t>Valores indenizatórios</a:t>
+                      </a:r>
+                    </a:p>
+                  </a:txBody>
+                  <a:tcPr marL="9525" marR="9525" marT="9525" marB="0" anchor="ctr"/>
+                </a:tc>
+                <a:tc>
+                  <a:txBody>
+                    <a:bodyPr/>
+                    <a:lstStyle/>
+                    <a:p>
+                      <a:pPr algn="ctr" fontAlgn="b"/>
+                      <a:r>
+                        <a:rPr lang="pt-BR" sz="1800" b="0" i="0" u="none" strike="noStrike" noProof="0" dirty="0">
+                          <a:solidFill>
+                            <a:srgbClr val="000000"/>
+                          </a:solidFill>
+                          <a:effectLst/>
+                          <a:latin typeface="Calibri" panose="020F0502020204030204" pitchFamily="34" charset="0"/>
+                        </a:rPr>
+                        <a:t>Variável quantitativa continua</a:t>
+                      </a:r>
+                    </a:p>
+                  </a:txBody>
+                  <a:tcPr marL="9525" marR="9525" marT="9525" marB="0" anchor="ctr"/>
+                </a:tc>
+                <a:tc>
+                  <a:txBody>
+                    <a:bodyPr/>
+                    <a:lstStyle/>
+                    <a:p>
+                      <a:pPr algn="ctr" fontAlgn="b"/>
+                      <a:r>
+                        <a:rPr lang="pt-BR" sz="1800" b="0" i="0" u="none" strike="noStrike" noProof="0" dirty="0">
+                          <a:solidFill>
+                            <a:srgbClr val="000000"/>
+                          </a:solidFill>
+                          <a:effectLst/>
+                          <a:latin typeface="Calibri" panose="020F0502020204030204" pitchFamily="34" charset="0"/>
+                        </a:rPr>
+                        <a:t>Valores totais em risco (ou seja, valor em que o banco terá que pagar em caso de perda).</a:t>
+                      </a:r>
+                    </a:p>
+                  </a:txBody>
+                  <a:tcPr marL="9525" marR="9525" marT="9525" marB="0" anchor="ctr"/>
+                </a:tc>
+                <a:extLst>
+                  <a:ext uri="{0D108BD9-81ED-4DB2-BD59-A6C34878D82A}">
+                    <a16:rowId xmlns:a16="http://schemas.microsoft.com/office/drawing/2014/main" val="426289361"/>
+                  </a:ext>
+                </a:extLst>
+              </a:tr>
+            </a:tbl>
+          </a:graphicData>
+        </a:graphic>
+      </p:graphicFrame>
+    </p:spTree>
+    <p:extLst>
+      <p:ext uri="{BB962C8B-B14F-4D97-AF65-F5344CB8AC3E}">
+        <p14:creationId xmlns:p14="http://schemas.microsoft.com/office/powerpoint/2010/main" val="2064995205"/>
       </p:ext>
     </p:extLst>
   </p:cSld>
@@ -7125,7 +9661,7 @@
           <a:lstStyle/>
           <a:p>
             <a:pPr algn="ctr"/>
-            <a:endParaRPr lang="en-US" dirty="0"/>
+            <a:endParaRPr lang="pt-BR" noProof="0" dirty="0"/>
           </a:p>
         </p:txBody>
       </p:sp>
@@ -7195,26 +9731,13 @@
           <a:p>
             <a:pPr algn="ctr"/>
             <a:r>
-              <a:rPr lang="en-US" noProof="0" dirty="0">
+              <a:rPr lang="pt-BR" noProof="0" dirty="0">
                 <a:solidFill>
                   <a:srgbClr val="FFFFFF"/>
                 </a:solidFill>
               </a:rPr>
-              <a:t>Análise </a:t>
-            </a:r>
-            <a:r>
-              <a:rPr lang="en-US" noProof="0" dirty="0" err="1">
-                <a:solidFill>
-                  <a:srgbClr val="FFFFFF"/>
-                </a:solidFill>
-              </a:rPr>
-              <a:t>Exploratória</a:t>
-            </a:r>
-            <a:endParaRPr lang="en-US" noProof="0" dirty="0">
-              <a:solidFill>
-                <a:srgbClr val="FFFFFF"/>
-              </a:solidFill>
-            </a:endParaRPr>
+              <a:t>Metodologia</a:t>
+            </a:r>
           </a:p>
         </p:txBody>
       </p:sp>
@@ -7227,6 +9750,470 @@
   </p:cSld>
   <p:clrMapOvr>
     <a:overrideClrMapping bg1="dk1" tx1="lt1" bg2="dk2" tx2="lt2" accent1="accent1" accent2="accent2" accent3="accent3" accent4="accent4" accent5="accent5" accent6="accent6" hlink="hlink" folHlink="folHlink"/>
+  </p:clrMapOvr>
+</p:sld>
+</file>
+
+<file path=ppt/slides/slide9.xml><?xml version="1.0" encoding="utf-8"?>
+<p:sld xmlns:a="http://schemas.openxmlformats.org/drawingml/2006/main" xmlns:r="http://schemas.openxmlformats.org/officeDocument/2006/relationships" xmlns:p="http://schemas.openxmlformats.org/presentationml/2006/main">
+  <p:cSld>
+    <p:bg>
+      <p:bgPr>
+        <a:solidFill>
+          <a:schemeClr val="bg1"/>
+        </a:solidFill>
+        <a:effectLst/>
+      </p:bgPr>
+    </p:bg>
+    <p:spTree>
+      <p:nvGrpSpPr>
+        <p:cNvPr id="1" name="">
+          <a:extLst>
+            <a:ext uri="{FF2B5EF4-FFF2-40B4-BE49-F238E27FC236}">
+              <a16:creationId xmlns:a16="http://schemas.microsoft.com/office/drawing/2014/main" id="{D682E1FD-37FD-58E7-D051-26231380E627}"/>
+            </a:ext>
+          </a:extLst>
+        </p:cNvPr>
+        <p:cNvGrpSpPr/>
+        <p:nvPr/>
+      </p:nvGrpSpPr>
+      <p:grpSpPr>
+        <a:xfrm>
+          <a:off x="0" y="0"/>
+          <a:ext cx="0" cy="0"/>
+          <a:chOff x="0" y="0"/>
+          <a:chExt cx="0" cy="0"/>
+        </a:xfrm>
+      </p:grpSpPr>
+      <p:sp useBgFill="1">
+        <p:nvSpPr>
+          <p:cNvPr id="19" name="Rectangle 11">
+            <a:extLst>
+              <a:ext uri="{FF2B5EF4-FFF2-40B4-BE49-F238E27FC236}">
+                <a16:creationId xmlns:a16="http://schemas.microsoft.com/office/drawing/2014/main" id="{068F545F-6516-E2AF-63F5-D8F98888B878}"/>
+              </a:ext>
+              <a:ext uri="{C183D7F6-B498-43B3-948B-1728B52AA6E4}">
+                <adec:decorative xmlns:adec="http://schemas.microsoft.com/office/drawing/2017/decorative" val="1"/>
+              </a:ext>
+            </a:extLst>
+          </p:cNvPr>
+          <p:cNvSpPr>
+            <a:spLocks noGrp="1" noRot="1" noChangeAspect="1" noMove="1" noResize="1" noEditPoints="1" noAdjustHandles="1" noChangeArrowheads="1" noChangeShapeType="1" noTextEdit="1"/>
+          </p:cNvSpPr>
+          <p:nvPr>
+            <p:extLst>
+              <p:ext uri="{386F3935-93C4-4BCD-93E2-E3B085C9AB24}">
+                <p16:designElem xmlns:p16="http://schemas.microsoft.com/office/powerpoint/2015/main" val="1"/>
+              </p:ext>
+            </p:extLst>
+          </p:nvPr>
+        </p:nvSpPr>
+        <p:spPr>
+          <a:xfrm>
+            <a:off x="0" y="0"/>
+            <a:ext cx="12192000" cy="6858000"/>
+          </a:xfrm>
+          <a:prstGeom prst="rect">
+            <a:avLst/>
+          </a:prstGeom>
+          <a:ln>
+            <a:noFill/>
+          </a:ln>
+        </p:spPr>
+        <p:style>
+          <a:lnRef idx="2">
+            <a:schemeClr val="accent1">
+              <a:shade val="50000"/>
+            </a:schemeClr>
+          </a:lnRef>
+          <a:fillRef idx="1">
+            <a:schemeClr val="accent1"/>
+          </a:fillRef>
+          <a:effectRef idx="0">
+            <a:schemeClr val="accent1"/>
+          </a:effectRef>
+          <a:fontRef idx="minor">
+            <a:schemeClr val="lt1"/>
+          </a:fontRef>
+        </p:style>
+        <p:txBody>
+          <a:bodyPr rtlCol="0" anchor="ctr"/>
+          <a:lstStyle/>
+          <a:p>
+            <a:pPr algn="ctr"/>
+            <a:endParaRPr lang="pt-BR" noProof="0" dirty="0"/>
+          </a:p>
+        </p:txBody>
+      </p:sp>
+      <p:pic>
+        <p:nvPicPr>
+          <p:cNvPr id="5" name="Espaço Reservado para Conteúdo 4" descr="Uma imagem contendo no interior, mesa, vivendo, quarto&#10;&#10;O conteúdo gerado por IA pode estar incorreto.">
+            <a:extLst>
+              <a:ext uri="{FF2B5EF4-FFF2-40B4-BE49-F238E27FC236}">
+                <a16:creationId xmlns:a16="http://schemas.microsoft.com/office/drawing/2014/main" id="{E416124F-2A0D-93AE-AEE9-5D1093BA8914}"/>
+              </a:ext>
+            </a:extLst>
+          </p:cNvPr>
+          <p:cNvPicPr>
+            <a:picLocks noChangeAspect="1"/>
+          </p:cNvPicPr>
+          <p:nvPr/>
+        </p:nvPicPr>
+        <p:blipFill>
+          <a:blip r:embed="rId2">
+            <a:extLst>
+              <a:ext uri="{28A0092B-C50C-407E-A947-70E740481C1C}">
+                <a14:useLocalDpi xmlns:a14="http://schemas.microsoft.com/office/drawing/2010/main" val="0"/>
+              </a:ext>
+            </a:extLst>
+          </a:blip>
+          <a:srcRect l="9091" t="28087" r="-1" b="-1"/>
+          <a:stretch/>
+        </p:blipFill>
+        <p:spPr>
+          <a:xfrm>
+            <a:off x="3522468" y="10"/>
+            <a:ext cx="8669532" cy="6857990"/>
+          </a:xfrm>
+          <a:prstGeom prst="rect">
+            <a:avLst/>
+          </a:prstGeom>
+        </p:spPr>
+      </p:pic>
+      <p:sp>
+        <p:nvSpPr>
+          <p:cNvPr id="20" name="Rectangle 13">
+            <a:extLst>
+              <a:ext uri="{FF2B5EF4-FFF2-40B4-BE49-F238E27FC236}">
+                <a16:creationId xmlns:a16="http://schemas.microsoft.com/office/drawing/2014/main" id="{CA05D59A-6080-AD77-802E-4C4CDB4D626F}"/>
+              </a:ext>
+              <a:ext uri="{C183D7F6-B498-43B3-948B-1728B52AA6E4}">
+                <adec:decorative xmlns:adec="http://schemas.microsoft.com/office/drawing/2017/decorative" val="1"/>
+              </a:ext>
+            </a:extLst>
+          </p:cNvPr>
+          <p:cNvSpPr>
+            <a:spLocks noGrp="1" noRot="1" noChangeAspect="1" noMove="1" noResize="1" noEditPoints="1" noAdjustHandles="1" noChangeArrowheads="1" noChangeShapeType="1" noTextEdit="1"/>
+          </p:cNvSpPr>
+          <p:nvPr>
+            <p:extLst>
+              <p:ext uri="{386F3935-93C4-4BCD-93E2-E3B085C9AB24}">
+                <p16:designElem xmlns:p16="http://schemas.microsoft.com/office/powerpoint/2015/main" val="1"/>
+              </p:ext>
+            </p:extLst>
+          </p:nvPr>
+        </p:nvSpPr>
+        <p:spPr>
+          <a:xfrm>
+            <a:off x="2" y="0"/>
+            <a:ext cx="9756601" cy="6858000"/>
+          </a:xfrm>
+          <a:prstGeom prst="rect">
+            <a:avLst/>
+          </a:prstGeom>
+          <a:gradFill>
+            <a:gsLst>
+              <a:gs pos="58000">
+                <a:schemeClr val="tx1"/>
+              </a:gs>
+              <a:gs pos="35000">
+                <a:schemeClr val="tx1">
+                  <a:alpha val="78000"/>
+                </a:schemeClr>
+              </a:gs>
+              <a:gs pos="19000">
+                <a:schemeClr val="tx1">
+                  <a:alpha val="38000"/>
+                </a:schemeClr>
+              </a:gs>
+              <a:gs pos="0">
+                <a:schemeClr val="tx1">
+                  <a:alpha val="0"/>
+                </a:schemeClr>
+              </a:gs>
+              <a:gs pos="100000">
+                <a:schemeClr val="tx1"/>
+              </a:gs>
+            </a:gsLst>
+            <a:lin ang="10800000" scaled="0"/>
+          </a:gradFill>
+          <a:ln>
+            <a:noFill/>
+          </a:ln>
+        </p:spPr>
+        <p:style>
+          <a:lnRef idx="2">
+            <a:schemeClr val="accent1">
+              <a:shade val="50000"/>
+            </a:schemeClr>
+          </a:lnRef>
+          <a:fillRef idx="1">
+            <a:schemeClr val="accent1"/>
+          </a:fillRef>
+          <a:effectRef idx="0">
+            <a:schemeClr val="accent1"/>
+          </a:effectRef>
+          <a:fontRef idx="minor">
+            <a:schemeClr val="lt1"/>
+          </a:fontRef>
+        </p:style>
+        <p:txBody>
+          <a:bodyPr rtlCol="0" anchor="ctr"/>
+          <a:lstStyle/>
+          <a:p>
+            <a:pPr algn="ctr"/>
+            <a:endParaRPr lang="pt-BR" noProof="0" dirty="0"/>
+          </a:p>
+        </p:txBody>
+      </p:sp>
+      <p:sp>
+        <p:nvSpPr>
+          <p:cNvPr id="2" name="Título 1">
+            <a:extLst>
+              <a:ext uri="{FF2B5EF4-FFF2-40B4-BE49-F238E27FC236}">
+                <a16:creationId xmlns:a16="http://schemas.microsoft.com/office/drawing/2014/main" id="{9F4EDEF1-3319-F3B1-C32D-05155720333C}"/>
+              </a:ext>
+            </a:extLst>
+          </p:cNvPr>
+          <p:cNvSpPr>
+            <a:spLocks noGrp="1"/>
+          </p:cNvSpPr>
+          <p:nvPr>
+            <p:ph type="title"/>
+          </p:nvPr>
+        </p:nvSpPr>
+        <p:spPr>
+          <a:xfrm>
+            <a:off x="371094" y="1161288"/>
+            <a:ext cx="3438144" cy="1124712"/>
+          </a:xfrm>
+        </p:spPr>
+        <p:txBody>
+          <a:bodyPr anchor="b">
+            <a:normAutofit/>
+          </a:bodyPr>
+          <a:lstStyle/>
+          <a:p>
+            <a:r>
+              <a:rPr lang="pt-BR" sz="2800" noProof="0" dirty="0">
+                <a:solidFill>
+                  <a:schemeClr val="bg1"/>
+                </a:solidFill>
+              </a:rPr>
+              <a:t>Análise exploratória</a:t>
+            </a:r>
+          </a:p>
+        </p:txBody>
+      </p:sp>
+      <p:sp>
+        <p:nvSpPr>
+          <p:cNvPr id="21" name="Rectangle 15">
+            <a:extLst>
+              <a:ext uri="{FF2B5EF4-FFF2-40B4-BE49-F238E27FC236}">
+                <a16:creationId xmlns:a16="http://schemas.microsoft.com/office/drawing/2014/main" id="{6FD05660-7883-E0E0-2419-389AE2DEB28D}"/>
+              </a:ext>
+              <a:ext uri="{C183D7F6-B498-43B3-948B-1728B52AA6E4}">
+                <adec:decorative xmlns:adec="http://schemas.microsoft.com/office/drawing/2017/decorative" val="1"/>
+              </a:ext>
+            </a:extLst>
+          </p:cNvPr>
+          <p:cNvSpPr>
+            <a:spLocks noGrp="1" noRot="1" noChangeAspect="1" noMove="1" noResize="1" noEditPoints="1" noAdjustHandles="1" noChangeArrowheads="1" noChangeShapeType="1" noTextEdit="1"/>
+          </p:cNvSpPr>
+          <p:nvPr>
+            <p:extLst>
+              <p:ext uri="{386F3935-93C4-4BCD-93E2-E3B085C9AB24}">
+                <p16:designElem xmlns:p16="http://schemas.microsoft.com/office/powerpoint/2015/main" val="1"/>
+              </p:ext>
+            </p:extLst>
+          </p:nvPr>
+        </p:nvSpPr>
+        <p:spPr>
+          <a:xfrm rot="5400000">
+            <a:off x="662559" y="605790"/>
+            <a:ext cx="73152" cy="548640"/>
+          </a:xfrm>
+          <a:prstGeom prst="rect">
+            <a:avLst/>
+          </a:prstGeom>
+          <a:solidFill>
+            <a:schemeClr val="accent2"/>
+          </a:solidFill>
+          <a:ln>
+            <a:noFill/>
+          </a:ln>
+        </p:spPr>
+        <p:style>
+          <a:lnRef idx="2">
+            <a:schemeClr val="accent1">
+              <a:shade val="50000"/>
+            </a:schemeClr>
+          </a:lnRef>
+          <a:fillRef idx="1">
+            <a:schemeClr val="accent1"/>
+          </a:fillRef>
+          <a:effectRef idx="0">
+            <a:schemeClr val="accent1"/>
+          </a:effectRef>
+          <a:fontRef idx="minor">
+            <a:schemeClr val="lt1"/>
+          </a:fontRef>
+        </p:style>
+        <p:txBody>
+          <a:bodyPr rtlCol="0" anchor="ctr"/>
+          <a:lstStyle/>
+          <a:p>
+            <a:pPr algn="ctr"/>
+            <a:endParaRPr lang="pt-BR" noProof="0" dirty="0">
+              <a:solidFill>
+                <a:prstClr val="white"/>
+              </a:solidFill>
+              <a:latin typeface="Calibri" panose="020F0502020204030204"/>
+            </a:endParaRPr>
+          </a:p>
+        </p:txBody>
+      </p:sp>
+      <p:sp>
+        <p:nvSpPr>
+          <p:cNvPr id="18" name="Rectangle 17">
+            <a:extLst>
+              <a:ext uri="{FF2B5EF4-FFF2-40B4-BE49-F238E27FC236}">
+                <a16:creationId xmlns:a16="http://schemas.microsoft.com/office/drawing/2014/main" id="{19C77C16-F894-FB2A-90F4-41281E2374AE}"/>
+              </a:ext>
+              <a:ext uri="{C183D7F6-B498-43B3-948B-1728B52AA6E4}">
+                <adec:decorative xmlns:adec="http://schemas.microsoft.com/office/drawing/2017/decorative" val="1"/>
+              </a:ext>
+            </a:extLst>
+          </p:cNvPr>
+          <p:cNvSpPr>
+            <a:spLocks noGrp="1" noRot="1" noChangeAspect="1" noMove="1" noResize="1" noEditPoints="1" noAdjustHandles="1" noChangeArrowheads="1" noChangeShapeType="1" noTextEdit="1"/>
+          </p:cNvSpPr>
+          <p:nvPr>
+            <p:extLst>
+              <p:ext uri="{386F3935-93C4-4BCD-93E2-E3B085C9AB24}">
+                <p16:designElem xmlns:p16="http://schemas.microsoft.com/office/powerpoint/2015/main" val="1"/>
+              </p:ext>
+            </p:extLst>
+          </p:nvPr>
+        </p:nvSpPr>
+        <p:spPr>
+          <a:xfrm>
+            <a:off x="428244" y="2443480"/>
+            <a:ext cx="3300984" cy="9144"/>
+          </a:xfrm>
+          <a:prstGeom prst="rect">
+            <a:avLst/>
+          </a:prstGeom>
+          <a:solidFill>
+            <a:schemeClr val="tx1"/>
+          </a:solidFill>
+          <a:ln w="3175">
+            <a:solidFill>
+              <a:schemeClr val="bg1"/>
+            </a:solidFill>
+          </a:ln>
+          <a:effectLst/>
+        </p:spPr>
+        <p:style>
+          <a:lnRef idx="2">
+            <a:schemeClr val="accent1">
+              <a:shade val="50000"/>
+            </a:schemeClr>
+          </a:lnRef>
+          <a:fillRef idx="1">
+            <a:schemeClr val="accent1"/>
+          </a:fillRef>
+          <a:effectRef idx="0">
+            <a:schemeClr val="accent1"/>
+          </a:effectRef>
+          <a:fontRef idx="minor">
+            <a:schemeClr val="lt1"/>
+          </a:fontRef>
+        </p:style>
+        <p:txBody>
+          <a:bodyPr rtlCol="0" anchor="ctr"/>
+          <a:lstStyle/>
+          <a:p>
+            <a:pPr marL="0" marR="0" lvl="0" indent="0" algn="ctr" defTabSz="914400" rtl="0" eaLnBrk="1" fontAlgn="auto" latinLnBrk="0" hangingPunct="1">
+              <a:lnSpc>
+                <a:spcPct val="100000"/>
+              </a:lnSpc>
+              <a:spcBef>
+                <a:spcPts val="0"/>
+              </a:spcBef>
+              <a:spcAft>
+                <a:spcPts val="0"/>
+              </a:spcAft>
+              <a:buClrTx/>
+              <a:buSzTx/>
+              <a:buFontTx/>
+              <a:buNone/>
+              <a:tabLst/>
+              <a:defRPr/>
+            </a:pPr>
+            <a:endParaRPr kumimoji="0" lang="pt-BR" sz="1800" b="0" i="0" u="none" strike="noStrike" kern="1200" cap="none" spc="0" normalizeH="0" baseline="0" noProof="0" dirty="0">
+              <a:ln>
+                <a:noFill/>
+              </a:ln>
+              <a:solidFill>
+                <a:prstClr val="white"/>
+              </a:solidFill>
+              <a:effectLst/>
+              <a:uLnTx/>
+              <a:uFillTx/>
+              <a:latin typeface="Calibri" panose="020F0502020204030204"/>
+              <a:ea typeface="+mn-ea"/>
+              <a:cs typeface="+mn-cs"/>
+            </a:endParaRPr>
+          </a:p>
+        </p:txBody>
+      </p:sp>
+      <p:sp>
+        <p:nvSpPr>
+          <p:cNvPr id="9" name="Content Placeholder 8">
+            <a:extLst>
+              <a:ext uri="{FF2B5EF4-FFF2-40B4-BE49-F238E27FC236}">
+                <a16:creationId xmlns:a16="http://schemas.microsoft.com/office/drawing/2014/main" id="{CB45536C-FCE2-F789-0023-74A4558869B2}"/>
+              </a:ext>
+            </a:extLst>
+          </p:cNvPr>
+          <p:cNvSpPr>
+            <a:spLocks noGrp="1"/>
+          </p:cNvSpPr>
+          <p:nvPr>
+            <p:ph idx="1"/>
+          </p:nvPr>
+        </p:nvSpPr>
+        <p:spPr>
+          <a:xfrm>
+            <a:off x="371093" y="2718053"/>
+            <a:ext cx="4382061" cy="3743131"/>
+          </a:xfrm>
+        </p:spPr>
+        <p:txBody>
+          <a:bodyPr anchor="t">
+            <a:normAutofit/>
+          </a:bodyPr>
+          <a:lstStyle/>
+          <a:p>
+            <a:pPr algn="just"/>
+            <a:endParaRPr lang="pt-BR" sz="1700" b="1" noProof="0" dirty="0">
+              <a:solidFill>
+                <a:schemeClr val="bg1"/>
+              </a:solidFill>
+            </a:endParaRPr>
+          </a:p>
+        </p:txBody>
+      </p:sp>
+    </p:spTree>
+    <p:extLst>
+      <p:ext uri="{BB962C8B-B14F-4D97-AF65-F5344CB8AC3E}">
+        <p14:creationId xmlns:p14="http://schemas.microsoft.com/office/powerpoint/2010/main" val="3016640367"/>
+      </p:ext>
+    </p:extLst>
+  </p:cSld>
+  <p:clrMapOvr>
+    <a:masterClrMapping/>
   </p:clrMapOvr>
 </p:sld>
 </file>

--- a/05_Documentacao/01_Power_point/Otimização de Custos de Ações Judiciais.pptx
+++ b/05_Documentacao/01_Power_point/Otimização de Custos de Ações Judiciais.pptx
@@ -13,11 +13,15 @@
     <p:sldId id="284" r:id="rId7"/>
     <p:sldId id="283" r:id="rId8"/>
     <p:sldId id="287" r:id="rId9"/>
-    <p:sldId id="288" r:id="rId10"/>
+    <p:sldId id="297" r:id="rId10"/>
     <p:sldId id="289" r:id="rId11"/>
-    <p:sldId id="290" r:id="rId12"/>
-    <p:sldId id="291" r:id="rId13"/>
-    <p:sldId id="292" r:id="rId14"/>
+    <p:sldId id="293" r:id="rId12"/>
+    <p:sldId id="294" r:id="rId13"/>
+    <p:sldId id="290" r:id="rId14"/>
+    <p:sldId id="295" r:id="rId15"/>
+    <p:sldId id="296" r:id="rId16"/>
+    <p:sldId id="291" r:id="rId17"/>
+    <p:sldId id="292" r:id="rId18"/>
   </p:sldIdLst>
   <p:sldSz cx="12192000" cy="6858000"/>
   <p:notesSz cx="6858000" cy="9144000"/>
@@ -271,7 +275,7 @@
           <a:p>
             <a:fld id="{7C5C64AF-CB1E-4466-AA6C-9F57C4F9061D}" type="datetimeFigureOut">
               <a:rPr lang="pt-BR" smtClean="0"/>
-              <a:t>07/04/2025</a:t>
+              <a:t>28/04/2025</a:t>
             </a:fld>
             <a:endParaRPr lang="pt-BR" dirty="0"/>
           </a:p>
@@ -469,7 +473,7 @@
           <a:p>
             <a:fld id="{7C5C64AF-CB1E-4466-AA6C-9F57C4F9061D}" type="datetimeFigureOut">
               <a:rPr lang="pt-BR" smtClean="0"/>
-              <a:t>07/04/2025</a:t>
+              <a:t>28/04/2025</a:t>
             </a:fld>
             <a:endParaRPr lang="pt-BR" dirty="0"/>
           </a:p>
@@ -677,7 +681,7 @@
           <a:p>
             <a:fld id="{7C5C64AF-CB1E-4466-AA6C-9F57C4F9061D}" type="datetimeFigureOut">
               <a:rPr lang="pt-BR" smtClean="0"/>
-              <a:t>07/04/2025</a:t>
+              <a:t>28/04/2025</a:t>
             </a:fld>
             <a:endParaRPr lang="pt-BR" dirty="0"/>
           </a:p>
@@ -875,7 +879,7 @@
           <a:p>
             <a:fld id="{7C5C64AF-CB1E-4466-AA6C-9F57C4F9061D}" type="datetimeFigureOut">
               <a:rPr lang="pt-BR" smtClean="0"/>
-              <a:t>07/04/2025</a:t>
+              <a:t>28/04/2025</a:t>
             </a:fld>
             <a:endParaRPr lang="pt-BR" dirty="0"/>
           </a:p>
@@ -1150,7 +1154,7 @@
           <a:p>
             <a:fld id="{7C5C64AF-CB1E-4466-AA6C-9F57C4F9061D}" type="datetimeFigureOut">
               <a:rPr lang="pt-BR" smtClean="0"/>
-              <a:t>07/04/2025</a:t>
+              <a:t>28/04/2025</a:t>
             </a:fld>
             <a:endParaRPr lang="pt-BR" dirty="0"/>
           </a:p>
@@ -1415,7 +1419,7 @@
           <a:p>
             <a:fld id="{7C5C64AF-CB1E-4466-AA6C-9F57C4F9061D}" type="datetimeFigureOut">
               <a:rPr lang="pt-BR" smtClean="0"/>
-              <a:t>07/04/2025</a:t>
+              <a:t>28/04/2025</a:t>
             </a:fld>
             <a:endParaRPr lang="pt-BR" dirty="0"/>
           </a:p>
@@ -1827,7 +1831,7 @@
           <a:p>
             <a:fld id="{7C5C64AF-CB1E-4466-AA6C-9F57C4F9061D}" type="datetimeFigureOut">
               <a:rPr lang="pt-BR" smtClean="0"/>
-              <a:t>07/04/2025</a:t>
+              <a:t>28/04/2025</a:t>
             </a:fld>
             <a:endParaRPr lang="pt-BR" dirty="0"/>
           </a:p>
@@ -1968,7 +1972,7 @@
           <a:p>
             <a:fld id="{7C5C64AF-CB1E-4466-AA6C-9F57C4F9061D}" type="datetimeFigureOut">
               <a:rPr lang="pt-BR" smtClean="0"/>
-              <a:t>07/04/2025</a:t>
+              <a:t>28/04/2025</a:t>
             </a:fld>
             <a:endParaRPr lang="pt-BR" dirty="0"/>
           </a:p>
@@ -2081,7 +2085,7 @@
           <a:p>
             <a:fld id="{7C5C64AF-CB1E-4466-AA6C-9F57C4F9061D}" type="datetimeFigureOut">
               <a:rPr lang="pt-BR" smtClean="0"/>
-              <a:t>07/04/2025</a:t>
+              <a:t>28/04/2025</a:t>
             </a:fld>
             <a:endParaRPr lang="pt-BR" dirty="0"/>
           </a:p>
@@ -2392,7 +2396,7 @@
           <a:p>
             <a:fld id="{7C5C64AF-CB1E-4466-AA6C-9F57C4F9061D}" type="datetimeFigureOut">
               <a:rPr lang="pt-BR" smtClean="0"/>
-              <a:t>07/04/2025</a:t>
+              <a:t>28/04/2025</a:t>
             </a:fld>
             <a:endParaRPr lang="pt-BR" dirty="0"/>
           </a:p>
@@ -2680,7 +2684,7 @@
           <a:p>
             <a:fld id="{7C5C64AF-CB1E-4466-AA6C-9F57C4F9061D}" type="datetimeFigureOut">
               <a:rPr lang="pt-BR" smtClean="0"/>
-              <a:t>07/04/2025</a:t>
+              <a:t>28/04/2025</a:t>
             </a:fld>
             <a:endParaRPr lang="pt-BR" dirty="0"/>
           </a:p>
@@ -2921,7 +2925,7 @@
           <a:p>
             <a:fld id="{7C5C64AF-CB1E-4466-AA6C-9F57C4F9061D}" type="datetimeFigureOut">
               <a:rPr lang="pt-BR" smtClean="0"/>
-              <a:t>07/04/2025</a:t>
+              <a:t>28/04/2025</a:t>
             </a:fld>
             <a:endParaRPr lang="pt-BR" dirty="0"/>
           </a:p>
@@ -4396,7 +4400,7 @@
         <p:spPr>
           <a:xfrm>
             <a:off x="371094" y="2718054"/>
-            <a:ext cx="3438144" cy="3207258"/>
+            <a:ext cx="5724906" cy="3207258"/>
           </a:xfrm>
         </p:spPr>
         <p:txBody>
@@ -4412,7 +4416,7 @@
                   <a:schemeClr val="bg1"/>
                 </a:solidFill>
               </a:rPr>
-              <a:t>A </a:t>
+              <a:t>As </a:t>
             </a:r>
             <a:r>
               <a:rPr lang="en-US" sz="1700" noProof="0" dirty="0" err="1">
@@ -4420,7 +4424,7 @@
                   <a:schemeClr val="bg1"/>
                 </a:solidFill>
               </a:rPr>
-              <a:t>variável</a:t>
+              <a:t>técnicas</a:t>
             </a:r>
             <a:r>
               <a:rPr lang="en-US" sz="1700" noProof="0" dirty="0">
@@ -4436,7 +4440,7 @@
                   <a:schemeClr val="bg1"/>
                 </a:solidFill>
               </a:rPr>
-              <a:t>objetivo</a:t>
+              <a:t>utilizadas</a:t>
             </a:r>
             <a:r>
               <a:rPr lang="en-US" sz="1700" noProof="0" dirty="0">
@@ -4444,7 +4448,7 @@
                   <a:schemeClr val="bg1"/>
                 </a:solidFill>
               </a:rPr>
-              <a:t> do </a:t>
+              <a:t> </a:t>
             </a:r>
             <a:r>
               <a:rPr lang="en-US" sz="1700" noProof="0" dirty="0" err="1">
@@ -4452,7 +4456,7 @@
                   <a:schemeClr val="bg1"/>
                 </a:solidFill>
               </a:rPr>
-              <a:t>projeto</a:t>
+              <a:t>durante</a:t>
             </a:r>
             <a:r>
               <a:rPr lang="en-US" sz="1700" noProof="0" dirty="0">
@@ -4460,7 +4464,7 @@
                   <a:schemeClr val="bg1"/>
                 </a:solidFill>
               </a:rPr>
-              <a:t> é </a:t>
+              <a:t> o </a:t>
             </a:r>
             <a:r>
               <a:rPr lang="en-US" sz="1700" noProof="0" dirty="0" err="1">
@@ -4468,7 +4472,7 @@
                   <a:schemeClr val="bg1"/>
                 </a:solidFill>
               </a:rPr>
-              <a:t>Sentenças</a:t>
+              <a:t>processo</a:t>
             </a:r>
             <a:r>
               <a:rPr lang="en-US" sz="1700" noProof="0" dirty="0">
@@ -4476,9 +4480,227 @@
                   <a:schemeClr val="bg1"/>
                 </a:solidFill>
               </a:rPr>
-              <a:t>.</a:t>
-            </a:r>
-            <a:endParaRPr lang="pt-BR" sz="1700" noProof="0" dirty="0">
+              <a:t> de Análise </a:t>
+            </a:r>
+            <a:r>
+              <a:rPr lang="en-US" sz="1700" noProof="0" dirty="0" err="1">
+                <a:solidFill>
+                  <a:schemeClr val="bg1"/>
+                </a:solidFill>
+              </a:rPr>
+              <a:t>foram</a:t>
+            </a:r>
+            <a:r>
+              <a:rPr lang="en-US" sz="1700" noProof="0" dirty="0">
+                <a:solidFill>
+                  <a:schemeClr val="bg1"/>
+                </a:solidFill>
+              </a:rPr>
+              <a:t>:</a:t>
+            </a:r>
+          </a:p>
+          <a:p>
+            <a:pPr lvl="1" algn="just"/>
+            <a:r>
+              <a:rPr lang="en-US" sz="1300" dirty="0" err="1">
+                <a:solidFill>
+                  <a:schemeClr val="bg1"/>
+                </a:solidFill>
+              </a:rPr>
+              <a:t>Tabela</a:t>
+            </a:r>
+            <a:r>
+              <a:rPr lang="en-US" sz="1300" dirty="0">
+                <a:solidFill>
+                  <a:schemeClr val="bg1"/>
+                </a:solidFill>
+              </a:rPr>
+              <a:t> </a:t>
+            </a:r>
+            <a:r>
+              <a:rPr lang="en-US" sz="1300" dirty="0" err="1">
+                <a:solidFill>
+                  <a:schemeClr val="bg1"/>
+                </a:solidFill>
+              </a:rPr>
+              <a:t>dinâmica</a:t>
+            </a:r>
+            <a:r>
+              <a:rPr lang="en-US" sz="1300" dirty="0">
+                <a:solidFill>
+                  <a:schemeClr val="bg1"/>
+                </a:solidFill>
+              </a:rPr>
+              <a:t>;</a:t>
+            </a:r>
+          </a:p>
+          <a:p>
+            <a:pPr lvl="1" algn="just"/>
+            <a:r>
+              <a:rPr lang="en-US" sz="1300" noProof="0" dirty="0" err="1">
+                <a:solidFill>
+                  <a:schemeClr val="bg1"/>
+                </a:solidFill>
+              </a:rPr>
+              <a:t>Tabela</a:t>
+            </a:r>
+            <a:r>
+              <a:rPr lang="en-US" sz="1300" noProof="0" dirty="0">
+                <a:solidFill>
+                  <a:schemeClr val="bg1"/>
+                </a:solidFill>
+              </a:rPr>
+              <a:t> </a:t>
+            </a:r>
+            <a:r>
+              <a:rPr lang="en-US" sz="1300" noProof="0" dirty="0" err="1">
+                <a:solidFill>
+                  <a:schemeClr val="bg1"/>
+                </a:solidFill>
+              </a:rPr>
+              <a:t>resumo</a:t>
+            </a:r>
+            <a:r>
+              <a:rPr lang="en-US" sz="1300" noProof="0" dirty="0">
+                <a:solidFill>
+                  <a:schemeClr val="bg1"/>
+                </a:solidFill>
+              </a:rPr>
+              <a:t> com dados </a:t>
+            </a:r>
+            <a:r>
+              <a:rPr lang="en-US" sz="1300" noProof="0" dirty="0" err="1">
+                <a:solidFill>
+                  <a:schemeClr val="bg1"/>
+                </a:solidFill>
+              </a:rPr>
+              <a:t>estatísticos</a:t>
+            </a:r>
+            <a:r>
+              <a:rPr lang="en-US" sz="1300" noProof="0" dirty="0">
+                <a:solidFill>
+                  <a:schemeClr val="bg1"/>
+                </a:solidFill>
+              </a:rPr>
+              <a:t> (</a:t>
+            </a:r>
+            <a:r>
+              <a:rPr lang="en-US" sz="1300" noProof="0" dirty="0" err="1">
+                <a:solidFill>
+                  <a:schemeClr val="bg1"/>
+                </a:solidFill>
+              </a:rPr>
+              <a:t>medidas</a:t>
+            </a:r>
+            <a:r>
+              <a:rPr lang="en-US" sz="1300" noProof="0" dirty="0">
+                <a:solidFill>
+                  <a:schemeClr val="bg1"/>
+                </a:solidFill>
+              </a:rPr>
+              <a:t> de </a:t>
+            </a:r>
+            <a:r>
+              <a:rPr lang="en-US" sz="1300" noProof="0" dirty="0" err="1">
+                <a:solidFill>
+                  <a:schemeClr val="bg1"/>
+                </a:solidFill>
+              </a:rPr>
+              <a:t>posição</a:t>
+            </a:r>
+            <a:r>
+              <a:rPr lang="en-US" sz="1300" noProof="0" dirty="0">
+                <a:solidFill>
+                  <a:schemeClr val="bg1"/>
+                </a:solidFill>
+              </a:rPr>
+              <a:t> e </a:t>
+            </a:r>
+            <a:r>
+              <a:rPr lang="en-US" sz="1300" noProof="0" dirty="0" err="1">
+                <a:solidFill>
+                  <a:schemeClr val="bg1"/>
+                </a:solidFill>
+              </a:rPr>
+              <a:t>disperção</a:t>
+            </a:r>
+            <a:r>
+              <a:rPr lang="en-US" sz="1300" noProof="0" dirty="0">
+                <a:solidFill>
+                  <a:schemeClr val="bg1"/>
+                </a:solidFill>
+              </a:rPr>
+              <a:t>);</a:t>
+            </a:r>
+          </a:p>
+          <a:p>
+            <a:pPr lvl="1" algn="just"/>
+            <a:r>
+              <a:rPr lang="pt-BR" sz="1300" noProof="0" dirty="0" err="1">
+                <a:solidFill>
+                  <a:schemeClr val="bg1"/>
+                </a:solidFill>
+              </a:rPr>
+              <a:t>Information</a:t>
+            </a:r>
+            <a:r>
+              <a:rPr lang="pt-BR" sz="1300" noProof="0" dirty="0">
+                <a:solidFill>
+                  <a:schemeClr val="bg1"/>
+                </a:solidFill>
+              </a:rPr>
+              <a:t> </a:t>
+            </a:r>
+            <a:r>
+              <a:rPr lang="pt-BR" sz="1300" noProof="0" dirty="0" err="1">
+                <a:solidFill>
+                  <a:schemeClr val="bg1"/>
+                </a:solidFill>
+              </a:rPr>
+              <a:t>Value</a:t>
+            </a:r>
+            <a:r>
+              <a:rPr lang="pt-BR" sz="1300" noProof="0" dirty="0">
+                <a:solidFill>
+                  <a:schemeClr val="bg1"/>
+                </a:solidFill>
+              </a:rPr>
+              <a:t> (IV);</a:t>
+            </a:r>
+          </a:p>
+          <a:p>
+            <a:pPr lvl="1" algn="just"/>
+            <a:r>
+              <a:rPr lang="pt-BR" sz="1300" dirty="0">
+                <a:solidFill>
+                  <a:schemeClr val="bg1"/>
+                </a:solidFill>
+              </a:rPr>
+              <a:t>Correlação de Person;</a:t>
+            </a:r>
+          </a:p>
+          <a:p>
+            <a:pPr lvl="1" algn="just"/>
+            <a:r>
+              <a:rPr lang="pt-BR" sz="1300" noProof="0" dirty="0">
+                <a:solidFill>
+                  <a:schemeClr val="bg1"/>
+                </a:solidFill>
+              </a:rPr>
+              <a:t>R² e</a:t>
+            </a:r>
+          </a:p>
+          <a:p>
+            <a:pPr lvl="1" algn="just"/>
+            <a:r>
+              <a:rPr lang="pt-BR" sz="1300" dirty="0">
+                <a:solidFill>
+                  <a:schemeClr val="bg1"/>
+                </a:solidFill>
+              </a:rPr>
+              <a:t>Gráficos.</a:t>
+            </a:r>
+            <a:endParaRPr lang="pt-BR" sz="1300" noProof="0" dirty="0">
               <a:solidFill>
                 <a:schemeClr val="bg1"/>
               </a:solidFill>
@@ -4515,7 +4737,7 @@
         <p:cNvPr id="1" name="">
           <a:extLst>
             <a:ext uri="{FF2B5EF4-FFF2-40B4-BE49-F238E27FC236}">
-              <a16:creationId xmlns:a16="http://schemas.microsoft.com/office/drawing/2014/main" id="{46528EB8-1DB7-BC56-3935-900672059847}"/>
+              <a16:creationId xmlns:a16="http://schemas.microsoft.com/office/drawing/2014/main" id="{3D68DE61-E620-F694-C2B4-6373D4855D8A}"/>
             </a:ext>
           </a:extLst>
         </p:cNvPr>
@@ -4535,7 +4757,7 @@
           <p:cNvPr id="19" name="Rectangle 11">
             <a:extLst>
               <a:ext uri="{FF2B5EF4-FFF2-40B4-BE49-F238E27FC236}">
-                <a16:creationId xmlns:a16="http://schemas.microsoft.com/office/drawing/2014/main" id="{DFB401F8-F463-A41A-EC16-0B8FE4869428}"/>
+                <a16:creationId xmlns:a16="http://schemas.microsoft.com/office/drawing/2014/main" id="{8C64CAB1-6405-D607-5A56-1DE726E7630D}"/>
               </a:ext>
               <a:ext uri="{C183D7F6-B498-43B3-948B-1728B52AA6E4}">
                 <adec:decorative xmlns:adec="http://schemas.microsoft.com/office/drawing/2017/decorative" val="1"/>
@@ -4595,7 +4817,7 @@
           <p:cNvPr id="5" name="Espaço Reservado para Conteúdo 4" descr="Uma imagem contendo no interior, mesa, vivendo, quarto&#10;&#10;O conteúdo gerado por IA pode estar incorreto.">
             <a:extLst>
               <a:ext uri="{FF2B5EF4-FFF2-40B4-BE49-F238E27FC236}">
-                <a16:creationId xmlns:a16="http://schemas.microsoft.com/office/drawing/2014/main" id="{18BF3E7A-078F-26C5-5AA3-550ACBBB1693}"/>
+                <a16:creationId xmlns:a16="http://schemas.microsoft.com/office/drawing/2014/main" id="{8CA49734-E57C-BE37-F54B-743CC00DFD65}"/>
               </a:ext>
             </a:extLst>
           </p:cNvPr>
@@ -4630,7 +4852,7 @@
           <p:cNvPr id="20" name="Rectangle 13">
             <a:extLst>
               <a:ext uri="{FF2B5EF4-FFF2-40B4-BE49-F238E27FC236}">
-                <a16:creationId xmlns:a16="http://schemas.microsoft.com/office/drawing/2014/main" id="{A23008DF-303A-52D1-0E11-3050109D4C59}"/>
+                <a16:creationId xmlns:a16="http://schemas.microsoft.com/office/drawing/2014/main" id="{3DF36BF4-0CE1-3030-52EC-5984E12F19E4}"/>
               </a:ext>
               <a:ext uri="{C183D7F6-B498-43B3-948B-1728B52AA6E4}">
                 <adec:decorative xmlns:adec="http://schemas.microsoft.com/office/drawing/2017/decorative" val="1"/>
@@ -4716,7 +4938,7 @@
           <p:cNvPr id="2" name="Título 1">
             <a:extLst>
               <a:ext uri="{FF2B5EF4-FFF2-40B4-BE49-F238E27FC236}">
-                <a16:creationId xmlns:a16="http://schemas.microsoft.com/office/drawing/2014/main" id="{E87CB09B-5A56-B5C9-FE42-D31C62A7EC68}"/>
+                <a16:creationId xmlns:a16="http://schemas.microsoft.com/office/drawing/2014/main" id="{81E42588-558D-14F8-BB31-8A3EF469ED05}"/>
               </a:ext>
             </a:extLst>
           </p:cNvPr>
@@ -4745,7 +4967,7 @@
                   <a:schemeClr val="bg1"/>
                 </a:solidFill>
               </a:rPr>
-              <a:t>Resultados obtidos</a:t>
+              <a:t>Análise exploratória</a:t>
             </a:r>
           </a:p>
         </p:txBody>
@@ -4755,7 +4977,7 @@
           <p:cNvPr id="21" name="Rectangle 15">
             <a:extLst>
               <a:ext uri="{FF2B5EF4-FFF2-40B4-BE49-F238E27FC236}">
-                <a16:creationId xmlns:a16="http://schemas.microsoft.com/office/drawing/2014/main" id="{03908EBC-B60D-FE2D-A06C-61D2CC99BC3E}"/>
+                <a16:creationId xmlns:a16="http://schemas.microsoft.com/office/drawing/2014/main" id="{3E18B645-E199-8E5F-2485-EB02805CDE1F}"/>
               </a:ext>
               <a:ext uri="{C183D7F6-B498-43B3-948B-1728B52AA6E4}">
                 <adec:decorative xmlns:adec="http://schemas.microsoft.com/office/drawing/2017/decorative" val="1"/>
@@ -4823,7 +5045,7 @@
           <p:cNvPr id="18" name="Rectangle 17">
             <a:extLst>
               <a:ext uri="{FF2B5EF4-FFF2-40B4-BE49-F238E27FC236}">
-                <a16:creationId xmlns:a16="http://schemas.microsoft.com/office/drawing/2014/main" id="{ADFA94BB-F1A1-AFDD-03CB-D35720D80E85}"/>
+                <a16:creationId xmlns:a16="http://schemas.microsoft.com/office/drawing/2014/main" id="{F1036455-3C5F-4905-26A9-70170F6E17E2}"/>
               </a:ext>
               <a:ext uri="{C183D7F6-B498-43B3-948B-1728B52AA6E4}">
                 <adec:decorative xmlns:adec="http://schemas.microsoft.com/office/drawing/2017/decorative" val="1"/>
@@ -4918,7 +5140,7 @@
           <p:cNvPr id="9" name="Content Placeholder 8">
             <a:extLst>
               <a:ext uri="{FF2B5EF4-FFF2-40B4-BE49-F238E27FC236}">
-                <a16:creationId xmlns:a16="http://schemas.microsoft.com/office/drawing/2014/main" id="{C9C1CA76-2103-4930-322F-438A6C1523F0}"/>
+                <a16:creationId xmlns:a16="http://schemas.microsoft.com/office/drawing/2014/main" id="{FD000F65-E492-4C61-034C-BDBFFD981629}"/>
               </a:ext>
             </a:extLst>
           </p:cNvPr>
@@ -4932,7 +5154,7 @@
         <p:spPr>
           <a:xfrm>
             <a:off x="371093" y="2718053"/>
-            <a:ext cx="4382061" cy="3743131"/>
+            <a:ext cx="5724907" cy="3743131"/>
           </a:xfrm>
         </p:spPr>
         <p:txBody>
@@ -4942,14 +5164,1156 @@
           <a:lstStyle/>
           <a:p>
             <a:pPr algn="just"/>
-            <a:endParaRPr lang="pt-BR" sz="1700" b="1" noProof="0" dirty="0">
+            <a:r>
+              <a:rPr lang="pt-BR" sz="1700" b="1" noProof="0" dirty="0">
+                <a:solidFill>
+                  <a:schemeClr val="bg1"/>
+                </a:solidFill>
+              </a:rPr>
+              <a:t>Durante a Análise Exploratória dos Dados (AED) foi possível perceber algumas informações importantes, tais como:</a:t>
+            </a:r>
+          </a:p>
+          <a:p>
+            <a:pPr lvl="1" algn="just"/>
+            <a:r>
+              <a:rPr lang="pt-BR" sz="1300" b="1" noProof="0" dirty="0">
+                <a:solidFill>
+                  <a:schemeClr val="bg1"/>
+                </a:solidFill>
+              </a:rPr>
+              <a:t>44,44% das sentenças foram julgadas como improcedente</a:t>
+            </a:r>
+            <a:r>
+              <a:rPr lang="pt-BR" sz="1300" b="1" dirty="0">
+                <a:solidFill>
+                  <a:schemeClr val="bg1"/>
+                </a:solidFill>
+              </a:rPr>
+              <a:t>;</a:t>
+            </a:r>
+          </a:p>
+          <a:p>
+            <a:pPr lvl="1" algn="just"/>
+            <a:r>
+              <a:rPr lang="pt-BR" sz="1300" b="1" noProof="0" dirty="0">
+                <a:solidFill>
+                  <a:schemeClr val="bg1"/>
+                </a:solidFill>
+              </a:rPr>
+              <a:t>A comarca centro possui 21,11% dos casos;</a:t>
+            </a:r>
+          </a:p>
+          <a:p>
+            <a:pPr lvl="1" algn="just"/>
+            <a:r>
+              <a:rPr lang="pt-BR" sz="1300" b="1" noProof="0" dirty="0">
+                <a:solidFill>
+                  <a:schemeClr val="bg1"/>
+                </a:solidFill>
+              </a:rPr>
+              <a:t>As estratégias A e C juntas possuem 70% dos casos;</a:t>
+            </a:r>
+          </a:p>
+          <a:p>
+            <a:pPr lvl="1" algn="just"/>
+            <a:r>
+              <a:rPr lang="pt-BR" sz="1300" b="1" noProof="0" dirty="0">
+                <a:solidFill>
+                  <a:schemeClr val="bg1"/>
+                </a:solidFill>
+              </a:rPr>
+              <a:t>78,44% dos casos possuem uma taxa que varia entre 2,3 e 4,3;</a:t>
+            </a:r>
+          </a:p>
+          <a:p>
+            <a:pPr lvl="1" algn="just"/>
+            <a:r>
+              <a:rPr lang="pt-BR" sz="1300" b="1" noProof="0" dirty="0">
+                <a:solidFill>
+                  <a:schemeClr val="bg1"/>
+                </a:solidFill>
+              </a:rPr>
+              <a:t>As indenizações possuem um valor médio de R$ 1.694,57;</a:t>
+            </a:r>
+          </a:p>
+          <a:p>
+            <a:pPr lvl="1" algn="just"/>
+            <a:r>
+              <a:rPr lang="pt-BR" sz="1300" b="1" noProof="0" dirty="0">
+                <a:solidFill>
+                  <a:schemeClr val="bg1"/>
+                </a:solidFill>
+              </a:rPr>
+              <a:t>As comarcas Oeste (45,24%), Leste (47,19%) e Sul (49,46%) possuem uma taxa de ganho acima da média (44,44%);</a:t>
+            </a:r>
+          </a:p>
+          <a:p>
+            <a:pPr lvl="1" algn="just"/>
+            <a:r>
+              <a:rPr lang="pt-BR" sz="1300" b="1" noProof="0" dirty="0">
+                <a:solidFill>
+                  <a:schemeClr val="bg1"/>
+                </a:solidFill>
+              </a:rPr>
+              <a:t>A estratégia B (53,33%) possuem uma taxa de ganho acima da média (44,44%);</a:t>
+            </a:r>
+          </a:p>
+          <a:p>
+            <a:pPr lvl="1" algn="just"/>
+            <a:r>
+              <a:rPr lang="pt-BR" sz="1300" b="1" noProof="0" dirty="0">
+                <a:solidFill>
+                  <a:schemeClr val="bg1"/>
+                </a:solidFill>
+              </a:rPr>
+              <a:t>A faixa entre 0,3 e 1,3 de taxa contratada possuem uma taxa de ganho de 75% e</a:t>
+            </a:r>
+          </a:p>
+          <a:p>
+            <a:pPr lvl="1" algn="just"/>
+            <a:r>
+              <a:rPr lang="pt-BR" sz="1300" b="1" noProof="0" dirty="0">
+                <a:solidFill>
+                  <a:schemeClr val="bg1"/>
+                </a:solidFill>
+              </a:rPr>
+              <a:t>A correlação entre as variáveis valor de indenização e taxa contratada é considerada como Fraca (0,28).</a:t>
+            </a:r>
+          </a:p>
+        </p:txBody>
+      </p:sp>
+    </p:spTree>
+    <p:extLst>
+      <p:ext uri="{BB962C8B-B14F-4D97-AF65-F5344CB8AC3E}">
+        <p14:creationId xmlns:p14="http://schemas.microsoft.com/office/powerpoint/2010/main" val="3250421464"/>
+      </p:ext>
+    </p:extLst>
+  </p:cSld>
+  <p:clrMapOvr>
+    <a:masterClrMapping/>
+  </p:clrMapOvr>
+</p:sld>
+</file>
+
+<file path=ppt/slides/slide12.xml><?xml version="1.0" encoding="utf-8"?>
+<p:sld xmlns:a="http://schemas.openxmlformats.org/drawingml/2006/main" xmlns:r="http://schemas.openxmlformats.org/officeDocument/2006/relationships" xmlns:p="http://schemas.openxmlformats.org/presentationml/2006/main">
+  <p:cSld>
+    <p:bg>
+      <p:bgPr>
+        <a:solidFill>
+          <a:schemeClr val="bg1"/>
+        </a:solidFill>
+        <a:effectLst/>
+      </p:bgPr>
+    </p:bg>
+    <p:spTree>
+      <p:nvGrpSpPr>
+        <p:cNvPr id="1" name="">
+          <a:extLst>
+            <a:ext uri="{FF2B5EF4-FFF2-40B4-BE49-F238E27FC236}">
+              <a16:creationId xmlns:a16="http://schemas.microsoft.com/office/drawing/2014/main" id="{2EFCAB0A-1F09-ACC8-C046-650DC5253280}"/>
+            </a:ext>
+          </a:extLst>
+        </p:cNvPr>
+        <p:cNvGrpSpPr/>
+        <p:nvPr/>
+      </p:nvGrpSpPr>
+      <p:grpSpPr>
+        <a:xfrm>
+          <a:off x="0" y="0"/>
+          <a:ext cx="0" cy="0"/>
+          <a:chOff x="0" y="0"/>
+          <a:chExt cx="0" cy="0"/>
+        </a:xfrm>
+      </p:grpSpPr>
+      <p:sp useBgFill="1">
+        <p:nvSpPr>
+          <p:cNvPr id="12" name="Rectangle 11">
+            <a:extLst>
+              <a:ext uri="{FF2B5EF4-FFF2-40B4-BE49-F238E27FC236}">
+                <a16:creationId xmlns:a16="http://schemas.microsoft.com/office/drawing/2014/main" id="{07CFAF25-FFBE-578F-3B4E-3457A45AFC8D}"/>
+              </a:ext>
+              <a:ext uri="{C183D7F6-B498-43B3-948B-1728B52AA6E4}">
+                <adec:decorative xmlns:adec="http://schemas.microsoft.com/office/drawing/2017/decorative" val="1"/>
+              </a:ext>
+            </a:extLst>
+          </p:cNvPr>
+          <p:cNvSpPr>
+            <a:spLocks noGrp="1" noRot="1" noChangeAspect="1" noMove="1" noResize="1" noEditPoints="1" noAdjustHandles="1" noChangeArrowheads="1" noChangeShapeType="1" noTextEdit="1"/>
+          </p:cNvSpPr>
+          <p:nvPr>
+            <p:extLst>
+              <p:ext uri="{386F3935-93C4-4BCD-93E2-E3B085C9AB24}">
+                <p16:designElem xmlns:p16="http://schemas.microsoft.com/office/powerpoint/2015/main" val="1"/>
+              </p:ext>
+            </p:extLst>
+          </p:nvPr>
+        </p:nvSpPr>
+        <p:spPr>
+          <a:xfrm>
+            <a:off x="0" y="0"/>
+            <a:ext cx="12192000" cy="6858000"/>
+          </a:xfrm>
+          <a:prstGeom prst="rect">
+            <a:avLst/>
+          </a:prstGeom>
+          <a:ln>
+            <a:noFill/>
+          </a:ln>
+        </p:spPr>
+        <p:style>
+          <a:lnRef idx="2">
+            <a:schemeClr val="accent1">
+              <a:shade val="50000"/>
+            </a:schemeClr>
+          </a:lnRef>
+          <a:fillRef idx="1">
+            <a:schemeClr val="accent1"/>
+          </a:fillRef>
+          <a:effectRef idx="0">
+            <a:schemeClr val="accent1"/>
+          </a:effectRef>
+          <a:fontRef idx="minor">
+            <a:schemeClr val="lt1"/>
+          </a:fontRef>
+        </p:style>
+        <p:txBody>
+          <a:bodyPr rtlCol="0" anchor="ctr"/>
+          <a:lstStyle/>
+          <a:p>
+            <a:pPr algn="ctr"/>
+            <a:endParaRPr lang="pt-BR" noProof="0" dirty="0"/>
+          </a:p>
+        </p:txBody>
+      </p:sp>
+      <p:pic>
+        <p:nvPicPr>
+          <p:cNvPr id="5" name="Espaço Reservado para Conteúdo 4" descr="Uma imagem contendo mesa, quarto, balcão, espelho&#10;&#10;O conteúdo gerado por IA pode estar incorreto.">
+            <a:extLst>
+              <a:ext uri="{FF2B5EF4-FFF2-40B4-BE49-F238E27FC236}">
+                <a16:creationId xmlns:a16="http://schemas.microsoft.com/office/drawing/2014/main" id="{F1982B3B-575D-F7FF-EFAB-25410A2222EB}"/>
+              </a:ext>
+            </a:extLst>
+          </p:cNvPr>
+          <p:cNvPicPr>
+            <a:picLocks noChangeAspect="1"/>
+          </p:cNvPicPr>
+          <p:nvPr/>
+        </p:nvPicPr>
+        <p:blipFill>
+          <a:blip r:embed="rId2">
+            <a:extLst>
+              <a:ext uri="{28A0092B-C50C-407E-A947-70E740481C1C}">
+                <a14:useLocalDpi xmlns:a14="http://schemas.microsoft.com/office/drawing/2010/main" val="0"/>
+              </a:ext>
+            </a:extLst>
+          </a:blip>
+          <a:srcRect t="28087" r="9090" b="-1"/>
+          <a:stretch/>
+        </p:blipFill>
+        <p:spPr>
+          <a:xfrm>
+            <a:off x="3522468" y="10"/>
+            <a:ext cx="8669532" cy="6857990"/>
+          </a:xfrm>
+          <a:prstGeom prst="rect">
+            <a:avLst/>
+          </a:prstGeom>
+        </p:spPr>
+      </p:pic>
+      <p:sp>
+        <p:nvSpPr>
+          <p:cNvPr id="14" name="Rectangle 13">
+            <a:extLst>
+              <a:ext uri="{FF2B5EF4-FFF2-40B4-BE49-F238E27FC236}">
+                <a16:creationId xmlns:a16="http://schemas.microsoft.com/office/drawing/2014/main" id="{74CFF875-4239-1CE8-4B50-47ACADBA2180}"/>
+              </a:ext>
+              <a:ext uri="{C183D7F6-B498-43B3-948B-1728B52AA6E4}">
+                <adec:decorative xmlns:adec="http://schemas.microsoft.com/office/drawing/2017/decorative" val="1"/>
+              </a:ext>
+            </a:extLst>
+          </p:cNvPr>
+          <p:cNvSpPr>
+            <a:spLocks noGrp="1" noRot="1" noChangeAspect="1" noMove="1" noResize="1" noEditPoints="1" noAdjustHandles="1" noChangeArrowheads="1" noChangeShapeType="1" noTextEdit="1"/>
+          </p:cNvSpPr>
+          <p:nvPr>
+            <p:extLst>
+              <p:ext uri="{386F3935-93C4-4BCD-93E2-E3B085C9AB24}">
+                <p16:designElem xmlns:p16="http://schemas.microsoft.com/office/powerpoint/2015/main" val="1"/>
+              </p:ext>
+            </p:extLst>
+          </p:nvPr>
+        </p:nvSpPr>
+        <p:spPr>
+          <a:xfrm>
+            <a:off x="2" y="0"/>
+            <a:ext cx="9756601" cy="6858000"/>
+          </a:xfrm>
+          <a:prstGeom prst="rect">
+            <a:avLst/>
+          </a:prstGeom>
+          <a:gradFill>
+            <a:gsLst>
+              <a:gs pos="58000">
+                <a:schemeClr val="tx1"/>
+              </a:gs>
+              <a:gs pos="35000">
+                <a:schemeClr val="tx1">
+                  <a:alpha val="78000"/>
+                </a:schemeClr>
+              </a:gs>
+              <a:gs pos="19000">
+                <a:schemeClr val="tx1">
+                  <a:alpha val="38000"/>
+                </a:schemeClr>
+              </a:gs>
+              <a:gs pos="0">
+                <a:schemeClr val="tx1">
+                  <a:alpha val="0"/>
+                </a:schemeClr>
+              </a:gs>
+              <a:gs pos="100000">
+                <a:schemeClr val="tx1"/>
+              </a:gs>
+            </a:gsLst>
+            <a:lin ang="10800000" scaled="0"/>
+          </a:gradFill>
+          <a:ln>
+            <a:noFill/>
+          </a:ln>
+        </p:spPr>
+        <p:style>
+          <a:lnRef idx="2">
+            <a:schemeClr val="accent1">
+              <a:shade val="50000"/>
+            </a:schemeClr>
+          </a:lnRef>
+          <a:fillRef idx="1">
+            <a:schemeClr val="accent1"/>
+          </a:fillRef>
+          <a:effectRef idx="0">
+            <a:schemeClr val="accent1"/>
+          </a:effectRef>
+          <a:fontRef idx="minor">
+            <a:schemeClr val="lt1"/>
+          </a:fontRef>
+        </p:style>
+        <p:txBody>
+          <a:bodyPr rtlCol="0" anchor="ctr"/>
+          <a:lstStyle/>
+          <a:p>
+            <a:pPr algn="ctr"/>
+            <a:endParaRPr lang="pt-BR" noProof="0" dirty="0"/>
+          </a:p>
+        </p:txBody>
+      </p:sp>
+      <p:sp>
+        <p:nvSpPr>
+          <p:cNvPr id="2" name="Título 1">
+            <a:extLst>
+              <a:ext uri="{FF2B5EF4-FFF2-40B4-BE49-F238E27FC236}">
+                <a16:creationId xmlns:a16="http://schemas.microsoft.com/office/drawing/2014/main" id="{BA9AA1AD-A605-ABC9-C2EE-7E93DB7D4896}"/>
+              </a:ext>
+            </a:extLst>
+          </p:cNvPr>
+          <p:cNvSpPr>
+            <a:spLocks noGrp="1"/>
+          </p:cNvSpPr>
+          <p:nvPr>
+            <p:ph type="title"/>
+          </p:nvPr>
+        </p:nvSpPr>
+        <p:spPr>
+          <a:xfrm>
+            <a:off x="371094" y="1161288"/>
+            <a:ext cx="3438144" cy="1124712"/>
+          </a:xfrm>
+        </p:spPr>
+        <p:txBody>
+          <a:bodyPr anchor="b">
+            <a:normAutofit/>
+          </a:bodyPr>
+          <a:lstStyle/>
+          <a:p>
+            <a:r>
+              <a:rPr lang="pt-BR" sz="2800" noProof="0" dirty="0">
+                <a:solidFill>
+                  <a:schemeClr val="bg1"/>
+                </a:solidFill>
+              </a:rPr>
+              <a:t>Análise exploratória</a:t>
+            </a:r>
+          </a:p>
+        </p:txBody>
+      </p:sp>
+      <p:sp>
+        <p:nvSpPr>
+          <p:cNvPr id="16" name="Rectangle 15">
+            <a:extLst>
+              <a:ext uri="{FF2B5EF4-FFF2-40B4-BE49-F238E27FC236}">
+                <a16:creationId xmlns:a16="http://schemas.microsoft.com/office/drawing/2014/main" id="{5820A295-A228-E01B-8B50-95658B7B5FFB}"/>
+              </a:ext>
+              <a:ext uri="{C183D7F6-B498-43B3-948B-1728B52AA6E4}">
+                <adec:decorative xmlns:adec="http://schemas.microsoft.com/office/drawing/2017/decorative" val="1"/>
+              </a:ext>
+            </a:extLst>
+          </p:cNvPr>
+          <p:cNvSpPr>
+            <a:spLocks noGrp="1" noRot="1" noChangeAspect="1" noMove="1" noResize="1" noEditPoints="1" noAdjustHandles="1" noChangeArrowheads="1" noChangeShapeType="1" noTextEdit="1"/>
+          </p:cNvSpPr>
+          <p:nvPr>
+            <p:extLst>
+              <p:ext uri="{386F3935-93C4-4BCD-93E2-E3B085C9AB24}">
+                <p16:designElem xmlns:p16="http://schemas.microsoft.com/office/powerpoint/2015/main" val="1"/>
+              </p:ext>
+            </p:extLst>
+          </p:nvPr>
+        </p:nvSpPr>
+        <p:spPr>
+          <a:xfrm rot="5400000">
+            <a:off x="662559" y="605790"/>
+            <a:ext cx="73152" cy="548640"/>
+          </a:xfrm>
+          <a:prstGeom prst="rect">
+            <a:avLst/>
+          </a:prstGeom>
+          <a:solidFill>
+            <a:schemeClr val="accent2"/>
+          </a:solidFill>
+          <a:ln>
+            <a:noFill/>
+          </a:ln>
+        </p:spPr>
+        <p:style>
+          <a:lnRef idx="2">
+            <a:schemeClr val="accent1">
+              <a:shade val="50000"/>
+            </a:schemeClr>
+          </a:lnRef>
+          <a:fillRef idx="1">
+            <a:schemeClr val="accent1"/>
+          </a:fillRef>
+          <a:effectRef idx="0">
+            <a:schemeClr val="accent1"/>
+          </a:effectRef>
+          <a:fontRef idx="minor">
+            <a:schemeClr val="lt1"/>
+          </a:fontRef>
+        </p:style>
+        <p:txBody>
+          <a:bodyPr rtlCol="0" anchor="ctr"/>
+          <a:lstStyle/>
+          <a:p>
+            <a:pPr algn="ctr"/>
+            <a:endParaRPr lang="pt-BR" noProof="0" dirty="0">
               <a:solidFill>
-                <a:schemeClr val="bg1"/>
+                <a:prstClr val="white"/>
               </a:solidFill>
+              <a:latin typeface="Calibri" panose="020F0502020204030204"/>
             </a:endParaRPr>
           </a:p>
         </p:txBody>
       </p:sp>
+      <p:sp>
+        <p:nvSpPr>
+          <p:cNvPr id="18" name="Rectangle 17">
+            <a:extLst>
+              <a:ext uri="{FF2B5EF4-FFF2-40B4-BE49-F238E27FC236}">
+                <a16:creationId xmlns:a16="http://schemas.microsoft.com/office/drawing/2014/main" id="{5862C0A6-6DA7-D7A9-F402-55C4142F2B2B}"/>
+              </a:ext>
+              <a:ext uri="{C183D7F6-B498-43B3-948B-1728B52AA6E4}">
+                <adec:decorative xmlns:adec="http://schemas.microsoft.com/office/drawing/2017/decorative" val="1"/>
+              </a:ext>
+            </a:extLst>
+          </p:cNvPr>
+          <p:cNvSpPr>
+            <a:spLocks noGrp="1" noRot="1" noChangeAspect="1" noMove="1" noResize="1" noEditPoints="1" noAdjustHandles="1" noChangeArrowheads="1" noChangeShapeType="1" noTextEdit="1"/>
+          </p:cNvSpPr>
+          <p:nvPr>
+            <p:extLst>
+              <p:ext uri="{386F3935-93C4-4BCD-93E2-E3B085C9AB24}">
+                <p16:designElem xmlns:p16="http://schemas.microsoft.com/office/powerpoint/2015/main" val="1"/>
+              </p:ext>
+            </p:extLst>
+          </p:nvPr>
+        </p:nvSpPr>
+        <p:spPr>
+          <a:xfrm>
+            <a:off x="428244" y="2443480"/>
+            <a:ext cx="3300984" cy="9144"/>
+          </a:xfrm>
+          <a:prstGeom prst="rect">
+            <a:avLst/>
+          </a:prstGeom>
+          <a:solidFill>
+            <a:schemeClr val="tx1"/>
+          </a:solidFill>
+          <a:ln w="3175">
+            <a:solidFill>
+              <a:schemeClr val="bg1"/>
+            </a:solidFill>
+          </a:ln>
+          <a:effectLst/>
+        </p:spPr>
+        <p:style>
+          <a:lnRef idx="2">
+            <a:schemeClr val="accent1">
+              <a:shade val="50000"/>
+            </a:schemeClr>
+          </a:lnRef>
+          <a:fillRef idx="1">
+            <a:schemeClr val="accent1"/>
+          </a:fillRef>
+          <a:effectRef idx="0">
+            <a:schemeClr val="accent1"/>
+          </a:effectRef>
+          <a:fontRef idx="minor">
+            <a:schemeClr val="lt1"/>
+          </a:fontRef>
+        </p:style>
+        <p:txBody>
+          <a:bodyPr rtlCol="0" anchor="ctr"/>
+          <a:lstStyle/>
+          <a:p>
+            <a:pPr marL="0" marR="0" lvl="0" indent="0" algn="ctr" defTabSz="914400" rtl="0" eaLnBrk="1" fontAlgn="auto" latinLnBrk="0" hangingPunct="1">
+              <a:lnSpc>
+                <a:spcPct val="100000"/>
+              </a:lnSpc>
+              <a:spcBef>
+                <a:spcPts val="0"/>
+              </a:spcBef>
+              <a:spcAft>
+                <a:spcPts val="0"/>
+              </a:spcAft>
+              <a:buClrTx/>
+              <a:buSzTx/>
+              <a:buFontTx/>
+              <a:buNone/>
+              <a:tabLst/>
+              <a:defRPr/>
+            </a:pPr>
+            <a:endParaRPr kumimoji="0" lang="pt-BR" sz="1800" b="0" i="0" u="none" strike="noStrike" kern="1200" cap="none" spc="0" normalizeH="0" baseline="0" noProof="0" dirty="0">
+              <a:ln>
+                <a:noFill/>
+              </a:ln>
+              <a:solidFill>
+                <a:prstClr val="white"/>
+              </a:solidFill>
+              <a:effectLst/>
+              <a:uLnTx/>
+              <a:uFillTx/>
+              <a:latin typeface="Calibri" panose="020F0502020204030204"/>
+              <a:ea typeface="+mn-ea"/>
+              <a:cs typeface="+mn-cs"/>
+            </a:endParaRPr>
+          </a:p>
+        </p:txBody>
+      </p:sp>
+      <p:pic>
+        <p:nvPicPr>
+          <p:cNvPr id="4" name="Espaço Reservado para Conteúdo 3">
+            <a:extLst>
+              <a:ext uri="{FF2B5EF4-FFF2-40B4-BE49-F238E27FC236}">
+                <a16:creationId xmlns:a16="http://schemas.microsoft.com/office/drawing/2014/main" id="{46CD3B9A-7559-FAC5-0593-10F3BFD2DEB1}"/>
+              </a:ext>
+            </a:extLst>
+          </p:cNvPr>
+          <p:cNvPicPr>
+            <a:picLocks noGrp="1" noChangeAspect="1"/>
+          </p:cNvPicPr>
+          <p:nvPr>
+            <p:ph idx="1"/>
+          </p:nvPr>
+        </p:nvPicPr>
+        <p:blipFill>
+          <a:blip r:embed="rId3"/>
+          <a:stretch>
+            <a:fillRect/>
+          </a:stretch>
+        </p:blipFill>
+        <p:spPr>
+          <a:xfrm>
+            <a:off x="371095" y="2610104"/>
+            <a:ext cx="5029042" cy="2811105"/>
+          </a:xfrm>
+        </p:spPr>
+      </p:pic>
+      <p:pic>
+        <p:nvPicPr>
+          <p:cNvPr id="7" name="Imagem 6">
+            <a:extLst>
+              <a:ext uri="{FF2B5EF4-FFF2-40B4-BE49-F238E27FC236}">
+                <a16:creationId xmlns:a16="http://schemas.microsoft.com/office/drawing/2014/main" id="{8294D403-FFB5-8991-1E5F-08798466C1B6}"/>
+              </a:ext>
+            </a:extLst>
+          </p:cNvPr>
+          <p:cNvPicPr>
+            <a:picLocks noChangeAspect="1"/>
+          </p:cNvPicPr>
+          <p:nvPr/>
+        </p:nvPicPr>
+        <p:blipFill>
+          <a:blip r:embed="rId4"/>
+          <a:stretch>
+            <a:fillRect/>
+          </a:stretch>
+        </p:blipFill>
+        <p:spPr>
+          <a:xfrm>
+            <a:off x="5519929" y="313890"/>
+            <a:ext cx="4982270" cy="3115110"/>
+          </a:xfrm>
+          <a:prstGeom prst="rect">
+            <a:avLst/>
+          </a:prstGeom>
+        </p:spPr>
+      </p:pic>
+      <p:pic>
+        <p:nvPicPr>
+          <p:cNvPr id="10" name="Imagem 9">
+            <a:extLst>
+              <a:ext uri="{FF2B5EF4-FFF2-40B4-BE49-F238E27FC236}">
+                <a16:creationId xmlns:a16="http://schemas.microsoft.com/office/drawing/2014/main" id="{AF50864A-F321-13D6-3E70-4FF1619ED4FD}"/>
+              </a:ext>
+            </a:extLst>
+          </p:cNvPr>
+          <p:cNvPicPr>
+            <a:picLocks noChangeAspect="1"/>
+          </p:cNvPicPr>
+          <p:nvPr/>
+        </p:nvPicPr>
+        <p:blipFill>
+          <a:blip r:embed="rId5"/>
+          <a:stretch>
+            <a:fillRect/>
+          </a:stretch>
+        </p:blipFill>
+        <p:spPr>
+          <a:xfrm>
+            <a:off x="5519929" y="3562129"/>
+            <a:ext cx="5611008" cy="3162741"/>
+          </a:xfrm>
+          <a:prstGeom prst="rect">
+            <a:avLst/>
+          </a:prstGeom>
+        </p:spPr>
+      </p:pic>
+    </p:spTree>
+    <p:extLst>
+      <p:ext uri="{BB962C8B-B14F-4D97-AF65-F5344CB8AC3E}">
+        <p14:creationId xmlns:p14="http://schemas.microsoft.com/office/powerpoint/2010/main" val="939034223"/>
+      </p:ext>
+    </p:extLst>
+  </p:cSld>
+  <p:clrMapOvr>
+    <a:masterClrMapping/>
+  </p:clrMapOvr>
+</p:sld>
+</file>
+
+<file path=ppt/slides/slide13.xml><?xml version="1.0" encoding="utf-8"?>
+<p:sld xmlns:a="http://schemas.openxmlformats.org/drawingml/2006/main" xmlns:r="http://schemas.openxmlformats.org/officeDocument/2006/relationships" xmlns:p="http://schemas.openxmlformats.org/presentationml/2006/main">
+  <p:cSld>
+    <p:bg>
+      <p:bgPr>
+        <a:solidFill>
+          <a:schemeClr val="bg1"/>
+        </a:solidFill>
+        <a:effectLst/>
+      </p:bgPr>
+    </p:bg>
+    <p:spTree>
+      <p:nvGrpSpPr>
+        <p:cNvPr id="1" name="">
+          <a:extLst>
+            <a:ext uri="{FF2B5EF4-FFF2-40B4-BE49-F238E27FC236}">
+              <a16:creationId xmlns:a16="http://schemas.microsoft.com/office/drawing/2014/main" id="{46528EB8-1DB7-BC56-3935-900672059847}"/>
+            </a:ext>
+          </a:extLst>
+        </p:cNvPr>
+        <p:cNvGrpSpPr/>
+        <p:nvPr/>
+      </p:nvGrpSpPr>
+      <p:grpSpPr>
+        <a:xfrm>
+          <a:off x="0" y="0"/>
+          <a:ext cx="0" cy="0"/>
+          <a:chOff x="0" y="0"/>
+          <a:chExt cx="0" cy="0"/>
+        </a:xfrm>
+      </p:grpSpPr>
+      <p:sp useBgFill="1">
+        <p:nvSpPr>
+          <p:cNvPr id="19" name="Rectangle 11">
+            <a:extLst>
+              <a:ext uri="{FF2B5EF4-FFF2-40B4-BE49-F238E27FC236}">
+                <a16:creationId xmlns:a16="http://schemas.microsoft.com/office/drawing/2014/main" id="{DFB401F8-F463-A41A-EC16-0B8FE4869428}"/>
+              </a:ext>
+              <a:ext uri="{C183D7F6-B498-43B3-948B-1728B52AA6E4}">
+                <adec:decorative xmlns:adec="http://schemas.microsoft.com/office/drawing/2017/decorative" val="1"/>
+              </a:ext>
+            </a:extLst>
+          </p:cNvPr>
+          <p:cNvSpPr>
+            <a:spLocks noGrp="1" noRot="1" noChangeAspect="1" noMove="1" noResize="1" noEditPoints="1" noAdjustHandles="1" noChangeArrowheads="1" noChangeShapeType="1" noTextEdit="1"/>
+          </p:cNvSpPr>
+          <p:nvPr>
+            <p:extLst>
+              <p:ext uri="{386F3935-93C4-4BCD-93E2-E3B085C9AB24}">
+                <p16:designElem xmlns:p16="http://schemas.microsoft.com/office/powerpoint/2015/main" val="1"/>
+              </p:ext>
+            </p:extLst>
+          </p:nvPr>
+        </p:nvSpPr>
+        <p:spPr>
+          <a:xfrm>
+            <a:off x="0" y="0"/>
+            <a:ext cx="12192000" cy="6858000"/>
+          </a:xfrm>
+          <a:prstGeom prst="rect">
+            <a:avLst/>
+          </a:prstGeom>
+          <a:ln>
+            <a:noFill/>
+          </a:ln>
+        </p:spPr>
+        <p:style>
+          <a:lnRef idx="2">
+            <a:schemeClr val="accent1">
+              <a:shade val="50000"/>
+            </a:schemeClr>
+          </a:lnRef>
+          <a:fillRef idx="1">
+            <a:schemeClr val="accent1"/>
+          </a:fillRef>
+          <a:effectRef idx="0">
+            <a:schemeClr val="accent1"/>
+          </a:effectRef>
+          <a:fontRef idx="minor">
+            <a:schemeClr val="lt1"/>
+          </a:fontRef>
+        </p:style>
+        <p:txBody>
+          <a:bodyPr rtlCol="0" anchor="ctr"/>
+          <a:lstStyle/>
+          <a:p>
+            <a:pPr algn="ctr"/>
+            <a:endParaRPr lang="pt-BR" noProof="0" dirty="0"/>
+          </a:p>
+        </p:txBody>
+      </p:sp>
+      <p:pic>
+        <p:nvPicPr>
+          <p:cNvPr id="5" name="Espaço Reservado para Conteúdo 4" descr="Uma imagem contendo no interior, mesa, vivendo, quarto&#10;&#10;O conteúdo gerado por IA pode estar incorreto.">
+            <a:extLst>
+              <a:ext uri="{FF2B5EF4-FFF2-40B4-BE49-F238E27FC236}">
+                <a16:creationId xmlns:a16="http://schemas.microsoft.com/office/drawing/2014/main" id="{18BF3E7A-078F-26C5-5AA3-550ACBBB1693}"/>
+              </a:ext>
+            </a:extLst>
+          </p:cNvPr>
+          <p:cNvPicPr>
+            <a:picLocks noChangeAspect="1"/>
+          </p:cNvPicPr>
+          <p:nvPr/>
+        </p:nvPicPr>
+        <p:blipFill>
+          <a:blip r:embed="rId2">
+            <a:extLst>
+              <a:ext uri="{28A0092B-C50C-407E-A947-70E740481C1C}">
+                <a14:useLocalDpi xmlns:a14="http://schemas.microsoft.com/office/drawing/2010/main" val="0"/>
+              </a:ext>
+            </a:extLst>
+          </a:blip>
+          <a:srcRect l="9091" t="28087" r="-1" b="-1"/>
+          <a:stretch/>
+        </p:blipFill>
+        <p:spPr>
+          <a:xfrm>
+            <a:off x="3522468" y="10"/>
+            <a:ext cx="8669532" cy="6857990"/>
+          </a:xfrm>
+          <a:prstGeom prst="rect">
+            <a:avLst/>
+          </a:prstGeom>
+        </p:spPr>
+      </p:pic>
+      <p:sp>
+        <p:nvSpPr>
+          <p:cNvPr id="20" name="Rectangle 13">
+            <a:extLst>
+              <a:ext uri="{FF2B5EF4-FFF2-40B4-BE49-F238E27FC236}">
+                <a16:creationId xmlns:a16="http://schemas.microsoft.com/office/drawing/2014/main" id="{A23008DF-303A-52D1-0E11-3050109D4C59}"/>
+              </a:ext>
+              <a:ext uri="{C183D7F6-B498-43B3-948B-1728B52AA6E4}">
+                <adec:decorative xmlns:adec="http://schemas.microsoft.com/office/drawing/2017/decorative" val="1"/>
+              </a:ext>
+            </a:extLst>
+          </p:cNvPr>
+          <p:cNvSpPr>
+            <a:spLocks noGrp="1" noRot="1" noChangeAspect="1" noMove="1" noResize="1" noEditPoints="1" noAdjustHandles="1" noChangeArrowheads="1" noChangeShapeType="1" noTextEdit="1"/>
+          </p:cNvSpPr>
+          <p:nvPr>
+            <p:extLst>
+              <p:ext uri="{386F3935-93C4-4BCD-93E2-E3B085C9AB24}">
+                <p16:designElem xmlns:p16="http://schemas.microsoft.com/office/powerpoint/2015/main" val="1"/>
+              </p:ext>
+            </p:extLst>
+          </p:nvPr>
+        </p:nvSpPr>
+        <p:spPr>
+          <a:xfrm>
+            <a:off x="2" y="0"/>
+            <a:ext cx="9756601" cy="6858000"/>
+          </a:xfrm>
+          <a:prstGeom prst="rect">
+            <a:avLst/>
+          </a:prstGeom>
+          <a:gradFill>
+            <a:gsLst>
+              <a:gs pos="58000">
+                <a:schemeClr val="tx1"/>
+              </a:gs>
+              <a:gs pos="35000">
+                <a:schemeClr val="tx1">
+                  <a:alpha val="78000"/>
+                </a:schemeClr>
+              </a:gs>
+              <a:gs pos="19000">
+                <a:schemeClr val="tx1">
+                  <a:alpha val="38000"/>
+                </a:schemeClr>
+              </a:gs>
+              <a:gs pos="0">
+                <a:schemeClr val="tx1">
+                  <a:alpha val="0"/>
+                </a:schemeClr>
+              </a:gs>
+              <a:gs pos="100000">
+                <a:schemeClr val="tx1"/>
+              </a:gs>
+            </a:gsLst>
+            <a:lin ang="10800000" scaled="0"/>
+          </a:gradFill>
+          <a:ln>
+            <a:noFill/>
+          </a:ln>
+        </p:spPr>
+        <p:style>
+          <a:lnRef idx="2">
+            <a:schemeClr val="accent1">
+              <a:shade val="50000"/>
+            </a:schemeClr>
+          </a:lnRef>
+          <a:fillRef idx="1">
+            <a:schemeClr val="accent1"/>
+          </a:fillRef>
+          <a:effectRef idx="0">
+            <a:schemeClr val="accent1"/>
+          </a:effectRef>
+          <a:fontRef idx="minor">
+            <a:schemeClr val="lt1"/>
+          </a:fontRef>
+        </p:style>
+        <p:txBody>
+          <a:bodyPr rtlCol="0" anchor="ctr"/>
+          <a:lstStyle/>
+          <a:p>
+            <a:pPr algn="ctr"/>
+            <a:endParaRPr lang="pt-BR" noProof="0" dirty="0"/>
+          </a:p>
+        </p:txBody>
+      </p:sp>
+      <p:sp>
+        <p:nvSpPr>
+          <p:cNvPr id="2" name="Título 1">
+            <a:extLst>
+              <a:ext uri="{FF2B5EF4-FFF2-40B4-BE49-F238E27FC236}">
+                <a16:creationId xmlns:a16="http://schemas.microsoft.com/office/drawing/2014/main" id="{E87CB09B-5A56-B5C9-FE42-D31C62A7EC68}"/>
+              </a:ext>
+            </a:extLst>
+          </p:cNvPr>
+          <p:cNvSpPr>
+            <a:spLocks noGrp="1"/>
+          </p:cNvSpPr>
+          <p:nvPr>
+            <p:ph type="title"/>
+          </p:nvPr>
+        </p:nvSpPr>
+        <p:spPr>
+          <a:xfrm>
+            <a:off x="371094" y="1161288"/>
+            <a:ext cx="3438144" cy="1124712"/>
+          </a:xfrm>
+        </p:spPr>
+        <p:txBody>
+          <a:bodyPr anchor="b">
+            <a:normAutofit/>
+          </a:bodyPr>
+          <a:lstStyle/>
+          <a:p>
+            <a:r>
+              <a:rPr lang="pt-BR" sz="2800" noProof="0" dirty="0">
+                <a:solidFill>
+                  <a:schemeClr val="bg1"/>
+                </a:solidFill>
+              </a:rPr>
+              <a:t>Análise exploratória</a:t>
+            </a:r>
+          </a:p>
+        </p:txBody>
+      </p:sp>
+      <p:sp>
+        <p:nvSpPr>
+          <p:cNvPr id="21" name="Rectangle 15">
+            <a:extLst>
+              <a:ext uri="{FF2B5EF4-FFF2-40B4-BE49-F238E27FC236}">
+                <a16:creationId xmlns:a16="http://schemas.microsoft.com/office/drawing/2014/main" id="{03908EBC-B60D-FE2D-A06C-61D2CC99BC3E}"/>
+              </a:ext>
+              <a:ext uri="{C183D7F6-B498-43B3-948B-1728B52AA6E4}">
+                <adec:decorative xmlns:adec="http://schemas.microsoft.com/office/drawing/2017/decorative" val="1"/>
+              </a:ext>
+            </a:extLst>
+          </p:cNvPr>
+          <p:cNvSpPr>
+            <a:spLocks noGrp="1" noRot="1" noChangeAspect="1" noMove="1" noResize="1" noEditPoints="1" noAdjustHandles="1" noChangeArrowheads="1" noChangeShapeType="1" noTextEdit="1"/>
+          </p:cNvSpPr>
+          <p:nvPr>
+            <p:extLst>
+              <p:ext uri="{386F3935-93C4-4BCD-93E2-E3B085C9AB24}">
+                <p16:designElem xmlns:p16="http://schemas.microsoft.com/office/powerpoint/2015/main" val="1"/>
+              </p:ext>
+            </p:extLst>
+          </p:nvPr>
+        </p:nvSpPr>
+        <p:spPr>
+          <a:xfrm rot="5400000">
+            <a:off x="662559" y="605790"/>
+            <a:ext cx="73152" cy="548640"/>
+          </a:xfrm>
+          <a:prstGeom prst="rect">
+            <a:avLst/>
+          </a:prstGeom>
+          <a:solidFill>
+            <a:schemeClr val="accent2"/>
+          </a:solidFill>
+          <a:ln>
+            <a:noFill/>
+          </a:ln>
+        </p:spPr>
+        <p:style>
+          <a:lnRef idx="2">
+            <a:schemeClr val="accent1">
+              <a:shade val="50000"/>
+            </a:schemeClr>
+          </a:lnRef>
+          <a:fillRef idx="1">
+            <a:schemeClr val="accent1"/>
+          </a:fillRef>
+          <a:effectRef idx="0">
+            <a:schemeClr val="accent1"/>
+          </a:effectRef>
+          <a:fontRef idx="minor">
+            <a:schemeClr val="lt1"/>
+          </a:fontRef>
+        </p:style>
+        <p:txBody>
+          <a:bodyPr rtlCol="0" anchor="ctr"/>
+          <a:lstStyle/>
+          <a:p>
+            <a:pPr algn="ctr"/>
+            <a:endParaRPr lang="pt-BR" noProof="0" dirty="0">
+              <a:solidFill>
+                <a:prstClr val="white"/>
+              </a:solidFill>
+              <a:latin typeface="Calibri" panose="020F0502020204030204"/>
+            </a:endParaRPr>
+          </a:p>
+        </p:txBody>
+      </p:sp>
+      <p:sp>
+        <p:nvSpPr>
+          <p:cNvPr id="18" name="Rectangle 17">
+            <a:extLst>
+              <a:ext uri="{FF2B5EF4-FFF2-40B4-BE49-F238E27FC236}">
+                <a16:creationId xmlns:a16="http://schemas.microsoft.com/office/drawing/2014/main" id="{ADFA94BB-F1A1-AFDD-03CB-D35720D80E85}"/>
+              </a:ext>
+              <a:ext uri="{C183D7F6-B498-43B3-948B-1728B52AA6E4}">
+                <adec:decorative xmlns:adec="http://schemas.microsoft.com/office/drawing/2017/decorative" val="1"/>
+              </a:ext>
+            </a:extLst>
+          </p:cNvPr>
+          <p:cNvSpPr>
+            <a:spLocks noGrp="1" noRot="1" noChangeAspect="1" noMove="1" noResize="1" noEditPoints="1" noAdjustHandles="1" noChangeArrowheads="1" noChangeShapeType="1" noTextEdit="1"/>
+          </p:cNvSpPr>
+          <p:nvPr>
+            <p:extLst>
+              <p:ext uri="{386F3935-93C4-4BCD-93E2-E3B085C9AB24}">
+                <p16:designElem xmlns:p16="http://schemas.microsoft.com/office/powerpoint/2015/main" val="1"/>
+              </p:ext>
+            </p:extLst>
+          </p:nvPr>
+        </p:nvSpPr>
+        <p:spPr>
+          <a:xfrm>
+            <a:off x="428244" y="2443480"/>
+            <a:ext cx="3300984" cy="9144"/>
+          </a:xfrm>
+          <a:prstGeom prst="rect">
+            <a:avLst/>
+          </a:prstGeom>
+          <a:solidFill>
+            <a:schemeClr val="tx1"/>
+          </a:solidFill>
+          <a:ln w="3175">
+            <a:solidFill>
+              <a:schemeClr val="bg1"/>
+            </a:solidFill>
+          </a:ln>
+          <a:effectLst/>
+        </p:spPr>
+        <p:style>
+          <a:lnRef idx="2">
+            <a:schemeClr val="accent1">
+              <a:shade val="50000"/>
+            </a:schemeClr>
+          </a:lnRef>
+          <a:fillRef idx="1">
+            <a:schemeClr val="accent1"/>
+          </a:fillRef>
+          <a:effectRef idx="0">
+            <a:schemeClr val="accent1"/>
+          </a:effectRef>
+          <a:fontRef idx="minor">
+            <a:schemeClr val="lt1"/>
+          </a:fontRef>
+        </p:style>
+        <p:txBody>
+          <a:bodyPr rtlCol="0" anchor="ctr"/>
+          <a:lstStyle/>
+          <a:p>
+            <a:pPr marL="0" marR="0" lvl="0" indent="0" algn="ctr" defTabSz="914400" rtl="0" eaLnBrk="1" fontAlgn="auto" latinLnBrk="0" hangingPunct="1">
+              <a:lnSpc>
+                <a:spcPct val="100000"/>
+              </a:lnSpc>
+              <a:spcBef>
+                <a:spcPts val="0"/>
+              </a:spcBef>
+              <a:spcAft>
+                <a:spcPts val="0"/>
+              </a:spcAft>
+              <a:buClrTx/>
+              <a:buSzTx/>
+              <a:buFontTx/>
+              <a:buNone/>
+              <a:tabLst/>
+              <a:defRPr/>
+            </a:pPr>
+            <a:endParaRPr kumimoji="0" lang="pt-BR" sz="1800" b="0" i="0" u="none" strike="noStrike" kern="1200" cap="none" spc="0" normalizeH="0" baseline="0" noProof="0" dirty="0">
+              <a:ln>
+                <a:noFill/>
+              </a:ln>
+              <a:solidFill>
+                <a:prstClr val="white"/>
+              </a:solidFill>
+              <a:effectLst/>
+              <a:uLnTx/>
+              <a:uFillTx/>
+              <a:latin typeface="Calibri" panose="020F0502020204030204"/>
+              <a:ea typeface="+mn-ea"/>
+              <a:cs typeface="+mn-cs"/>
+            </a:endParaRPr>
+          </a:p>
+        </p:txBody>
+      </p:sp>
+      <p:pic>
+        <p:nvPicPr>
+          <p:cNvPr id="4" name="Espaço Reservado para Conteúdo 3">
+            <a:extLst>
+              <a:ext uri="{FF2B5EF4-FFF2-40B4-BE49-F238E27FC236}">
+                <a16:creationId xmlns:a16="http://schemas.microsoft.com/office/drawing/2014/main" id="{3ED62344-FDC0-075D-DB02-50D2007CE037}"/>
+              </a:ext>
+            </a:extLst>
+          </p:cNvPr>
+          <p:cNvPicPr>
+            <a:picLocks noGrp="1" noChangeAspect="1"/>
+          </p:cNvPicPr>
+          <p:nvPr>
+            <p:ph idx="1"/>
+          </p:nvPr>
+        </p:nvPicPr>
+        <p:blipFill>
+          <a:blip r:embed="rId3"/>
+          <a:stretch>
+            <a:fillRect/>
+          </a:stretch>
+        </p:blipFill>
+        <p:spPr>
+          <a:xfrm>
+            <a:off x="424815" y="2610104"/>
+            <a:ext cx="5132178" cy="3246491"/>
+          </a:xfrm>
+        </p:spPr>
+      </p:pic>
+      <p:pic>
+        <p:nvPicPr>
+          <p:cNvPr id="7" name="Imagem 6">
+            <a:extLst>
+              <a:ext uri="{FF2B5EF4-FFF2-40B4-BE49-F238E27FC236}">
+                <a16:creationId xmlns:a16="http://schemas.microsoft.com/office/drawing/2014/main" id="{0F663A0F-353E-6F3B-93DA-2601B803A4FA}"/>
+              </a:ext>
+            </a:extLst>
+          </p:cNvPr>
+          <p:cNvPicPr>
+            <a:picLocks noChangeAspect="1"/>
+          </p:cNvPicPr>
+          <p:nvPr/>
+        </p:nvPicPr>
+        <p:blipFill>
+          <a:blip r:embed="rId4"/>
+          <a:stretch>
+            <a:fillRect/>
+          </a:stretch>
+        </p:blipFill>
+        <p:spPr>
+          <a:xfrm>
+            <a:off x="6278241" y="1120878"/>
+            <a:ext cx="4953691" cy="3162741"/>
+          </a:xfrm>
+          <a:prstGeom prst="rect">
+            <a:avLst/>
+          </a:prstGeom>
+        </p:spPr>
+      </p:pic>
+      <p:pic>
+        <p:nvPicPr>
+          <p:cNvPr id="10" name="Imagem 9">
+            <a:extLst>
+              <a:ext uri="{FF2B5EF4-FFF2-40B4-BE49-F238E27FC236}">
+                <a16:creationId xmlns:a16="http://schemas.microsoft.com/office/drawing/2014/main" id="{466B1F16-998C-0BCB-12A2-465460415BCE}"/>
+              </a:ext>
+            </a:extLst>
+          </p:cNvPr>
+          <p:cNvPicPr>
+            <a:picLocks noChangeAspect="1"/>
+          </p:cNvPicPr>
+          <p:nvPr/>
+        </p:nvPicPr>
+        <p:blipFill>
+          <a:blip r:embed="rId5"/>
+          <a:stretch>
+            <a:fillRect/>
+          </a:stretch>
+        </p:blipFill>
+        <p:spPr>
+          <a:xfrm>
+            <a:off x="5972004" y="4487337"/>
+            <a:ext cx="5472725" cy="1388203"/>
+          </a:xfrm>
+          <a:prstGeom prst="rect">
+            <a:avLst/>
+          </a:prstGeom>
+        </p:spPr>
+      </p:pic>
     </p:spTree>
     <p:extLst>
       <p:ext uri="{BB962C8B-B14F-4D97-AF65-F5344CB8AC3E}">
@@ -4963,7 +6327,979 @@
 </p:sld>
 </file>
 
-<file path=ppt/slides/slide12.xml><?xml version="1.0" encoding="utf-8"?>
+<file path=ppt/slides/slide14.xml><?xml version="1.0" encoding="utf-8"?>
+<p:sld xmlns:a="http://schemas.openxmlformats.org/drawingml/2006/main" xmlns:r="http://schemas.openxmlformats.org/officeDocument/2006/relationships" xmlns:p="http://schemas.openxmlformats.org/presentationml/2006/main">
+  <p:cSld>
+    <p:bg>
+      <p:bgPr>
+        <a:solidFill>
+          <a:schemeClr val="bg1"/>
+        </a:solidFill>
+        <a:effectLst/>
+      </p:bgPr>
+    </p:bg>
+    <p:spTree>
+      <p:nvGrpSpPr>
+        <p:cNvPr id="1" name="">
+          <a:extLst>
+            <a:ext uri="{FF2B5EF4-FFF2-40B4-BE49-F238E27FC236}">
+              <a16:creationId xmlns:a16="http://schemas.microsoft.com/office/drawing/2014/main" id="{A9F5E3D1-7AA1-866A-B155-518F12B85C16}"/>
+            </a:ext>
+          </a:extLst>
+        </p:cNvPr>
+        <p:cNvGrpSpPr/>
+        <p:nvPr/>
+      </p:nvGrpSpPr>
+      <p:grpSpPr>
+        <a:xfrm>
+          <a:off x="0" y="0"/>
+          <a:ext cx="0" cy="0"/>
+          <a:chOff x="0" y="0"/>
+          <a:chExt cx="0" cy="0"/>
+        </a:xfrm>
+      </p:grpSpPr>
+      <p:sp useBgFill="1">
+        <p:nvSpPr>
+          <p:cNvPr id="12" name="Rectangle 11">
+            <a:extLst>
+              <a:ext uri="{FF2B5EF4-FFF2-40B4-BE49-F238E27FC236}">
+                <a16:creationId xmlns:a16="http://schemas.microsoft.com/office/drawing/2014/main" id="{4A90BCF1-EC64-101F-DBF3-AC5DDCA7FE35}"/>
+              </a:ext>
+              <a:ext uri="{C183D7F6-B498-43B3-948B-1728B52AA6E4}">
+                <adec:decorative xmlns:adec="http://schemas.microsoft.com/office/drawing/2017/decorative" val="1"/>
+              </a:ext>
+            </a:extLst>
+          </p:cNvPr>
+          <p:cNvSpPr>
+            <a:spLocks noGrp="1" noRot="1" noChangeAspect="1" noMove="1" noResize="1" noEditPoints="1" noAdjustHandles="1" noChangeArrowheads="1" noChangeShapeType="1" noTextEdit="1"/>
+          </p:cNvSpPr>
+          <p:nvPr>
+            <p:extLst>
+              <p:ext uri="{386F3935-93C4-4BCD-93E2-E3B085C9AB24}">
+                <p16:designElem xmlns:p16="http://schemas.microsoft.com/office/powerpoint/2015/main" val="1"/>
+              </p:ext>
+            </p:extLst>
+          </p:nvPr>
+        </p:nvSpPr>
+        <p:spPr>
+          <a:xfrm>
+            <a:off x="0" y="0"/>
+            <a:ext cx="12192000" cy="6858000"/>
+          </a:xfrm>
+          <a:prstGeom prst="rect">
+            <a:avLst/>
+          </a:prstGeom>
+          <a:ln>
+            <a:noFill/>
+          </a:ln>
+        </p:spPr>
+        <p:style>
+          <a:lnRef idx="2">
+            <a:schemeClr val="accent1">
+              <a:shade val="50000"/>
+            </a:schemeClr>
+          </a:lnRef>
+          <a:fillRef idx="1">
+            <a:schemeClr val="accent1"/>
+          </a:fillRef>
+          <a:effectRef idx="0">
+            <a:schemeClr val="accent1"/>
+          </a:effectRef>
+          <a:fontRef idx="minor">
+            <a:schemeClr val="lt1"/>
+          </a:fontRef>
+        </p:style>
+        <p:txBody>
+          <a:bodyPr rtlCol="0" anchor="ctr"/>
+          <a:lstStyle/>
+          <a:p>
+            <a:pPr algn="ctr"/>
+            <a:endParaRPr lang="pt-BR" noProof="0" dirty="0"/>
+          </a:p>
+        </p:txBody>
+      </p:sp>
+      <p:pic>
+        <p:nvPicPr>
+          <p:cNvPr id="5" name="Espaço Reservado para Conteúdo 4" descr="Uma imagem contendo mesa, quarto, balcão, espelho&#10;&#10;O conteúdo gerado por IA pode estar incorreto.">
+            <a:extLst>
+              <a:ext uri="{FF2B5EF4-FFF2-40B4-BE49-F238E27FC236}">
+                <a16:creationId xmlns:a16="http://schemas.microsoft.com/office/drawing/2014/main" id="{9846A4BD-57D5-3910-AAC4-93EF667A7C96}"/>
+              </a:ext>
+            </a:extLst>
+          </p:cNvPr>
+          <p:cNvPicPr>
+            <a:picLocks noChangeAspect="1"/>
+          </p:cNvPicPr>
+          <p:nvPr/>
+        </p:nvPicPr>
+        <p:blipFill>
+          <a:blip r:embed="rId2">
+            <a:extLst>
+              <a:ext uri="{28A0092B-C50C-407E-A947-70E740481C1C}">
+                <a14:useLocalDpi xmlns:a14="http://schemas.microsoft.com/office/drawing/2010/main" val="0"/>
+              </a:ext>
+            </a:extLst>
+          </a:blip>
+          <a:srcRect t="28087" r="9090" b="-1"/>
+          <a:stretch/>
+        </p:blipFill>
+        <p:spPr>
+          <a:xfrm>
+            <a:off x="3522468" y="10"/>
+            <a:ext cx="8669532" cy="6857990"/>
+          </a:xfrm>
+          <a:prstGeom prst="rect">
+            <a:avLst/>
+          </a:prstGeom>
+        </p:spPr>
+      </p:pic>
+      <p:sp>
+        <p:nvSpPr>
+          <p:cNvPr id="14" name="Rectangle 13">
+            <a:extLst>
+              <a:ext uri="{FF2B5EF4-FFF2-40B4-BE49-F238E27FC236}">
+                <a16:creationId xmlns:a16="http://schemas.microsoft.com/office/drawing/2014/main" id="{87B89CFE-EEB3-DCF6-903A-C8B2A6D59580}"/>
+              </a:ext>
+              <a:ext uri="{C183D7F6-B498-43B3-948B-1728B52AA6E4}">
+                <adec:decorative xmlns:adec="http://schemas.microsoft.com/office/drawing/2017/decorative" val="1"/>
+              </a:ext>
+            </a:extLst>
+          </p:cNvPr>
+          <p:cNvSpPr>
+            <a:spLocks noGrp="1" noRot="1" noChangeAspect="1" noMove="1" noResize="1" noEditPoints="1" noAdjustHandles="1" noChangeArrowheads="1" noChangeShapeType="1" noTextEdit="1"/>
+          </p:cNvSpPr>
+          <p:nvPr>
+            <p:extLst>
+              <p:ext uri="{386F3935-93C4-4BCD-93E2-E3B085C9AB24}">
+                <p16:designElem xmlns:p16="http://schemas.microsoft.com/office/powerpoint/2015/main" val="1"/>
+              </p:ext>
+            </p:extLst>
+          </p:nvPr>
+        </p:nvSpPr>
+        <p:spPr>
+          <a:xfrm>
+            <a:off x="2" y="0"/>
+            <a:ext cx="9756601" cy="6858000"/>
+          </a:xfrm>
+          <a:prstGeom prst="rect">
+            <a:avLst/>
+          </a:prstGeom>
+          <a:gradFill>
+            <a:gsLst>
+              <a:gs pos="58000">
+                <a:schemeClr val="tx1"/>
+              </a:gs>
+              <a:gs pos="35000">
+                <a:schemeClr val="tx1">
+                  <a:alpha val="78000"/>
+                </a:schemeClr>
+              </a:gs>
+              <a:gs pos="19000">
+                <a:schemeClr val="tx1">
+                  <a:alpha val="38000"/>
+                </a:schemeClr>
+              </a:gs>
+              <a:gs pos="0">
+                <a:schemeClr val="tx1">
+                  <a:alpha val="0"/>
+                </a:schemeClr>
+              </a:gs>
+              <a:gs pos="100000">
+                <a:schemeClr val="tx1"/>
+              </a:gs>
+            </a:gsLst>
+            <a:lin ang="10800000" scaled="0"/>
+          </a:gradFill>
+          <a:ln>
+            <a:noFill/>
+          </a:ln>
+        </p:spPr>
+        <p:style>
+          <a:lnRef idx="2">
+            <a:schemeClr val="accent1">
+              <a:shade val="50000"/>
+            </a:schemeClr>
+          </a:lnRef>
+          <a:fillRef idx="1">
+            <a:schemeClr val="accent1"/>
+          </a:fillRef>
+          <a:effectRef idx="0">
+            <a:schemeClr val="accent1"/>
+          </a:effectRef>
+          <a:fontRef idx="minor">
+            <a:schemeClr val="lt1"/>
+          </a:fontRef>
+        </p:style>
+        <p:txBody>
+          <a:bodyPr rtlCol="0" anchor="ctr"/>
+          <a:lstStyle/>
+          <a:p>
+            <a:pPr algn="ctr"/>
+            <a:endParaRPr lang="pt-BR" noProof="0" dirty="0"/>
+          </a:p>
+        </p:txBody>
+      </p:sp>
+      <p:sp>
+        <p:nvSpPr>
+          <p:cNvPr id="2" name="Título 1">
+            <a:extLst>
+              <a:ext uri="{FF2B5EF4-FFF2-40B4-BE49-F238E27FC236}">
+                <a16:creationId xmlns:a16="http://schemas.microsoft.com/office/drawing/2014/main" id="{A385C073-8F73-A196-CEE3-1F3745D10C89}"/>
+              </a:ext>
+            </a:extLst>
+          </p:cNvPr>
+          <p:cNvSpPr>
+            <a:spLocks noGrp="1"/>
+          </p:cNvSpPr>
+          <p:nvPr>
+            <p:ph type="title"/>
+          </p:nvPr>
+        </p:nvSpPr>
+        <p:spPr>
+          <a:xfrm>
+            <a:off x="371094" y="1161288"/>
+            <a:ext cx="3438144" cy="1124712"/>
+          </a:xfrm>
+        </p:spPr>
+        <p:txBody>
+          <a:bodyPr anchor="b">
+            <a:normAutofit/>
+          </a:bodyPr>
+          <a:lstStyle/>
+          <a:p>
+            <a:r>
+              <a:rPr lang="pt-BR" sz="2800" noProof="0" dirty="0">
+                <a:solidFill>
+                  <a:schemeClr val="bg1"/>
+                </a:solidFill>
+              </a:rPr>
+              <a:t>Análise exploratória</a:t>
+            </a:r>
+          </a:p>
+        </p:txBody>
+      </p:sp>
+      <p:sp>
+        <p:nvSpPr>
+          <p:cNvPr id="16" name="Rectangle 15">
+            <a:extLst>
+              <a:ext uri="{FF2B5EF4-FFF2-40B4-BE49-F238E27FC236}">
+                <a16:creationId xmlns:a16="http://schemas.microsoft.com/office/drawing/2014/main" id="{0E6B49BD-E65A-2A17-077A-5E815EF12F91}"/>
+              </a:ext>
+              <a:ext uri="{C183D7F6-B498-43B3-948B-1728B52AA6E4}">
+                <adec:decorative xmlns:adec="http://schemas.microsoft.com/office/drawing/2017/decorative" val="1"/>
+              </a:ext>
+            </a:extLst>
+          </p:cNvPr>
+          <p:cNvSpPr>
+            <a:spLocks noGrp="1" noRot="1" noChangeAspect="1" noMove="1" noResize="1" noEditPoints="1" noAdjustHandles="1" noChangeArrowheads="1" noChangeShapeType="1" noTextEdit="1"/>
+          </p:cNvSpPr>
+          <p:nvPr>
+            <p:extLst>
+              <p:ext uri="{386F3935-93C4-4BCD-93E2-E3B085C9AB24}">
+                <p16:designElem xmlns:p16="http://schemas.microsoft.com/office/powerpoint/2015/main" val="1"/>
+              </p:ext>
+            </p:extLst>
+          </p:nvPr>
+        </p:nvSpPr>
+        <p:spPr>
+          <a:xfrm rot="5400000">
+            <a:off x="662559" y="605790"/>
+            <a:ext cx="73152" cy="548640"/>
+          </a:xfrm>
+          <a:prstGeom prst="rect">
+            <a:avLst/>
+          </a:prstGeom>
+          <a:solidFill>
+            <a:schemeClr val="accent2"/>
+          </a:solidFill>
+          <a:ln>
+            <a:noFill/>
+          </a:ln>
+        </p:spPr>
+        <p:style>
+          <a:lnRef idx="2">
+            <a:schemeClr val="accent1">
+              <a:shade val="50000"/>
+            </a:schemeClr>
+          </a:lnRef>
+          <a:fillRef idx="1">
+            <a:schemeClr val="accent1"/>
+          </a:fillRef>
+          <a:effectRef idx="0">
+            <a:schemeClr val="accent1"/>
+          </a:effectRef>
+          <a:fontRef idx="minor">
+            <a:schemeClr val="lt1"/>
+          </a:fontRef>
+        </p:style>
+        <p:txBody>
+          <a:bodyPr rtlCol="0" anchor="ctr"/>
+          <a:lstStyle/>
+          <a:p>
+            <a:pPr algn="ctr"/>
+            <a:endParaRPr lang="pt-BR" noProof="0" dirty="0">
+              <a:solidFill>
+                <a:prstClr val="white"/>
+              </a:solidFill>
+              <a:latin typeface="Calibri" panose="020F0502020204030204"/>
+            </a:endParaRPr>
+          </a:p>
+        </p:txBody>
+      </p:sp>
+      <p:sp>
+        <p:nvSpPr>
+          <p:cNvPr id="18" name="Rectangle 17">
+            <a:extLst>
+              <a:ext uri="{FF2B5EF4-FFF2-40B4-BE49-F238E27FC236}">
+                <a16:creationId xmlns:a16="http://schemas.microsoft.com/office/drawing/2014/main" id="{871FF7D5-58C5-E557-B085-CC996A3EEDE3}"/>
+              </a:ext>
+              <a:ext uri="{C183D7F6-B498-43B3-948B-1728B52AA6E4}">
+                <adec:decorative xmlns:adec="http://schemas.microsoft.com/office/drawing/2017/decorative" val="1"/>
+              </a:ext>
+            </a:extLst>
+          </p:cNvPr>
+          <p:cNvSpPr>
+            <a:spLocks noGrp="1" noRot="1" noChangeAspect="1" noMove="1" noResize="1" noEditPoints="1" noAdjustHandles="1" noChangeArrowheads="1" noChangeShapeType="1" noTextEdit="1"/>
+          </p:cNvSpPr>
+          <p:nvPr>
+            <p:extLst>
+              <p:ext uri="{386F3935-93C4-4BCD-93E2-E3B085C9AB24}">
+                <p16:designElem xmlns:p16="http://schemas.microsoft.com/office/powerpoint/2015/main" val="1"/>
+              </p:ext>
+            </p:extLst>
+          </p:nvPr>
+        </p:nvSpPr>
+        <p:spPr>
+          <a:xfrm>
+            <a:off x="428244" y="2443480"/>
+            <a:ext cx="3300984" cy="9144"/>
+          </a:xfrm>
+          <a:prstGeom prst="rect">
+            <a:avLst/>
+          </a:prstGeom>
+          <a:solidFill>
+            <a:schemeClr val="tx1"/>
+          </a:solidFill>
+          <a:ln w="3175">
+            <a:solidFill>
+              <a:schemeClr val="bg1"/>
+            </a:solidFill>
+          </a:ln>
+          <a:effectLst/>
+        </p:spPr>
+        <p:style>
+          <a:lnRef idx="2">
+            <a:schemeClr val="accent1">
+              <a:shade val="50000"/>
+            </a:schemeClr>
+          </a:lnRef>
+          <a:fillRef idx="1">
+            <a:schemeClr val="accent1"/>
+          </a:fillRef>
+          <a:effectRef idx="0">
+            <a:schemeClr val="accent1"/>
+          </a:effectRef>
+          <a:fontRef idx="minor">
+            <a:schemeClr val="lt1"/>
+          </a:fontRef>
+        </p:style>
+        <p:txBody>
+          <a:bodyPr rtlCol="0" anchor="ctr"/>
+          <a:lstStyle/>
+          <a:p>
+            <a:pPr marL="0" marR="0" lvl="0" indent="0" algn="ctr" defTabSz="914400" rtl="0" eaLnBrk="1" fontAlgn="auto" latinLnBrk="0" hangingPunct="1">
+              <a:lnSpc>
+                <a:spcPct val="100000"/>
+              </a:lnSpc>
+              <a:spcBef>
+                <a:spcPts val="0"/>
+              </a:spcBef>
+              <a:spcAft>
+                <a:spcPts val="0"/>
+              </a:spcAft>
+              <a:buClrTx/>
+              <a:buSzTx/>
+              <a:buFontTx/>
+              <a:buNone/>
+              <a:tabLst/>
+              <a:defRPr/>
+            </a:pPr>
+            <a:endParaRPr kumimoji="0" lang="pt-BR" sz="1800" b="0" i="0" u="none" strike="noStrike" kern="1200" cap="none" spc="0" normalizeH="0" baseline="0" noProof="0" dirty="0">
+              <a:ln>
+                <a:noFill/>
+              </a:ln>
+              <a:solidFill>
+                <a:prstClr val="white"/>
+              </a:solidFill>
+              <a:effectLst/>
+              <a:uLnTx/>
+              <a:uFillTx/>
+              <a:latin typeface="Calibri" panose="020F0502020204030204"/>
+              <a:ea typeface="+mn-ea"/>
+              <a:cs typeface="+mn-cs"/>
+            </a:endParaRPr>
+          </a:p>
+        </p:txBody>
+      </p:sp>
+      <p:pic>
+        <p:nvPicPr>
+          <p:cNvPr id="4" name="Espaço Reservado para Conteúdo 3">
+            <a:extLst>
+              <a:ext uri="{FF2B5EF4-FFF2-40B4-BE49-F238E27FC236}">
+                <a16:creationId xmlns:a16="http://schemas.microsoft.com/office/drawing/2014/main" id="{2EB99D51-6729-7551-F1E1-AD309E3593D9}"/>
+              </a:ext>
+            </a:extLst>
+          </p:cNvPr>
+          <p:cNvPicPr>
+            <a:picLocks noGrp="1" noChangeAspect="1"/>
+          </p:cNvPicPr>
+          <p:nvPr>
+            <p:ph idx="1"/>
+          </p:nvPr>
+        </p:nvPicPr>
+        <p:blipFill>
+          <a:blip r:embed="rId3"/>
+          <a:stretch>
+            <a:fillRect/>
+          </a:stretch>
+        </p:blipFill>
+        <p:spPr>
+          <a:xfrm>
+            <a:off x="424815" y="2737346"/>
+            <a:ext cx="10653083" cy="1956457"/>
+          </a:xfrm>
+        </p:spPr>
+      </p:pic>
+      <p:pic>
+        <p:nvPicPr>
+          <p:cNvPr id="7" name="Imagem 6">
+            <a:extLst>
+              <a:ext uri="{FF2B5EF4-FFF2-40B4-BE49-F238E27FC236}">
+                <a16:creationId xmlns:a16="http://schemas.microsoft.com/office/drawing/2014/main" id="{3FB52592-908E-E355-87DA-3BCD58E76DEF}"/>
+              </a:ext>
+            </a:extLst>
+          </p:cNvPr>
+          <p:cNvPicPr>
+            <a:picLocks noChangeAspect="1"/>
+          </p:cNvPicPr>
+          <p:nvPr/>
+        </p:nvPicPr>
+        <p:blipFill>
+          <a:blip r:embed="rId4"/>
+          <a:stretch>
+            <a:fillRect/>
+          </a:stretch>
+        </p:blipFill>
+        <p:spPr>
+          <a:xfrm>
+            <a:off x="424815" y="4931111"/>
+            <a:ext cx="11247303" cy="1624964"/>
+          </a:xfrm>
+          <a:prstGeom prst="rect">
+            <a:avLst/>
+          </a:prstGeom>
+        </p:spPr>
+      </p:pic>
+    </p:spTree>
+    <p:extLst>
+      <p:ext uri="{BB962C8B-B14F-4D97-AF65-F5344CB8AC3E}">
+        <p14:creationId xmlns:p14="http://schemas.microsoft.com/office/powerpoint/2010/main" val="2077843010"/>
+      </p:ext>
+    </p:extLst>
+  </p:cSld>
+  <p:clrMapOvr>
+    <a:masterClrMapping/>
+  </p:clrMapOvr>
+</p:sld>
+</file>
+
+<file path=ppt/slides/slide15.xml><?xml version="1.0" encoding="utf-8"?>
+<p:sld xmlns:a="http://schemas.openxmlformats.org/drawingml/2006/main" xmlns:r="http://schemas.openxmlformats.org/officeDocument/2006/relationships" xmlns:p="http://schemas.openxmlformats.org/presentationml/2006/main">
+  <p:cSld>
+    <p:bg>
+      <p:bgPr>
+        <a:solidFill>
+          <a:schemeClr val="bg1"/>
+        </a:solidFill>
+        <a:effectLst/>
+      </p:bgPr>
+    </p:bg>
+    <p:spTree>
+      <p:nvGrpSpPr>
+        <p:cNvPr id="1" name="">
+          <a:extLst>
+            <a:ext uri="{FF2B5EF4-FFF2-40B4-BE49-F238E27FC236}">
+              <a16:creationId xmlns:a16="http://schemas.microsoft.com/office/drawing/2014/main" id="{B21A9615-8C25-9385-B316-B521D764D401}"/>
+            </a:ext>
+          </a:extLst>
+        </p:cNvPr>
+        <p:cNvGrpSpPr/>
+        <p:nvPr/>
+      </p:nvGrpSpPr>
+      <p:grpSpPr>
+        <a:xfrm>
+          <a:off x="0" y="0"/>
+          <a:ext cx="0" cy="0"/>
+          <a:chOff x="0" y="0"/>
+          <a:chExt cx="0" cy="0"/>
+        </a:xfrm>
+      </p:grpSpPr>
+      <p:sp useBgFill="1">
+        <p:nvSpPr>
+          <p:cNvPr id="19" name="Rectangle 11">
+            <a:extLst>
+              <a:ext uri="{FF2B5EF4-FFF2-40B4-BE49-F238E27FC236}">
+                <a16:creationId xmlns:a16="http://schemas.microsoft.com/office/drawing/2014/main" id="{26FDAD33-930B-15A1-E523-83A2F4440551}"/>
+              </a:ext>
+              <a:ext uri="{C183D7F6-B498-43B3-948B-1728B52AA6E4}">
+                <adec:decorative xmlns:adec="http://schemas.microsoft.com/office/drawing/2017/decorative" val="1"/>
+              </a:ext>
+            </a:extLst>
+          </p:cNvPr>
+          <p:cNvSpPr>
+            <a:spLocks noGrp="1" noRot="1" noChangeAspect="1" noMove="1" noResize="1" noEditPoints="1" noAdjustHandles="1" noChangeArrowheads="1" noChangeShapeType="1" noTextEdit="1"/>
+          </p:cNvSpPr>
+          <p:nvPr>
+            <p:extLst>
+              <p:ext uri="{386F3935-93C4-4BCD-93E2-E3B085C9AB24}">
+                <p16:designElem xmlns:p16="http://schemas.microsoft.com/office/powerpoint/2015/main" val="1"/>
+              </p:ext>
+            </p:extLst>
+          </p:nvPr>
+        </p:nvSpPr>
+        <p:spPr>
+          <a:xfrm>
+            <a:off x="0" y="0"/>
+            <a:ext cx="12192000" cy="6858000"/>
+          </a:xfrm>
+          <a:prstGeom prst="rect">
+            <a:avLst/>
+          </a:prstGeom>
+          <a:ln>
+            <a:noFill/>
+          </a:ln>
+        </p:spPr>
+        <p:style>
+          <a:lnRef idx="2">
+            <a:schemeClr val="accent1">
+              <a:shade val="50000"/>
+            </a:schemeClr>
+          </a:lnRef>
+          <a:fillRef idx="1">
+            <a:schemeClr val="accent1"/>
+          </a:fillRef>
+          <a:effectRef idx="0">
+            <a:schemeClr val="accent1"/>
+          </a:effectRef>
+          <a:fontRef idx="minor">
+            <a:schemeClr val="lt1"/>
+          </a:fontRef>
+        </p:style>
+        <p:txBody>
+          <a:bodyPr rtlCol="0" anchor="ctr"/>
+          <a:lstStyle/>
+          <a:p>
+            <a:pPr algn="ctr"/>
+            <a:endParaRPr lang="pt-BR" noProof="0" dirty="0"/>
+          </a:p>
+        </p:txBody>
+      </p:sp>
+      <p:pic>
+        <p:nvPicPr>
+          <p:cNvPr id="5" name="Espaço Reservado para Conteúdo 4" descr="Uma imagem contendo no interior, mesa, vivendo, quarto&#10;&#10;O conteúdo gerado por IA pode estar incorreto.">
+            <a:extLst>
+              <a:ext uri="{FF2B5EF4-FFF2-40B4-BE49-F238E27FC236}">
+                <a16:creationId xmlns:a16="http://schemas.microsoft.com/office/drawing/2014/main" id="{E358C64D-0205-7ECC-3262-522879FCFAE6}"/>
+              </a:ext>
+            </a:extLst>
+          </p:cNvPr>
+          <p:cNvPicPr>
+            <a:picLocks noChangeAspect="1"/>
+          </p:cNvPicPr>
+          <p:nvPr/>
+        </p:nvPicPr>
+        <p:blipFill>
+          <a:blip r:embed="rId2">
+            <a:extLst>
+              <a:ext uri="{28A0092B-C50C-407E-A947-70E740481C1C}">
+                <a14:useLocalDpi xmlns:a14="http://schemas.microsoft.com/office/drawing/2010/main" val="0"/>
+              </a:ext>
+            </a:extLst>
+          </a:blip>
+          <a:srcRect l="9091" t="28087" r="-1" b="-1"/>
+          <a:stretch/>
+        </p:blipFill>
+        <p:spPr>
+          <a:xfrm>
+            <a:off x="3522468" y="10"/>
+            <a:ext cx="8669532" cy="6857990"/>
+          </a:xfrm>
+          <a:prstGeom prst="rect">
+            <a:avLst/>
+          </a:prstGeom>
+        </p:spPr>
+      </p:pic>
+      <p:sp>
+        <p:nvSpPr>
+          <p:cNvPr id="20" name="Rectangle 13">
+            <a:extLst>
+              <a:ext uri="{FF2B5EF4-FFF2-40B4-BE49-F238E27FC236}">
+                <a16:creationId xmlns:a16="http://schemas.microsoft.com/office/drawing/2014/main" id="{D7105690-5F53-A38A-5A89-A54019786652}"/>
+              </a:ext>
+              <a:ext uri="{C183D7F6-B498-43B3-948B-1728B52AA6E4}">
+                <adec:decorative xmlns:adec="http://schemas.microsoft.com/office/drawing/2017/decorative" val="1"/>
+              </a:ext>
+            </a:extLst>
+          </p:cNvPr>
+          <p:cNvSpPr>
+            <a:spLocks noGrp="1" noRot="1" noChangeAspect="1" noMove="1" noResize="1" noEditPoints="1" noAdjustHandles="1" noChangeArrowheads="1" noChangeShapeType="1" noTextEdit="1"/>
+          </p:cNvSpPr>
+          <p:nvPr>
+            <p:extLst>
+              <p:ext uri="{386F3935-93C4-4BCD-93E2-E3B085C9AB24}">
+                <p16:designElem xmlns:p16="http://schemas.microsoft.com/office/powerpoint/2015/main" val="1"/>
+              </p:ext>
+            </p:extLst>
+          </p:nvPr>
+        </p:nvSpPr>
+        <p:spPr>
+          <a:xfrm>
+            <a:off x="2" y="0"/>
+            <a:ext cx="9756601" cy="6858000"/>
+          </a:xfrm>
+          <a:prstGeom prst="rect">
+            <a:avLst/>
+          </a:prstGeom>
+          <a:gradFill>
+            <a:gsLst>
+              <a:gs pos="58000">
+                <a:schemeClr val="tx1"/>
+              </a:gs>
+              <a:gs pos="35000">
+                <a:schemeClr val="tx1">
+                  <a:alpha val="78000"/>
+                </a:schemeClr>
+              </a:gs>
+              <a:gs pos="19000">
+                <a:schemeClr val="tx1">
+                  <a:alpha val="38000"/>
+                </a:schemeClr>
+              </a:gs>
+              <a:gs pos="0">
+                <a:schemeClr val="tx1">
+                  <a:alpha val="0"/>
+                </a:schemeClr>
+              </a:gs>
+              <a:gs pos="100000">
+                <a:schemeClr val="tx1"/>
+              </a:gs>
+            </a:gsLst>
+            <a:lin ang="10800000" scaled="0"/>
+          </a:gradFill>
+          <a:ln>
+            <a:noFill/>
+          </a:ln>
+        </p:spPr>
+        <p:style>
+          <a:lnRef idx="2">
+            <a:schemeClr val="accent1">
+              <a:shade val="50000"/>
+            </a:schemeClr>
+          </a:lnRef>
+          <a:fillRef idx="1">
+            <a:schemeClr val="accent1"/>
+          </a:fillRef>
+          <a:effectRef idx="0">
+            <a:schemeClr val="accent1"/>
+          </a:effectRef>
+          <a:fontRef idx="minor">
+            <a:schemeClr val="lt1"/>
+          </a:fontRef>
+        </p:style>
+        <p:txBody>
+          <a:bodyPr rtlCol="0" anchor="ctr"/>
+          <a:lstStyle/>
+          <a:p>
+            <a:pPr algn="ctr"/>
+            <a:endParaRPr lang="pt-BR" noProof="0" dirty="0"/>
+          </a:p>
+        </p:txBody>
+      </p:sp>
+      <p:sp>
+        <p:nvSpPr>
+          <p:cNvPr id="2" name="Título 1">
+            <a:extLst>
+              <a:ext uri="{FF2B5EF4-FFF2-40B4-BE49-F238E27FC236}">
+                <a16:creationId xmlns:a16="http://schemas.microsoft.com/office/drawing/2014/main" id="{72DC1CB6-34D5-E818-5DFB-042414724177}"/>
+              </a:ext>
+            </a:extLst>
+          </p:cNvPr>
+          <p:cNvSpPr>
+            <a:spLocks noGrp="1"/>
+          </p:cNvSpPr>
+          <p:nvPr>
+            <p:ph type="title"/>
+          </p:nvPr>
+        </p:nvSpPr>
+        <p:spPr>
+          <a:xfrm>
+            <a:off x="371094" y="1161288"/>
+            <a:ext cx="3438144" cy="1124712"/>
+          </a:xfrm>
+        </p:spPr>
+        <p:txBody>
+          <a:bodyPr anchor="b">
+            <a:normAutofit/>
+          </a:bodyPr>
+          <a:lstStyle/>
+          <a:p>
+            <a:r>
+              <a:rPr lang="pt-BR" sz="2800" noProof="0" dirty="0">
+                <a:solidFill>
+                  <a:schemeClr val="bg1"/>
+                </a:solidFill>
+              </a:rPr>
+              <a:t>Resultados obtidos</a:t>
+            </a:r>
+          </a:p>
+        </p:txBody>
+      </p:sp>
+      <p:sp>
+        <p:nvSpPr>
+          <p:cNvPr id="21" name="Rectangle 15">
+            <a:extLst>
+              <a:ext uri="{FF2B5EF4-FFF2-40B4-BE49-F238E27FC236}">
+                <a16:creationId xmlns:a16="http://schemas.microsoft.com/office/drawing/2014/main" id="{61D70B0F-A49D-B4B6-622F-C981F3786F9D}"/>
+              </a:ext>
+              <a:ext uri="{C183D7F6-B498-43B3-948B-1728B52AA6E4}">
+                <adec:decorative xmlns:adec="http://schemas.microsoft.com/office/drawing/2017/decorative" val="1"/>
+              </a:ext>
+            </a:extLst>
+          </p:cNvPr>
+          <p:cNvSpPr>
+            <a:spLocks noGrp="1" noRot="1" noChangeAspect="1" noMove="1" noResize="1" noEditPoints="1" noAdjustHandles="1" noChangeArrowheads="1" noChangeShapeType="1" noTextEdit="1"/>
+          </p:cNvSpPr>
+          <p:nvPr>
+            <p:extLst>
+              <p:ext uri="{386F3935-93C4-4BCD-93E2-E3B085C9AB24}">
+                <p16:designElem xmlns:p16="http://schemas.microsoft.com/office/powerpoint/2015/main" val="1"/>
+              </p:ext>
+            </p:extLst>
+          </p:nvPr>
+        </p:nvSpPr>
+        <p:spPr>
+          <a:xfrm rot="5400000">
+            <a:off x="662559" y="605790"/>
+            <a:ext cx="73152" cy="548640"/>
+          </a:xfrm>
+          <a:prstGeom prst="rect">
+            <a:avLst/>
+          </a:prstGeom>
+          <a:solidFill>
+            <a:schemeClr val="accent2"/>
+          </a:solidFill>
+          <a:ln>
+            <a:noFill/>
+          </a:ln>
+        </p:spPr>
+        <p:style>
+          <a:lnRef idx="2">
+            <a:schemeClr val="accent1">
+              <a:shade val="50000"/>
+            </a:schemeClr>
+          </a:lnRef>
+          <a:fillRef idx="1">
+            <a:schemeClr val="accent1"/>
+          </a:fillRef>
+          <a:effectRef idx="0">
+            <a:schemeClr val="accent1"/>
+          </a:effectRef>
+          <a:fontRef idx="minor">
+            <a:schemeClr val="lt1"/>
+          </a:fontRef>
+        </p:style>
+        <p:txBody>
+          <a:bodyPr rtlCol="0" anchor="ctr"/>
+          <a:lstStyle/>
+          <a:p>
+            <a:pPr algn="ctr"/>
+            <a:endParaRPr lang="pt-BR" noProof="0" dirty="0">
+              <a:solidFill>
+                <a:prstClr val="white"/>
+              </a:solidFill>
+              <a:latin typeface="Calibri" panose="020F0502020204030204"/>
+            </a:endParaRPr>
+          </a:p>
+        </p:txBody>
+      </p:sp>
+      <p:sp>
+        <p:nvSpPr>
+          <p:cNvPr id="18" name="Rectangle 17">
+            <a:extLst>
+              <a:ext uri="{FF2B5EF4-FFF2-40B4-BE49-F238E27FC236}">
+                <a16:creationId xmlns:a16="http://schemas.microsoft.com/office/drawing/2014/main" id="{A4C14C7D-F526-E86B-66A3-C37BEB9AFF35}"/>
+              </a:ext>
+              <a:ext uri="{C183D7F6-B498-43B3-948B-1728B52AA6E4}">
+                <adec:decorative xmlns:adec="http://schemas.microsoft.com/office/drawing/2017/decorative" val="1"/>
+              </a:ext>
+            </a:extLst>
+          </p:cNvPr>
+          <p:cNvSpPr>
+            <a:spLocks noGrp="1" noRot="1" noChangeAspect="1" noMove="1" noResize="1" noEditPoints="1" noAdjustHandles="1" noChangeArrowheads="1" noChangeShapeType="1" noTextEdit="1"/>
+          </p:cNvSpPr>
+          <p:nvPr>
+            <p:extLst>
+              <p:ext uri="{386F3935-93C4-4BCD-93E2-E3B085C9AB24}">
+                <p16:designElem xmlns:p16="http://schemas.microsoft.com/office/powerpoint/2015/main" val="1"/>
+              </p:ext>
+            </p:extLst>
+          </p:nvPr>
+        </p:nvSpPr>
+        <p:spPr>
+          <a:xfrm>
+            <a:off x="428244" y="2443480"/>
+            <a:ext cx="3300984" cy="9144"/>
+          </a:xfrm>
+          <a:prstGeom prst="rect">
+            <a:avLst/>
+          </a:prstGeom>
+          <a:solidFill>
+            <a:schemeClr val="tx1"/>
+          </a:solidFill>
+          <a:ln w="3175">
+            <a:solidFill>
+              <a:schemeClr val="bg1"/>
+            </a:solidFill>
+          </a:ln>
+          <a:effectLst/>
+        </p:spPr>
+        <p:style>
+          <a:lnRef idx="2">
+            <a:schemeClr val="accent1">
+              <a:shade val="50000"/>
+            </a:schemeClr>
+          </a:lnRef>
+          <a:fillRef idx="1">
+            <a:schemeClr val="accent1"/>
+          </a:fillRef>
+          <a:effectRef idx="0">
+            <a:schemeClr val="accent1"/>
+          </a:effectRef>
+          <a:fontRef idx="minor">
+            <a:schemeClr val="lt1"/>
+          </a:fontRef>
+        </p:style>
+        <p:txBody>
+          <a:bodyPr rtlCol="0" anchor="ctr"/>
+          <a:lstStyle/>
+          <a:p>
+            <a:pPr marL="0" marR="0" lvl="0" indent="0" algn="ctr" defTabSz="914400" rtl="0" eaLnBrk="1" fontAlgn="auto" latinLnBrk="0" hangingPunct="1">
+              <a:lnSpc>
+                <a:spcPct val="100000"/>
+              </a:lnSpc>
+              <a:spcBef>
+                <a:spcPts val="0"/>
+              </a:spcBef>
+              <a:spcAft>
+                <a:spcPts val="0"/>
+              </a:spcAft>
+              <a:buClrTx/>
+              <a:buSzTx/>
+              <a:buFontTx/>
+              <a:buNone/>
+              <a:tabLst/>
+              <a:defRPr/>
+            </a:pPr>
+            <a:endParaRPr kumimoji="0" lang="pt-BR" sz="1800" b="0" i="0" u="none" strike="noStrike" kern="1200" cap="none" spc="0" normalizeH="0" baseline="0" noProof="0" dirty="0">
+              <a:ln>
+                <a:noFill/>
+              </a:ln>
+              <a:solidFill>
+                <a:prstClr val="white"/>
+              </a:solidFill>
+              <a:effectLst/>
+              <a:uLnTx/>
+              <a:uFillTx/>
+              <a:latin typeface="Calibri" panose="020F0502020204030204"/>
+              <a:ea typeface="+mn-ea"/>
+              <a:cs typeface="+mn-cs"/>
+            </a:endParaRPr>
+          </a:p>
+        </p:txBody>
+      </p:sp>
+      <p:sp>
+        <p:nvSpPr>
+          <p:cNvPr id="9" name="Content Placeholder 8">
+            <a:extLst>
+              <a:ext uri="{FF2B5EF4-FFF2-40B4-BE49-F238E27FC236}">
+                <a16:creationId xmlns:a16="http://schemas.microsoft.com/office/drawing/2014/main" id="{C527C642-A52A-10FB-BBBF-3D53E8C70DDD}"/>
+              </a:ext>
+            </a:extLst>
+          </p:cNvPr>
+          <p:cNvSpPr>
+            <a:spLocks noGrp="1"/>
+          </p:cNvSpPr>
+          <p:nvPr>
+            <p:ph idx="1"/>
+          </p:nvPr>
+        </p:nvSpPr>
+        <p:spPr>
+          <a:xfrm>
+            <a:off x="371093" y="2718053"/>
+            <a:ext cx="5724907" cy="3743131"/>
+          </a:xfrm>
+        </p:spPr>
+        <p:txBody>
+          <a:bodyPr anchor="t">
+            <a:normAutofit/>
+          </a:bodyPr>
+          <a:lstStyle/>
+          <a:p>
+            <a:pPr algn="just"/>
+            <a:r>
+              <a:rPr lang="pt-BR" sz="1700" b="1" noProof="0" dirty="0">
+                <a:solidFill>
+                  <a:schemeClr val="bg1"/>
+                </a:solidFill>
+              </a:rPr>
+              <a:t>A taxa contratada tem um poder médio de separação em relação as sentenças</a:t>
+            </a:r>
+            <a:r>
+              <a:rPr lang="pt-BR" sz="1700" b="1" dirty="0">
+                <a:solidFill>
+                  <a:schemeClr val="bg1"/>
+                </a:solidFill>
+              </a:rPr>
+              <a:t>;</a:t>
+            </a:r>
+          </a:p>
+          <a:p>
+            <a:pPr algn="just"/>
+            <a:r>
+              <a:rPr lang="pt-BR" sz="1700" b="1" noProof="0" dirty="0">
+                <a:solidFill>
+                  <a:schemeClr val="bg1"/>
+                </a:solidFill>
+              </a:rPr>
+              <a:t>A região e a estratégia explicam 61% da taxa contratada.</a:t>
+            </a:r>
+          </a:p>
+        </p:txBody>
+      </p:sp>
+    </p:spTree>
+    <p:extLst>
+      <p:ext uri="{BB962C8B-B14F-4D97-AF65-F5344CB8AC3E}">
+        <p14:creationId xmlns:p14="http://schemas.microsoft.com/office/powerpoint/2010/main" val="557315343"/>
+      </p:ext>
+    </p:extLst>
+  </p:cSld>
+  <p:clrMapOvr>
+    <a:masterClrMapping/>
+  </p:clrMapOvr>
+</p:sld>
+</file>
+
+<file path=ppt/slides/slide16.xml><?xml version="1.0" encoding="utf-8"?>
 <p:sld xmlns:a="http://schemas.openxmlformats.org/drawingml/2006/main" xmlns:r="http://schemas.openxmlformats.org/officeDocument/2006/relationships" xmlns:p="http://schemas.openxmlformats.org/presentationml/2006/main">
   <p:cSld>
     <p:bg>
@@ -5146,7 +7482,7 @@
 </p:sld>
 </file>
 
-<file path=ppt/slides/slide13.xml><?xml version="1.0" encoding="utf-8"?>
+<file path=ppt/slides/slide17.xml><?xml version="1.0" encoding="utf-8"?>
 <p:sld xmlns:a="http://schemas.openxmlformats.org/drawingml/2006/main" xmlns:r="http://schemas.openxmlformats.org/officeDocument/2006/relationships" xmlns:p="http://schemas.openxmlformats.org/presentationml/2006/main">
   <p:cSld>
     <p:bg>
@@ -6503,7 +8839,7 @@
                   <a:schemeClr val="bg1"/>
                 </a:solidFill>
               </a:rPr>
-              <a:t>Objetivo do Trabalho</a:t>
+              <a:t>Introdução e Objetivo do Trabalho</a:t>
             </a:r>
           </a:p>
         </p:txBody>
@@ -9770,7 +12106,7 @@
         <p:cNvPr id="1" name="">
           <a:extLst>
             <a:ext uri="{FF2B5EF4-FFF2-40B4-BE49-F238E27FC236}">
-              <a16:creationId xmlns:a16="http://schemas.microsoft.com/office/drawing/2014/main" id="{D682E1FD-37FD-58E7-D051-26231380E627}"/>
+              <a16:creationId xmlns:a16="http://schemas.microsoft.com/office/drawing/2014/main" id="{672D0A83-ED75-1098-4F81-B29688CCFD49}"/>
             </a:ext>
           </a:extLst>
         </p:cNvPr>
@@ -9790,7 +12126,7 @@
           <p:cNvPr id="19" name="Rectangle 11">
             <a:extLst>
               <a:ext uri="{FF2B5EF4-FFF2-40B4-BE49-F238E27FC236}">
-                <a16:creationId xmlns:a16="http://schemas.microsoft.com/office/drawing/2014/main" id="{068F545F-6516-E2AF-63F5-D8F98888B878}"/>
+                <a16:creationId xmlns:a16="http://schemas.microsoft.com/office/drawing/2014/main" id="{4713D691-D028-CBC5-C644-0E01780C4BE3}"/>
               </a:ext>
               <a:ext uri="{C183D7F6-B498-43B3-948B-1728B52AA6E4}">
                 <adec:decorative xmlns:adec="http://schemas.microsoft.com/office/drawing/2017/decorative" val="1"/>
@@ -9850,7 +12186,7 @@
           <p:cNvPr id="5" name="Espaço Reservado para Conteúdo 4" descr="Uma imagem contendo no interior, mesa, vivendo, quarto&#10;&#10;O conteúdo gerado por IA pode estar incorreto.">
             <a:extLst>
               <a:ext uri="{FF2B5EF4-FFF2-40B4-BE49-F238E27FC236}">
-                <a16:creationId xmlns:a16="http://schemas.microsoft.com/office/drawing/2014/main" id="{E416124F-2A0D-93AE-AEE9-5D1093BA8914}"/>
+                <a16:creationId xmlns:a16="http://schemas.microsoft.com/office/drawing/2014/main" id="{49FB7A30-7CB8-A5E6-2412-CC3F52847767}"/>
               </a:ext>
             </a:extLst>
           </p:cNvPr>
@@ -9885,7 +12221,7 @@
           <p:cNvPr id="20" name="Rectangle 13">
             <a:extLst>
               <a:ext uri="{FF2B5EF4-FFF2-40B4-BE49-F238E27FC236}">
-                <a16:creationId xmlns:a16="http://schemas.microsoft.com/office/drawing/2014/main" id="{CA05D59A-6080-AD77-802E-4C4CDB4D626F}"/>
+                <a16:creationId xmlns:a16="http://schemas.microsoft.com/office/drawing/2014/main" id="{126B82DD-F703-0B23-BEC2-544BEBE0A845}"/>
               </a:ext>
               <a:ext uri="{C183D7F6-B498-43B3-948B-1728B52AA6E4}">
                 <adec:decorative xmlns:adec="http://schemas.microsoft.com/office/drawing/2017/decorative" val="1"/>
@@ -9971,7 +12307,7 @@
           <p:cNvPr id="2" name="Título 1">
             <a:extLst>
               <a:ext uri="{FF2B5EF4-FFF2-40B4-BE49-F238E27FC236}">
-                <a16:creationId xmlns:a16="http://schemas.microsoft.com/office/drawing/2014/main" id="{9F4EDEF1-3319-F3B1-C32D-05155720333C}"/>
+                <a16:creationId xmlns:a16="http://schemas.microsoft.com/office/drawing/2014/main" id="{45306EF7-30EE-F1A3-D0DD-769E4518F316}"/>
               </a:ext>
             </a:extLst>
           </p:cNvPr>
@@ -10000,7 +12336,22 @@
                   <a:schemeClr val="bg1"/>
                 </a:solidFill>
               </a:rPr>
-              <a:t>Análise exploratória</a:t>
+              <a:t>Metodologia </a:t>
+            </a:r>
+            <a:br>
+              <a:rPr lang="pt-BR" sz="2800" noProof="0" dirty="0">
+                <a:solidFill>
+                  <a:schemeClr val="bg1"/>
+                </a:solidFill>
+              </a:rPr>
+            </a:br>
+            <a:r>
+              <a:rPr lang="pt-BR" sz="2800" noProof="0" dirty="0">
+                <a:solidFill>
+                  <a:schemeClr val="bg1"/>
+                </a:solidFill>
+              </a:rPr>
+              <a:t>CRISP-DM</a:t>
             </a:r>
           </a:p>
         </p:txBody>
@@ -10010,7 +12361,7 @@
           <p:cNvPr id="21" name="Rectangle 15">
             <a:extLst>
               <a:ext uri="{FF2B5EF4-FFF2-40B4-BE49-F238E27FC236}">
-                <a16:creationId xmlns:a16="http://schemas.microsoft.com/office/drawing/2014/main" id="{6FD05660-7883-E0E0-2419-389AE2DEB28D}"/>
+                <a16:creationId xmlns:a16="http://schemas.microsoft.com/office/drawing/2014/main" id="{DC2C039A-626C-B6AC-09C0-9460D68F8D76}"/>
               </a:ext>
               <a:ext uri="{C183D7F6-B498-43B3-948B-1728B52AA6E4}">
                 <adec:decorative xmlns:adec="http://schemas.microsoft.com/office/drawing/2017/decorative" val="1"/>
@@ -10078,7 +12429,7 @@
           <p:cNvPr id="18" name="Rectangle 17">
             <a:extLst>
               <a:ext uri="{FF2B5EF4-FFF2-40B4-BE49-F238E27FC236}">
-                <a16:creationId xmlns:a16="http://schemas.microsoft.com/office/drawing/2014/main" id="{19C77C16-F894-FB2A-90F4-41281E2374AE}"/>
+                <a16:creationId xmlns:a16="http://schemas.microsoft.com/office/drawing/2014/main" id="{821C7E1D-2CE7-B97B-36F8-9931FD76CB8C}"/>
               </a:ext>
               <a:ext uri="{C183D7F6-B498-43B3-948B-1728B52AA6E4}">
                 <adec:decorative xmlns:adec="http://schemas.microsoft.com/office/drawing/2017/decorative" val="1"/>
@@ -10173,7 +12524,7 @@
           <p:cNvPr id="9" name="Content Placeholder 8">
             <a:extLst>
               <a:ext uri="{FF2B5EF4-FFF2-40B4-BE49-F238E27FC236}">
-                <a16:creationId xmlns:a16="http://schemas.microsoft.com/office/drawing/2014/main" id="{CB45536C-FCE2-F789-0023-74A4558869B2}"/>
+                <a16:creationId xmlns:a16="http://schemas.microsoft.com/office/drawing/2014/main" id="{F36B235F-C2E0-3158-8D1A-356041C8D644}"/>
               </a:ext>
             </a:extLst>
           </p:cNvPr>
@@ -10187,7 +12538,7 @@
         <p:spPr>
           <a:xfrm>
             <a:off x="371093" y="2718053"/>
-            <a:ext cx="4382061" cy="3743131"/>
+            <a:ext cx="5724907" cy="3743131"/>
           </a:xfrm>
         </p:spPr>
         <p:txBody>
@@ -10196,8 +12547,256 @@
           </a:bodyPr>
           <a:lstStyle/>
           <a:p>
-            <a:pPr algn="just"/>
-            <a:endParaRPr lang="pt-BR" sz="1700" b="1" noProof="0" dirty="0">
+            <a:pPr marL="0" indent="0" algn="just">
+              <a:buNone/>
+            </a:pPr>
+            <a:r>
+              <a:rPr lang="en-US" sz="1300" b="1" noProof="0" dirty="0">
+                <a:solidFill>
+                  <a:schemeClr val="bg1"/>
+                </a:solidFill>
+              </a:rPr>
+              <a:t>A </a:t>
+            </a:r>
+            <a:r>
+              <a:rPr lang="en-US" sz="1300" b="1" noProof="0" dirty="0" err="1">
+                <a:solidFill>
+                  <a:schemeClr val="bg1"/>
+                </a:solidFill>
+              </a:rPr>
+              <a:t>metodologia</a:t>
+            </a:r>
+            <a:r>
+              <a:rPr lang="en-US" sz="1300" b="1" noProof="0" dirty="0">
+                <a:solidFill>
+                  <a:schemeClr val="bg1"/>
+                </a:solidFill>
+              </a:rPr>
+              <a:t> </a:t>
+            </a:r>
+            <a:r>
+              <a:rPr lang="en-US" sz="1300" b="1" noProof="0" dirty="0" err="1">
+                <a:solidFill>
+                  <a:schemeClr val="bg1"/>
+                </a:solidFill>
+              </a:rPr>
+              <a:t>utilizada</a:t>
+            </a:r>
+            <a:r>
+              <a:rPr lang="en-US" sz="1300" b="1" noProof="0" dirty="0">
+                <a:solidFill>
+                  <a:schemeClr val="bg1"/>
+                </a:solidFill>
+              </a:rPr>
+              <a:t> </a:t>
+            </a:r>
+            <a:r>
+              <a:rPr lang="en-US" sz="1300" b="1" noProof="0" dirty="0" err="1">
+                <a:solidFill>
+                  <a:schemeClr val="bg1"/>
+                </a:solidFill>
+              </a:rPr>
+              <a:t>neste</a:t>
+            </a:r>
+            <a:r>
+              <a:rPr lang="en-US" sz="1300" b="1" noProof="0" dirty="0">
+                <a:solidFill>
+                  <a:schemeClr val="bg1"/>
+                </a:solidFill>
+              </a:rPr>
+              <a:t> </a:t>
+            </a:r>
+            <a:r>
+              <a:rPr lang="en-US" sz="1300" b="1" noProof="0" dirty="0" err="1">
+                <a:solidFill>
+                  <a:schemeClr val="bg1"/>
+                </a:solidFill>
+              </a:rPr>
+              <a:t>projeto</a:t>
+            </a:r>
+            <a:r>
+              <a:rPr lang="en-US" sz="1300" b="1" noProof="0" dirty="0">
+                <a:solidFill>
+                  <a:schemeClr val="bg1"/>
+                </a:solidFill>
+              </a:rPr>
+              <a:t> </a:t>
+            </a:r>
+            <a:r>
+              <a:rPr lang="en-US" sz="1300" b="1" noProof="0" dirty="0" err="1">
+                <a:solidFill>
+                  <a:schemeClr val="bg1"/>
+                </a:solidFill>
+              </a:rPr>
+              <a:t>será</a:t>
+            </a:r>
+            <a:r>
+              <a:rPr lang="en-US" sz="1300" b="1" noProof="0" dirty="0">
+                <a:solidFill>
+                  <a:schemeClr val="bg1"/>
+                </a:solidFill>
+              </a:rPr>
+              <a:t> o CRISP-DM () que </a:t>
+            </a:r>
+            <a:r>
+              <a:rPr lang="en-US" sz="1300" b="1" noProof="0" dirty="0" err="1">
+                <a:solidFill>
+                  <a:schemeClr val="bg1"/>
+                </a:solidFill>
+              </a:rPr>
+              <a:t>possui</a:t>
+            </a:r>
+            <a:r>
+              <a:rPr lang="en-US" sz="1300" b="1" noProof="0" dirty="0">
+                <a:solidFill>
+                  <a:schemeClr val="bg1"/>
+                </a:solidFill>
+              </a:rPr>
+              <a:t> as </a:t>
+            </a:r>
+            <a:r>
+              <a:rPr lang="en-US" sz="1300" b="1" noProof="0" dirty="0" err="1">
+                <a:solidFill>
+                  <a:schemeClr val="bg1"/>
+                </a:solidFill>
+              </a:rPr>
+              <a:t>seguintes</a:t>
+            </a:r>
+            <a:r>
+              <a:rPr lang="en-US" sz="1300" b="1" noProof="0" dirty="0">
+                <a:solidFill>
+                  <a:schemeClr val="bg1"/>
+                </a:solidFill>
+              </a:rPr>
+              <a:t> </a:t>
+            </a:r>
+            <a:r>
+              <a:rPr lang="en-US" sz="1300" b="1" noProof="0" dirty="0" err="1">
+                <a:solidFill>
+                  <a:schemeClr val="bg1"/>
+                </a:solidFill>
+              </a:rPr>
+              <a:t>fase</a:t>
+            </a:r>
+            <a:r>
+              <a:rPr lang="en-US" sz="1300" b="1" noProof="0" dirty="0">
+                <a:solidFill>
+                  <a:schemeClr val="bg1"/>
+                </a:solidFill>
+              </a:rPr>
+              <a:t>:</a:t>
+            </a:r>
+          </a:p>
+          <a:p>
+            <a:pPr marL="0" indent="0" algn="just">
+              <a:buNone/>
+            </a:pPr>
+            <a:r>
+              <a:rPr lang="en-US" sz="1300" b="1" dirty="0">
+                <a:solidFill>
+                  <a:schemeClr val="bg1"/>
+                </a:solidFill>
+              </a:rPr>
+              <a:t>	1. </a:t>
+            </a:r>
+            <a:r>
+              <a:rPr lang="en-US" sz="1300" b="1" dirty="0" err="1">
+                <a:solidFill>
+                  <a:schemeClr val="bg1"/>
+                </a:solidFill>
+              </a:rPr>
+              <a:t>Entendimento</a:t>
+            </a:r>
+            <a:r>
+              <a:rPr lang="en-US" sz="1300" b="1" dirty="0">
+                <a:solidFill>
+                  <a:schemeClr val="bg1"/>
+                </a:solidFill>
+              </a:rPr>
+              <a:t> do Negócio;</a:t>
+            </a:r>
+          </a:p>
+          <a:p>
+            <a:pPr marL="0" indent="0" algn="just">
+              <a:buNone/>
+            </a:pPr>
+            <a:r>
+              <a:rPr lang="en-US" sz="1300" b="1" dirty="0">
+                <a:solidFill>
+                  <a:schemeClr val="bg1"/>
+                </a:solidFill>
+              </a:rPr>
+              <a:t>	2. </a:t>
+            </a:r>
+            <a:r>
+              <a:rPr lang="en-US" sz="1300" b="1" dirty="0" err="1">
+                <a:solidFill>
+                  <a:schemeClr val="bg1"/>
+                </a:solidFill>
+              </a:rPr>
+              <a:t>Entendimento</a:t>
+            </a:r>
+            <a:r>
+              <a:rPr lang="en-US" sz="1300" b="1" dirty="0">
+                <a:solidFill>
+                  <a:schemeClr val="bg1"/>
+                </a:solidFill>
+              </a:rPr>
+              <a:t> dos Dados;</a:t>
+            </a:r>
+          </a:p>
+          <a:p>
+            <a:pPr marL="0" indent="0" algn="just">
+              <a:buNone/>
+            </a:pPr>
+            <a:r>
+              <a:rPr lang="en-US" sz="1300" b="1" dirty="0">
+                <a:solidFill>
+                  <a:schemeClr val="bg1"/>
+                </a:solidFill>
+              </a:rPr>
+              <a:t>	3.</a:t>
+            </a:r>
+          </a:p>
+          <a:p>
+            <a:pPr marL="0" indent="0" algn="just">
+              <a:buNone/>
+            </a:pPr>
+            <a:r>
+              <a:rPr lang="en-US" sz="1300" b="1" dirty="0">
+                <a:solidFill>
+                  <a:schemeClr val="bg1"/>
+                </a:solidFill>
+              </a:rPr>
+              <a:t>	4.</a:t>
+            </a:r>
+          </a:p>
+          <a:p>
+            <a:pPr marL="0" indent="0" algn="just">
+              <a:buNone/>
+            </a:pPr>
+            <a:r>
+              <a:rPr lang="en-US" sz="1300" b="1" dirty="0">
+                <a:solidFill>
+                  <a:schemeClr val="bg1"/>
+                </a:solidFill>
+              </a:rPr>
+              <a:t>	5.</a:t>
+            </a:r>
+          </a:p>
+          <a:p>
+            <a:pPr marL="0" indent="0" algn="just">
+              <a:buNone/>
+            </a:pPr>
+            <a:r>
+              <a:rPr lang="en-US" sz="1300" b="1" dirty="0">
+                <a:solidFill>
+                  <a:schemeClr val="bg1"/>
+                </a:solidFill>
+              </a:rPr>
+              <a:t>	6. </a:t>
+            </a:r>
+            <a:endParaRPr lang="pt-BR" sz="1300" b="1" noProof="0" dirty="0">
               <a:solidFill>
                 <a:schemeClr val="bg1"/>
               </a:solidFill>
@@ -10208,7 +12807,7 @@
     </p:spTree>
     <p:extLst>
       <p:ext uri="{BB962C8B-B14F-4D97-AF65-F5344CB8AC3E}">
-        <p14:creationId xmlns:p14="http://schemas.microsoft.com/office/powerpoint/2010/main" val="3016640367"/>
+        <p14:creationId xmlns:p14="http://schemas.microsoft.com/office/powerpoint/2010/main" val="4153942265"/>
       </p:ext>
     </p:extLst>
   </p:cSld>
